--- a/_presentations/checkpoint_1.pptx
+++ b/_presentations/checkpoint_1.pptx
@@ -1,29 +1,30 @@
 
 <file path=ppt/presentation.xml><?xml version="1.0" encoding="utf-8"?>
-<p:presentation xmlns:a="http://schemas.openxmlformats.org/drawingml/2006/main" xmlns:r="http://schemas.openxmlformats.org/officeDocument/2006/relationships" xmlns:mc="http://schemas.openxmlformats.org/markup-compatibility/2006" xmlns:mv="urn:schemas-microsoft-com:mac:vml" xmlns:p="http://schemas.openxmlformats.org/presentationml/2006/main" xmlns:c="http://schemas.openxmlformats.org/drawingml/2006/chart" xmlns:dgm="http://schemas.openxmlformats.org/drawingml/2006/diagram" xmlns:o="urn:schemas-microsoft-com:office:office" xmlns:v="urn:schemas-microsoft-com:vml" xmlns:pvml="urn:schemas-microsoft-com:office:powerpoint" xmlns:com="http://schemas.openxmlformats.org/drawingml/2006/compatibility" xmlns:p14="http://schemas.microsoft.com/office/powerpoint/2010/main" xmlns:p15="http://schemas.microsoft.com/office/powerpoint/2012/main" xmlns:ahyp="http://schemas.microsoft.com/office/drawing/2018/hyperlinkcolor" autoCompressPictures="0" strictFirstAndLastChars="0" saveSubsetFonts="1">
+<p:presentation xmlns:a="http://schemas.openxmlformats.org/drawingml/2006/main" xmlns:r="http://schemas.openxmlformats.org/officeDocument/2006/relationships" xmlns:p="http://schemas.openxmlformats.org/presentationml/2006/main" strictFirstAndLastChars="0" saveSubsetFonts="1" autoCompressPictures="0">
   <p:sldMasterIdLst>
-    <p:sldMasterId id="2147483659" r:id="rId4"/>
+    <p:sldMasterId id="2147483659" r:id="rId1"/>
   </p:sldMasterIdLst>
   <p:notesMasterIdLst>
-    <p:notesMasterId r:id="rId5"/>
+    <p:notesMasterId r:id="rId14"/>
   </p:notesMasterIdLst>
   <p:sldIdLst>
-    <p:sldId id="256" r:id="rId6"/>
-    <p:sldId id="257" r:id="rId7"/>
-    <p:sldId id="258" r:id="rId8"/>
-    <p:sldId id="259" r:id="rId9"/>
-    <p:sldId id="260" r:id="rId10"/>
-    <p:sldId id="261" r:id="rId11"/>
-    <p:sldId id="262" r:id="rId12"/>
-    <p:sldId id="263" r:id="rId13"/>
-    <p:sldId id="264" r:id="rId14"/>
-    <p:sldId id="265" r:id="rId15"/>
-    <p:sldId id="266" r:id="rId16"/>
+    <p:sldId id="256" r:id="rId2"/>
+    <p:sldId id="257" r:id="rId3"/>
+    <p:sldId id="258" r:id="rId4"/>
+    <p:sldId id="259" r:id="rId5"/>
+    <p:sldId id="267" r:id="rId6"/>
+    <p:sldId id="260" r:id="rId7"/>
+    <p:sldId id="261" r:id="rId8"/>
+    <p:sldId id="262" r:id="rId9"/>
+    <p:sldId id="263" r:id="rId10"/>
+    <p:sldId id="264" r:id="rId11"/>
+    <p:sldId id="265" r:id="rId12"/>
+    <p:sldId id="266" r:id="rId13"/>
   </p:sldIdLst>
-  <p:sldSz cy="5143500" cx="9144000"/>
+  <p:sldSz cx="9144000" cy="5143500" type="screen16x9"/>
   <p:notesSz cx="6858000" cy="9144000"/>
   <p:defaultTextStyle>
-    <a:defPPr lvl="0" marR="0" rtl="0" algn="l">
+    <a:defPPr marR="0" lvl="0" algn="l" rtl="0">
       <a:lnSpc>
         <a:spcPct val="100000"/>
       </a:lnSpc>
@@ -34,7 +35,7 @@
         <a:spcPts val="0"/>
       </a:spcAft>
     </a:defPPr>
-    <a:lvl1pPr lvl="0" marR="0" rtl="0" algn="l">
+    <a:lvl1pPr marR="0" lvl="0" algn="l" rtl="0">
       <a:lnSpc>
         <a:spcPct val="100000"/>
       </a:lnSpc>
@@ -48,7 +49,7 @@
         <a:srgbClr val="000000"/>
       </a:buClr>
       <a:buFont typeface="Arial"/>
-      <a:defRPr b="0" i="0" sz="1400" u="none" cap="none" strike="noStrike">
+      <a:defRPr sz="1400" b="0" i="0" u="none" strike="noStrike" cap="none">
         <a:solidFill>
           <a:srgbClr val="000000"/>
         </a:solidFill>
@@ -58,7 +59,7 @@
         <a:sym typeface="Arial"/>
       </a:defRPr>
     </a:lvl1pPr>
-    <a:lvl2pPr lvl="1" marR="0" rtl="0" algn="l">
+    <a:lvl2pPr marR="0" lvl="1" algn="l" rtl="0">
       <a:lnSpc>
         <a:spcPct val="100000"/>
       </a:lnSpc>
@@ -72,7 +73,7 @@
         <a:srgbClr val="000000"/>
       </a:buClr>
       <a:buFont typeface="Arial"/>
-      <a:defRPr b="0" i="0" sz="1400" u="none" cap="none" strike="noStrike">
+      <a:defRPr sz="1400" b="0" i="0" u="none" strike="noStrike" cap="none">
         <a:solidFill>
           <a:srgbClr val="000000"/>
         </a:solidFill>
@@ -82,7 +83,7 @@
         <a:sym typeface="Arial"/>
       </a:defRPr>
     </a:lvl2pPr>
-    <a:lvl3pPr lvl="2" marR="0" rtl="0" algn="l">
+    <a:lvl3pPr marR="0" lvl="2" algn="l" rtl="0">
       <a:lnSpc>
         <a:spcPct val="100000"/>
       </a:lnSpc>
@@ -96,7 +97,7 @@
         <a:srgbClr val="000000"/>
       </a:buClr>
       <a:buFont typeface="Arial"/>
-      <a:defRPr b="0" i="0" sz="1400" u="none" cap="none" strike="noStrike">
+      <a:defRPr sz="1400" b="0" i="0" u="none" strike="noStrike" cap="none">
         <a:solidFill>
           <a:srgbClr val="000000"/>
         </a:solidFill>
@@ -106,7 +107,7 @@
         <a:sym typeface="Arial"/>
       </a:defRPr>
     </a:lvl3pPr>
-    <a:lvl4pPr lvl="3" marR="0" rtl="0" algn="l">
+    <a:lvl4pPr marR="0" lvl="3" algn="l" rtl="0">
       <a:lnSpc>
         <a:spcPct val="100000"/>
       </a:lnSpc>
@@ -120,7 +121,7 @@
         <a:srgbClr val="000000"/>
       </a:buClr>
       <a:buFont typeface="Arial"/>
-      <a:defRPr b="0" i="0" sz="1400" u="none" cap="none" strike="noStrike">
+      <a:defRPr sz="1400" b="0" i="0" u="none" strike="noStrike" cap="none">
         <a:solidFill>
           <a:srgbClr val="000000"/>
         </a:solidFill>
@@ -130,7 +131,7 @@
         <a:sym typeface="Arial"/>
       </a:defRPr>
     </a:lvl4pPr>
-    <a:lvl5pPr lvl="4" marR="0" rtl="0" algn="l">
+    <a:lvl5pPr marR="0" lvl="4" algn="l" rtl="0">
       <a:lnSpc>
         <a:spcPct val="100000"/>
       </a:lnSpc>
@@ -144,7 +145,7 @@
         <a:srgbClr val="000000"/>
       </a:buClr>
       <a:buFont typeface="Arial"/>
-      <a:defRPr b="0" i="0" sz="1400" u="none" cap="none" strike="noStrike">
+      <a:defRPr sz="1400" b="0" i="0" u="none" strike="noStrike" cap="none">
         <a:solidFill>
           <a:srgbClr val="000000"/>
         </a:solidFill>
@@ -154,7 +155,7 @@
         <a:sym typeface="Arial"/>
       </a:defRPr>
     </a:lvl5pPr>
-    <a:lvl6pPr lvl="5" marR="0" rtl="0" algn="l">
+    <a:lvl6pPr marR="0" lvl="5" algn="l" rtl="0">
       <a:lnSpc>
         <a:spcPct val="100000"/>
       </a:lnSpc>
@@ -168,7 +169,7 @@
         <a:srgbClr val="000000"/>
       </a:buClr>
       <a:buFont typeface="Arial"/>
-      <a:defRPr b="0" i="0" sz="1400" u="none" cap="none" strike="noStrike">
+      <a:defRPr sz="1400" b="0" i="0" u="none" strike="noStrike" cap="none">
         <a:solidFill>
           <a:srgbClr val="000000"/>
         </a:solidFill>
@@ -178,7 +179,7 @@
         <a:sym typeface="Arial"/>
       </a:defRPr>
     </a:lvl6pPr>
-    <a:lvl7pPr lvl="6" marR="0" rtl="0" algn="l">
+    <a:lvl7pPr marR="0" lvl="6" algn="l" rtl="0">
       <a:lnSpc>
         <a:spcPct val="100000"/>
       </a:lnSpc>
@@ -192,7 +193,7 @@
         <a:srgbClr val="000000"/>
       </a:buClr>
       <a:buFont typeface="Arial"/>
-      <a:defRPr b="0" i="0" sz="1400" u="none" cap="none" strike="noStrike">
+      <a:defRPr sz="1400" b="0" i="0" u="none" strike="noStrike" cap="none">
         <a:solidFill>
           <a:srgbClr val="000000"/>
         </a:solidFill>
@@ -202,7 +203,7 @@
         <a:sym typeface="Arial"/>
       </a:defRPr>
     </a:lvl7pPr>
-    <a:lvl8pPr lvl="7" marR="0" rtl="0" algn="l">
+    <a:lvl8pPr marR="0" lvl="7" algn="l" rtl="0">
       <a:lnSpc>
         <a:spcPct val="100000"/>
       </a:lnSpc>
@@ -216,7 +217,7 @@
         <a:srgbClr val="000000"/>
       </a:buClr>
       <a:buFont typeface="Arial"/>
-      <a:defRPr b="0" i="0" sz="1400" u="none" cap="none" strike="noStrike">
+      <a:defRPr sz="1400" b="0" i="0" u="none" strike="noStrike" cap="none">
         <a:solidFill>
           <a:srgbClr val="000000"/>
         </a:solidFill>
@@ -226,7 +227,7 @@
         <a:sym typeface="Arial"/>
       </a:defRPr>
     </a:lvl8pPr>
-    <a:lvl9pPr lvl="8" marR="0" rtl="0" algn="l">
+    <a:lvl9pPr marR="0" lvl="8" algn="l" rtl="0">
       <a:lnSpc>
         <a:spcPct val="100000"/>
       </a:lnSpc>
@@ -240,7 +241,7 @@
         <a:srgbClr val="000000"/>
       </a:buClr>
       <a:buFont typeface="Arial"/>
-      <a:defRPr b="0" i="0" sz="1400" u="none" cap="none" strike="noStrike">
+      <a:defRPr sz="1400" b="0" i="0" u="none" strike="noStrike" cap="none">
         <a:solidFill>
           <a:srgbClr val="000000"/>
         </a:solidFill>
@@ -253,7 +254,7 @@
   </p:defaultTextStyle>
   <p:extLst>
     <p:ext uri="{EFAFB233-063F-42B5-8137-9DF3F51BA10A}">
-      <p15:sldGuideLst>
+      <p15:sldGuideLst xmlns:p15="http://schemas.microsoft.com/office/powerpoint/2012/main">
         <p15:guide id="1" orient="horz" pos="1620">
           <p15:clr>
             <a:srgbClr val="747775"/>
@@ -271,11 +272,16 @@
 </file>
 
 <file path=ppt/notesMasters/notesMaster1.xml><?xml version="1.0" encoding="utf-8"?>
-<p:notesMaster xmlns:a="http://schemas.openxmlformats.org/drawingml/2006/main" xmlns:r="http://schemas.openxmlformats.org/officeDocument/2006/relationships" xmlns:mc="http://schemas.openxmlformats.org/markup-compatibility/2006" xmlns:mv="urn:schemas-microsoft-com:mac:vml" xmlns:p="http://schemas.openxmlformats.org/presentationml/2006/main" xmlns:c="http://schemas.openxmlformats.org/drawingml/2006/chart" xmlns:dgm="http://schemas.openxmlformats.org/drawingml/2006/diagram" xmlns:o="urn:schemas-microsoft-com:office:office" xmlns:v="urn:schemas-microsoft-com:vml" xmlns:pvml="urn:schemas-microsoft-com:office:powerpoint" xmlns:com="http://schemas.openxmlformats.org/drawingml/2006/compatibility" xmlns:p14="http://schemas.microsoft.com/office/powerpoint/2010/main" xmlns:p15="http://schemas.microsoft.com/office/powerpoint/2012/main" xmlns:ahyp="http://schemas.microsoft.com/office/drawing/2018/hyperlinkcolor">
+<p:notesMaster xmlns:a="http://schemas.openxmlformats.org/drawingml/2006/main" xmlns:r="http://schemas.openxmlformats.org/officeDocument/2006/relationships" xmlns:p="http://schemas.openxmlformats.org/presentationml/2006/main">
   <p:cSld>
+    <p:bg>
+      <p:bgRef idx="1001">
+        <a:schemeClr val="bg1"/>
+      </p:bgRef>
+    </p:bg>
     <p:spTree>
       <p:nvGrpSpPr>
-        <p:cNvPr id="2" name="Shape 2"/>
+        <p:cNvPr id="1" name="Shape 2"/>
         <p:cNvGrpSpPr/>
         <p:nvPr/>
       </p:nvGrpSpPr>
@@ -290,9 +296,11 @@
       <p:sp>
         <p:nvSpPr>
           <p:cNvPr id="3" name="Google Shape;3;n"/>
-          <p:cNvSpPr/>
+          <p:cNvSpPr>
+            <a:spLocks noGrp="1" noRot="1" noChangeAspect="1"/>
+          </p:cNvSpPr>
           <p:nvPr>
-            <p:ph idx="2" type="sldImg"/>
+            <p:ph type="sldImg" idx="2"/>
           </p:nvPr>
         </p:nvSpPr>
         <p:spPr>
@@ -301,9 +309,13 @@
             <a:ext cx="6096075" cy="3429000"/>
           </a:xfrm>
           <a:custGeom>
-            <a:rect b="b" l="l" r="r" t="t"/>
+            <a:avLst/>
+            <a:gdLst/>
+            <a:ahLst/>
+            <a:cxnLst/>
+            <a:rect l="l" t="t" r="r" b="b"/>
             <a:pathLst>
-              <a:path extrusionOk="0" h="120000" w="120000">
+              <a:path w="120000" h="120000" extrusionOk="0">
                 <a:moveTo>
                   <a:pt x="0" y="0"/>
                 </a:moveTo>
@@ -321,23 +333,25 @@
             </a:pathLst>
           </a:custGeom>
           <a:noFill/>
-          <a:ln cap="flat" cmpd="sng" w="9525">
+          <a:ln w="9525" cap="flat" cmpd="sng">
             <a:solidFill>
               <a:srgbClr val="000000"/>
             </a:solidFill>
             <a:prstDash val="solid"/>
             <a:round/>
-            <a:headEnd len="sm" w="sm" type="none"/>
-            <a:tailEnd len="sm" w="sm" type="none"/>
+            <a:headEnd type="none" w="sm" len="sm"/>
+            <a:tailEnd type="none" w="sm" len="sm"/>
           </a:ln>
         </p:spPr>
       </p:sp>
       <p:sp>
         <p:nvSpPr>
           <p:cNvPr id="4" name="Google Shape;4;n"/>
-          <p:cNvSpPr txBox="1"/>
+          <p:cNvSpPr txBox="1">
+            <a:spLocks noGrp="1"/>
+          </p:cNvSpPr>
           <p:nvPr>
-            <p:ph idx="1" type="body"/>
+            <p:ph type="body" idx="1"/>
           </p:nvPr>
         </p:nvSpPr>
         <p:spPr>
@@ -354,11 +368,11 @@
           </a:ln>
         </p:spPr>
         <p:txBody>
-          <a:bodyPr anchorCtr="0" anchor="t" bIns="91425" lIns="91425" spcFirstLastPara="1" rIns="91425" wrap="square" tIns="91425">
+          <a:bodyPr spcFirstLastPara="1" wrap="square" lIns="91425" tIns="91425" rIns="91425" bIns="91425" anchor="t" anchorCtr="0">
             <a:noAutofit/>
           </a:bodyPr>
           <a:lstStyle>
-            <a:lvl1pPr indent="-298450" lvl="0" marL="457200">
+            <a:lvl1pPr marL="457200" lvl="0" indent="-298450">
               <a:spcBef>
                 <a:spcPts val="0"/>
               </a:spcBef>
@@ -369,7 +383,7 @@
               <a:buChar char="●"/>
               <a:defRPr sz="1100"/>
             </a:lvl1pPr>
-            <a:lvl2pPr indent="-298450" lvl="1" marL="914400">
+            <a:lvl2pPr marL="914400" lvl="1" indent="-298450">
               <a:spcBef>
                 <a:spcPts val="0"/>
               </a:spcBef>
@@ -380,7 +394,7 @@
               <a:buChar char="○"/>
               <a:defRPr sz="1100"/>
             </a:lvl2pPr>
-            <a:lvl3pPr indent="-298450" lvl="2" marL="1371600">
+            <a:lvl3pPr marL="1371600" lvl="2" indent="-298450">
               <a:spcBef>
                 <a:spcPts val="0"/>
               </a:spcBef>
@@ -391,7 +405,7 @@
               <a:buChar char="■"/>
               <a:defRPr sz="1100"/>
             </a:lvl3pPr>
-            <a:lvl4pPr indent="-298450" lvl="3" marL="1828800">
+            <a:lvl4pPr marL="1828800" lvl="3" indent="-298450">
               <a:spcBef>
                 <a:spcPts val="0"/>
               </a:spcBef>
@@ -402,7 +416,7 @@
               <a:buChar char="●"/>
               <a:defRPr sz="1100"/>
             </a:lvl4pPr>
-            <a:lvl5pPr indent="-298450" lvl="4" marL="2286000">
+            <a:lvl5pPr marL="2286000" lvl="4" indent="-298450">
               <a:spcBef>
                 <a:spcPts val="0"/>
               </a:spcBef>
@@ -413,7 +427,7 @@
               <a:buChar char="○"/>
               <a:defRPr sz="1100"/>
             </a:lvl5pPr>
-            <a:lvl6pPr indent="-298450" lvl="5" marL="2743200">
+            <a:lvl6pPr marL="2743200" lvl="5" indent="-298450">
               <a:spcBef>
                 <a:spcPts val="0"/>
               </a:spcBef>
@@ -424,7 +438,7 @@
               <a:buChar char="■"/>
               <a:defRPr sz="1100"/>
             </a:lvl6pPr>
-            <a:lvl7pPr indent="-298450" lvl="6" marL="3200400">
+            <a:lvl7pPr marL="3200400" lvl="6" indent="-298450">
               <a:spcBef>
                 <a:spcPts val="0"/>
               </a:spcBef>
@@ -435,7 +449,7 @@
               <a:buChar char="●"/>
               <a:defRPr sz="1100"/>
             </a:lvl7pPr>
-            <a:lvl8pPr indent="-298450" lvl="7" marL="3657600">
+            <a:lvl8pPr marL="3657600" lvl="7" indent="-298450">
               <a:spcBef>
                 <a:spcPts val="0"/>
               </a:spcBef>
@@ -446,7 +460,7 @@
               <a:buChar char="○"/>
               <a:defRPr sz="1100"/>
             </a:lvl8pPr>
-            <a:lvl9pPr indent="-298450" lvl="8" marL="4114800">
+            <a:lvl9pPr marL="4114800" lvl="8" indent="-298450">
               <a:spcBef>
                 <a:spcPts val="0"/>
               </a:spcBef>
@@ -458,14 +472,16 @@
               <a:defRPr sz="1100"/>
             </a:lvl9pPr>
           </a:lstStyle>
-          <a:p/>
+          <a:p>
+            <a:endParaRPr/>
+          </a:p>
         </p:txBody>
       </p:sp>
     </p:spTree>
   </p:cSld>
-  <p:clrMap accent1="accent1" accent2="accent2" accent3="accent3" accent4="accent4" accent5="accent5" accent6="accent6" bg1="lt1" bg2="dk2" tx1="dk1" tx2="lt2" folHlink="folHlink" hlink="hlink"/>
+  <p:clrMap bg1="lt1" tx1="dk1" bg2="dk2" tx2="lt2" accent1="accent1" accent2="accent2" accent3="accent3" accent4="accent4" accent5="accent5" accent6="accent6" hlink="hlink" folHlink="folHlink"/>
   <p:notesStyle>
-    <a:defPPr lvl="0" marR="0" rtl="0" algn="l">
+    <a:defPPr marR="0" lvl="0" algn="l" rtl="0">
       <a:lnSpc>
         <a:spcPct val="100000"/>
       </a:lnSpc>
@@ -476,7 +492,7 @@
         <a:spcPts val="0"/>
       </a:spcAft>
     </a:defPPr>
-    <a:lvl1pPr lvl="0" marR="0" rtl="0" algn="l">
+    <a:lvl1pPr marR="0" lvl="0" algn="l" rtl="0">
       <a:lnSpc>
         <a:spcPct val="100000"/>
       </a:lnSpc>
@@ -490,7 +506,7 @@
         <a:srgbClr val="000000"/>
       </a:buClr>
       <a:buFont typeface="Arial"/>
-      <a:defRPr b="0" i="0" sz="1400" u="none" cap="none" strike="noStrike">
+      <a:defRPr sz="1400" b="0" i="0" u="none" strike="noStrike" cap="none">
         <a:solidFill>
           <a:srgbClr val="000000"/>
         </a:solidFill>
@@ -500,7 +516,7 @@
         <a:sym typeface="Arial"/>
       </a:defRPr>
     </a:lvl1pPr>
-    <a:lvl2pPr lvl="1" marR="0" rtl="0" algn="l">
+    <a:lvl2pPr marR="0" lvl="1" algn="l" rtl="0">
       <a:lnSpc>
         <a:spcPct val="100000"/>
       </a:lnSpc>
@@ -514,7 +530,7 @@
         <a:srgbClr val="000000"/>
       </a:buClr>
       <a:buFont typeface="Arial"/>
-      <a:defRPr b="0" i="0" sz="1400" u="none" cap="none" strike="noStrike">
+      <a:defRPr sz="1400" b="0" i="0" u="none" strike="noStrike" cap="none">
         <a:solidFill>
           <a:srgbClr val="000000"/>
         </a:solidFill>
@@ -524,7 +540,7 @@
         <a:sym typeface="Arial"/>
       </a:defRPr>
     </a:lvl2pPr>
-    <a:lvl3pPr lvl="2" marR="0" rtl="0" algn="l">
+    <a:lvl3pPr marR="0" lvl="2" algn="l" rtl="0">
       <a:lnSpc>
         <a:spcPct val="100000"/>
       </a:lnSpc>
@@ -538,7 +554,7 @@
         <a:srgbClr val="000000"/>
       </a:buClr>
       <a:buFont typeface="Arial"/>
-      <a:defRPr b="0" i="0" sz="1400" u="none" cap="none" strike="noStrike">
+      <a:defRPr sz="1400" b="0" i="0" u="none" strike="noStrike" cap="none">
         <a:solidFill>
           <a:srgbClr val="000000"/>
         </a:solidFill>
@@ -548,7 +564,7 @@
         <a:sym typeface="Arial"/>
       </a:defRPr>
     </a:lvl3pPr>
-    <a:lvl4pPr lvl="3" marR="0" rtl="0" algn="l">
+    <a:lvl4pPr marR="0" lvl="3" algn="l" rtl="0">
       <a:lnSpc>
         <a:spcPct val="100000"/>
       </a:lnSpc>
@@ -562,7 +578,7 @@
         <a:srgbClr val="000000"/>
       </a:buClr>
       <a:buFont typeface="Arial"/>
-      <a:defRPr b="0" i="0" sz="1400" u="none" cap="none" strike="noStrike">
+      <a:defRPr sz="1400" b="0" i="0" u="none" strike="noStrike" cap="none">
         <a:solidFill>
           <a:srgbClr val="000000"/>
         </a:solidFill>
@@ -572,7 +588,7 @@
         <a:sym typeface="Arial"/>
       </a:defRPr>
     </a:lvl4pPr>
-    <a:lvl5pPr lvl="4" marR="0" rtl="0" algn="l">
+    <a:lvl5pPr marR="0" lvl="4" algn="l" rtl="0">
       <a:lnSpc>
         <a:spcPct val="100000"/>
       </a:lnSpc>
@@ -586,7 +602,7 @@
         <a:srgbClr val="000000"/>
       </a:buClr>
       <a:buFont typeface="Arial"/>
-      <a:defRPr b="0" i="0" sz="1400" u="none" cap="none" strike="noStrike">
+      <a:defRPr sz="1400" b="0" i="0" u="none" strike="noStrike" cap="none">
         <a:solidFill>
           <a:srgbClr val="000000"/>
         </a:solidFill>
@@ -596,7 +612,7 @@
         <a:sym typeface="Arial"/>
       </a:defRPr>
     </a:lvl5pPr>
-    <a:lvl6pPr lvl="5" marR="0" rtl="0" algn="l">
+    <a:lvl6pPr marR="0" lvl="5" algn="l" rtl="0">
       <a:lnSpc>
         <a:spcPct val="100000"/>
       </a:lnSpc>
@@ -610,7 +626,7 @@
         <a:srgbClr val="000000"/>
       </a:buClr>
       <a:buFont typeface="Arial"/>
-      <a:defRPr b="0" i="0" sz="1400" u="none" cap="none" strike="noStrike">
+      <a:defRPr sz="1400" b="0" i="0" u="none" strike="noStrike" cap="none">
         <a:solidFill>
           <a:srgbClr val="000000"/>
         </a:solidFill>
@@ -620,7 +636,7 @@
         <a:sym typeface="Arial"/>
       </a:defRPr>
     </a:lvl6pPr>
-    <a:lvl7pPr lvl="6" marR="0" rtl="0" algn="l">
+    <a:lvl7pPr marR="0" lvl="6" algn="l" rtl="0">
       <a:lnSpc>
         <a:spcPct val="100000"/>
       </a:lnSpc>
@@ -634,7 +650,7 @@
         <a:srgbClr val="000000"/>
       </a:buClr>
       <a:buFont typeface="Arial"/>
-      <a:defRPr b="0" i="0" sz="1400" u="none" cap="none" strike="noStrike">
+      <a:defRPr sz="1400" b="0" i="0" u="none" strike="noStrike" cap="none">
         <a:solidFill>
           <a:srgbClr val="000000"/>
         </a:solidFill>
@@ -644,7 +660,7 @@
         <a:sym typeface="Arial"/>
       </a:defRPr>
     </a:lvl7pPr>
-    <a:lvl8pPr lvl="7" marR="0" rtl="0" algn="l">
+    <a:lvl8pPr marR="0" lvl="7" algn="l" rtl="0">
       <a:lnSpc>
         <a:spcPct val="100000"/>
       </a:lnSpc>
@@ -658,7 +674,7 @@
         <a:srgbClr val="000000"/>
       </a:buClr>
       <a:buFont typeface="Arial"/>
-      <a:defRPr b="0" i="0" sz="1400" u="none" cap="none" strike="noStrike">
+      <a:defRPr sz="1400" b="0" i="0" u="none" strike="noStrike" cap="none">
         <a:solidFill>
           <a:srgbClr val="000000"/>
         </a:solidFill>
@@ -668,7 +684,7 @@
         <a:sym typeface="Arial"/>
       </a:defRPr>
     </a:lvl8pPr>
-    <a:lvl9pPr lvl="8" marR="0" rtl="0" algn="l">
+    <a:lvl9pPr marR="0" lvl="8" algn="l" rtl="0">
       <a:lnSpc>
         <a:spcPct val="100000"/>
       </a:lnSpc>
@@ -682,7 +698,7 @@
         <a:srgbClr val="000000"/>
       </a:buClr>
       <a:buFont typeface="Arial"/>
-      <a:defRPr b="0" i="0" sz="1400" u="none" cap="none" strike="noStrike">
+      <a:defRPr sz="1400" b="0" i="0" u="none" strike="noStrike" cap="none">
         <a:solidFill>
           <a:srgbClr val="000000"/>
         </a:solidFill>
@@ -697,11 +713,11 @@
 </file>
 
 <file path=ppt/notesSlides/notesSlide1.xml><?xml version="1.0" encoding="utf-8"?>
-<p:notes xmlns:a="http://schemas.openxmlformats.org/drawingml/2006/main" xmlns:r="http://schemas.openxmlformats.org/officeDocument/2006/relationships" xmlns:mc="http://schemas.openxmlformats.org/markup-compatibility/2006" xmlns:mv="urn:schemas-microsoft-com:mac:vml" xmlns:p="http://schemas.openxmlformats.org/presentationml/2006/main" xmlns:c="http://schemas.openxmlformats.org/drawingml/2006/chart" xmlns:dgm="http://schemas.openxmlformats.org/drawingml/2006/diagram" xmlns:o="urn:schemas-microsoft-com:office:office" xmlns:v="urn:schemas-microsoft-com:vml" xmlns:pvml="urn:schemas-microsoft-com:office:powerpoint" xmlns:com="http://schemas.openxmlformats.org/drawingml/2006/compatibility" xmlns:p14="http://schemas.microsoft.com/office/powerpoint/2010/main" xmlns:p15="http://schemas.microsoft.com/office/powerpoint/2012/main" xmlns:ahyp="http://schemas.microsoft.com/office/drawing/2018/hyperlinkcolor" showMasterPhAnim="0" showMasterSp="0">
+<p:notes xmlns:a="http://schemas.openxmlformats.org/drawingml/2006/main" xmlns:r="http://schemas.openxmlformats.org/officeDocument/2006/relationships" xmlns:p="http://schemas.openxmlformats.org/presentationml/2006/main" showMasterSp="0" showMasterPhAnim="0">
   <p:cSld>
     <p:spTree>
       <p:nvGrpSpPr>
-        <p:cNvPr id="50" name="Shape 50"/>
+        <p:cNvPr id="1" name="Shape 50"/>
         <p:cNvGrpSpPr/>
         <p:nvPr/>
       </p:nvGrpSpPr>
@@ -716,20 +732,26 @@
       <p:sp>
         <p:nvSpPr>
           <p:cNvPr id="51" name="Google Shape;51;g287cf4feb3b_0_0:notes"/>
-          <p:cNvSpPr/>
+          <p:cNvSpPr>
+            <a:spLocks noGrp="1" noRot="1" noChangeAspect="1"/>
+          </p:cNvSpPr>
           <p:nvPr>
-            <p:ph idx="2" type="sldImg"/>
+            <p:ph type="sldImg" idx="2"/>
           </p:nvPr>
         </p:nvSpPr>
         <p:spPr>
           <a:xfrm>
-            <a:off x="381300" y="685800"/>
+            <a:off x="381000" y="685800"/>
             <a:ext cx="6096000" cy="3429000"/>
           </a:xfrm>
           <a:custGeom>
-            <a:rect b="b" l="l" r="r" t="t"/>
+            <a:avLst/>
+            <a:gdLst/>
+            <a:ahLst/>
+            <a:cxnLst/>
+            <a:rect l="l" t="t" r="r" b="b"/>
             <a:pathLst>
-              <a:path extrusionOk="0" h="120000" w="120000">
+              <a:path w="120000" h="120000" extrusionOk="0">
                 <a:moveTo>
                   <a:pt x="0" y="0"/>
                 </a:moveTo>
@@ -751,9 +773,11 @@
       <p:sp>
         <p:nvSpPr>
           <p:cNvPr id="52" name="Google Shape;52;g287cf4feb3b_0_0:notes"/>
-          <p:cNvSpPr txBox="1"/>
+          <p:cNvSpPr txBox="1">
+            <a:spLocks noGrp="1"/>
+          </p:cNvSpPr>
           <p:nvPr>
-            <p:ph idx="1" type="body"/>
+            <p:ph type="body" idx="1"/>
           </p:nvPr>
         </p:nvSpPr>
         <p:spPr>
@@ -766,23 +790,20 @@
           </a:prstGeom>
         </p:spPr>
         <p:txBody>
-          <a:bodyPr anchorCtr="0" anchor="t" bIns="91425" lIns="91425" spcFirstLastPara="1" rIns="91425" wrap="square" tIns="91425">
+          <a:bodyPr spcFirstLastPara="1" wrap="square" lIns="91425" tIns="91425" rIns="91425" bIns="91425" anchor="t" anchorCtr="0">
             <a:noAutofit/>
           </a:bodyPr>
           <a:lstStyle/>
           <a:p>
-            <a:pPr indent="0" lvl="0" marL="0" rtl="0" algn="l">
-              <a:spcBef>
-                <a:spcPts val="0"/>
-              </a:spcBef>
-              <a:spcAft>
-                <a:spcPts val="0"/>
-              </a:spcAft>
-              <a:buNone/>
-            </a:pPr>
-            <a:r>
-              <a:t/>
-            </a:r>
+            <a:pPr marL="0" lvl="0" indent="0" algn="l" rtl="0">
+              <a:spcBef>
+                <a:spcPts val="0"/>
+              </a:spcBef>
+              <a:spcAft>
+                <a:spcPts val="0"/>
+              </a:spcAft>
+              <a:buNone/>
+            </a:pPr>
             <a:endParaRPr/>
           </a:p>
         </p:txBody>
@@ -796,11 +817,11 @@
 </file>
 
 <file path=ppt/notesSlides/notesSlide10.xml><?xml version="1.0" encoding="utf-8"?>
-<p:notes xmlns:a="http://schemas.openxmlformats.org/drawingml/2006/main" xmlns:r="http://schemas.openxmlformats.org/officeDocument/2006/relationships" xmlns:mc="http://schemas.openxmlformats.org/markup-compatibility/2006" xmlns:mv="urn:schemas-microsoft-com:mac:vml" xmlns:p="http://schemas.openxmlformats.org/presentationml/2006/main" xmlns:c="http://schemas.openxmlformats.org/drawingml/2006/chart" xmlns:dgm="http://schemas.openxmlformats.org/drawingml/2006/diagram" xmlns:o="urn:schemas-microsoft-com:office:office" xmlns:v="urn:schemas-microsoft-com:vml" xmlns:pvml="urn:schemas-microsoft-com:office:powerpoint" xmlns:com="http://schemas.openxmlformats.org/drawingml/2006/compatibility" xmlns:p14="http://schemas.microsoft.com/office/powerpoint/2010/main" xmlns:p15="http://schemas.microsoft.com/office/powerpoint/2012/main" xmlns:ahyp="http://schemas.microsoft.com/office/drawing/2018/hyperlinkcolor" showMasterPhAnim="0" showMasterSp="0">
+<p:notes xmlns:a="http://schemas.openxmlformats.org/drawingml/2006/main" xmlns:r="http://schemas.openxmlformats.org/officeDocument/2006/relationships" xmlns:p="http://schemas.openxmlformats.org/presentationml/2006/main" showMasterSp="0" showMasterPhAnim="0">
   <p:cSld>
     <p:spTree>
       <p:nvGrpSpPr>
-        <p:cNvPr id="110" name="Shape 110"/>
+        <p:cNvPr id="1" name="Shape 110"/>
         <p:cNvGrpSpPr/>
         <p:nvPr/>
       </p:nvGrpSpPr>
@@ -815,20 +836,26 @@
       <p:sp>
         <p:nvSpPr>
           <p:cNvPr id="111" name="Google Shape;111;g26824e5235a_1_35:notes"/>
-          <p:cNvSpPr/>
+          <p:cNvSpPr>
+            <a:spLocks noGrp="1" noRot="1" noChangeAspect="1"/>
+          </p:cNvSpPr>
           <p:nvPr>
-            <p:ph idx="2" type="sldImg"/>
+            <p:ph type="sldImg" idx="2"/>
           </p:nvPr>
         </p:nvSpPr>
         <p:spPr>
           <a:xfrm>
-            <a:off x="381300" y="685800"/>
+            <a:off x="381000" y="685800"/>
             <a:ext cx="6096000" cy="3429000"/>
           </a:xfrm>
           <a:custGeom>
-            <a:rect b="b" l="l" r="r" t="t"/>
+            <a:avLst/>
+            <a:gdLst/>
+            <a:ahLst/>
+            <a:cxnLst/>
+            <a:rect l="l" t="t" r="r" b="b"/>
             <a:pathLst>
-              <a:path extrusionOk="0" h="120000" w="120000">
+              <a:path w="120000" h="120000" extrusionOk="0">
                 <a:moveTo>
                   <a:pt x="0" y="0"/>
                 </a:moveTo>
@@ -850,9 +877,11 @@
       <p:sp>
         <p:nvSpPr>
           <p:cNvPr id="112" name="Google Shape;112;g26824e5235a_1_35:notes"/>
-          <p:cNvSpPr txBox="1"/>
+          <p:cNvSpPr txBox="1">
+            <a:spLocks noGrp="1"/>
+          </p:cNvSpPr>
           <p:nvPr>
-            <p:ph idx="1" type="body"/>
+            <p:ph type="body" idx="1"/>
           </p:nvPr>
         </p:nvSpPr>
         <p:spPr>
@@ -865,23 +894,20 @@
           </a:prstGeom>
         </p:spPr>
         <p:txBody>
-          <a:bodyPr anchorCtr="0" anchor="t" bIns="91425" lIns="91425" spcFirstLastPara="1" rIns="91425" wrap="square" tIns="91425">
+          <a:bodyPr spcFirstLastPara="1" wrap="square" lIns="91425" tIns="91425" rIns="91425" bIns="91425" anchor="t" anchorCtr="0">
             <a:noAutofit/>
           </a:bodyPr>
           <a:lstStyle/>
           <a:p>
-            <a:pPr indent="0" lvl="0" marL="0" rtl="0" algn="l">
-              <a:spcBef>
-                <a:spcPts val="0"/>
-              </a:spcBef>
-              <a:spcAft>
-                <a:spcPts val="0"/>
-              </a:spcAft>
-              <a:buNone/>
-            </a:pPr>
-            <a:r>
-              <a:t/>
-            </a:r>
+            <a:pPr marL="0" lvl="0" indent="0" algn="l" rtl="0">
+              <a:spcBef>
+                <a:spcPts val="0"/>
+              </a:spcBef>
+              <a:spcAft>
+                <a:spcPts val="0"/>
+              </a:spcAft>
+              <a:buNone/>
+            </a:pPr>
             <a:endParaRPr/>
           </a:p>
         </p:txBody>
@@ -895,11 +921,11 @@
 </file>
 
 <file path=ppt/notesSlides/notesSlide11.xml><?xml version="1.0" encoding="utf-8"?>
-<p:notes xmlns:a="http://schemas.openxmlformats.org/drawingml/2006/main" xmlns:r="http://schemas.openxmlformats.org/officeDocument/2006/relationships" xmlns:mc="http://schemas.openxmlformats.org/markup-compatibility/2006" xmlns:mv="urn:schemas-microsoft-com:mac:vml" xmlns:p="http://schemas.openxmlformats.org/presentationml/2006/main" xmlns:c="http://schemas.openxmlformats.org/drawingml/2006/chart" xmlns:dgm="http://schemas.openxmlformats.org/drawingml/2006/diagram" xmlns:o="urn:schemas-microsoft-com:office:office" xmlns:v="urn:schemas-microsoft-com:vml" xmlns:pvml="urn:schemas-microsoft-com:office:powerpoint" xmlns:com="http://schemas.openxmlformats.org/drawingml/2006/compatibility" xmlns:p14="http://schemas.microsoft.com/office/powerpoint/2010/main" xmlns:p15="http://schemas.microsoft.com/office/powerpoint/2012/main" xmlns:ahyp="http://schemas.microsoft.com/office/drawing/2018/hyperlinkcolor" showMasterPhAnim="0" showMasterSp="0">
+<p:notes xmlns:a="http://schemas.openxmlformats.org/drawingml/2006/main" xmlns:r="http://schemas.openxmlformats.org/officeDocument/2006/relationships" xmlns:p="http://schemas.openxmlformats.org/presentationml/2006/main" showMasterSp="0" showMasterPhAnim="0">
   <p:cSld>
     <p:spTree>
       <p:nvGrpSpPr>
-        <p:cNvPr id="117" name="Shape 117"/>
+        <p:cNvPr id="1" name="Shape 117"/>
         <p:cNvGrpSpPr/>
         <p:nvPr/>
       </p:nvGrpSpPr>
@@ -914,20 +940,26 @@
       <p:sp>
         <p:nvSpPr>
           <p:cNvPr id="118" name="Google Shape;118;g2b886a1c704_0_24:notes"/>
-          <p:cNvSpPr/>
+          <p:cNvSpPr>
+            <a:spLocks noGrp="1" noRot="1" noChangeAspect="1"/>
+          </p:cNvSpPr>
           <p:nvPr>
-            <p:ph idx="2" type="sldImg"/>
+            <p:ph type="sldImg" idx="2"/>
           </p:nvPr>
         </p:nvSpPr>
         <p:spPr>
           <a:xfrm>
-            <a:off x="381300" y="685800"/>
+            <a:off x="381000" y="685800"/>
             <a:ext cx="6096000" cy="3429000"/>
           </a:xfrm>
           <a:custGeom>
-            <a:rect b="b" l="l" r="r" t="t"/>
+            <a:avLst/>
+            <a:gdLst/>
+            <a:ahLst/>
+            <a:cxnLst/>
+            <a:rect l="l" t="t" r="r" b="b"/>
             <a:pathLst>
-              <a:path extrusionOk="0" h="120000" w="120000">
+              <a:path w="120000" h="120000" extrusionOk="0">
                 <a:moveTo>
                   <a:pt x="0" y="0"/>
                 </a:moveTo>
@@ -949,9 +981,11 @@
       <p:sp>
         <p:nvSpPr>
           <p:cNvPr id="119" name="Google Shape;119;g2b886a1c704_0_24:notes"/>
-          <p:cNvSpPr txBox="1"/>
+          <p:cNvSpPr txBox="1">
+            <a:spLocks noGrp="1"/>
+          </p:cNvSpPr>
           <p:nvPr>
-            <p:ph idx="1" type="body"/>
+            <p:ph type="body" idx="1"/>
           </p:nvPr>
         </p:nvSpPr>
         <p:spPr>
@@ -964,23 +998,20 @@
           </a:prstGeom>
         </p:spPr>
         <p:txBody>
-          <a:bodyPr anchorCtr="0" anchor="t" bIns="91425" lIns="91425" spcFirstLastPara="1" rIns="91425" wrap="square" tIns="91425">
+          <a:bodyPr spcFirstLastPara="1" wrap="square" lIns="91425" tIns="91425" rIns="91425" bIns="91425" anchor="t" anchorCtr="0">
             <a:noAutofit/>
           </a:bodyPr>
           <a:lstStyle/>
           <a:p>
-            <a:pPr indent="0" lvl="0" marL="0" rtl="0" algn="l">
-              <a:spcBef>
-                <a:spcPts val="0"/>
-              </a:spcBef>
-              <a:spcAft>
-                <a:spcPts val="0"/>
-              </a:spcAft>
-              <a:buNone/>
-            </a:pPr>
-            <a:r>
-              <a:t/>
-            </a:r>
+            <a:pPr marL="0" lvl="0" indent="0" algn="l" rtl="0">
+              <a:spcBef>
+                <a:spcPts val="0"/>
+              </a:spcBef>
+              <a:spcAft>
+                <a:spcPts val="0"/>
+              </a:spcAft>
+              <a:buNone/>
+            </a:pPr>
             <a:endParaRPr/>
           </a:p>
         </p:txBody>
@@ -994,11 +1025,11 @@
 </file>
 
 <file path=ppt/notesSlides/notesSlide2.xml><?xml version="1.0" encoding="utf-8"?>
-<p:notes xmlns:a="http://schemas.openxmlformats.org/drawingml/2006/main" xmlns:r="http://schemas.openxmlformats.org/officeDocument/2006/relationships" xmlns:mc="http://schemas.openxmlformats.org/markup-compatibility/2006" xmlns:mv="urn:schemas-microsoft-com:mac:vml" xmlns:p="http://schemas.openxmlformats.org/presentationml/2006/main" xmlns:c="http://schemas.openxmlformats.org/drawingml/2006/chart" xmlns:dgm="http://schemas.openxmlformats.org/drawingml/2006/diagram" xmlns:o="urn:schemas-microsoft-com:office:office" xmlns:v="urn:schemas-microsoft-com:vml" xmlns:pvml="urn:schemas-microsoft-com:office:powerpoint" xmlns:com="http://schemas.openxmlformats.org/drawingml/2006/compatibility" xmlns:p14="http://schemas.microsoft.com/office/powerpoint/2010/main" xmlns:p15="http://schemas.microsoft.com/office/powerpoint/2012/main" xmlns:ahyp="http://schemas.microsoft.com/office/drawing/2018/hyperlinkcolor" showMasterPhAnim="0" showMasterSp="0">
+<p:notes xmlns:a="http://schemas.openxmlformats.org/drawingml/2006/main" xmlns:r="http://schemas.openxmlformats.org/officeDocument/2006/relationships" xmlns:p="http://schemas.openxmlformats.org/presentationml/2006/main" showMasterSp="0" showMasterPhAnim="0">
   <p:cSld>
     <p:spTree>
       <p:nvGrpSpPr>
-        <p:cNvPr id="56" name="Shape 56"/>
+        <p:cNvPr id="1" name="Shape 56"/>
         <p:cNvGrpSpPr/>
         <p:nvPr/>
       </p:nvGrpSpPr>
@@ -1013,20 +1044,26 @@
       <p:sp>
         <p:nvSpPr>
           <p:cNvPr id="57" name="Google Shape;57;g26824e5235a_1_0:notes"/>
-          <p:cNvSpPr/>
+          <p:cNvSpPr>
+            <a:spLocks noGrp="1" noRot="1" noChangeAspect="1"/>
+          </p:cNvSpPr>
           <p:nvPr>
-            <p:ph idx="2" type="sldImg"/>
+            <p:ph type="sldImg" idx="2"/>
           </p:nvPr>
         </p:nvSpPr>
         <p:spPr>
           <a:xfrm>
-            <a:off x="381300" y="685800"/>
+            <a:off x="381000" y="685800"/>
             <a:ext cx="6096000" cy="3429000"/>
           </a:xfrm>
           <a:custGeom>
-            <a:rect b="b" l="l" r="r" t="t"/>
+            <a:avLst/>
+            <a:gdLst/>
+            <a:ahLst/>
+            <a:cxnLst/>
+            <a:rect l="l" t="t" r="r" b="b"/>
             <a:pathLst>
-              <a:path extrusionOk="0" h="120000" w="120000">
+              <a:path w="120000" h="120000" extrusionOk="0">
                 <a:moveTo>
                   <a:pt x="0" y="0"/>
                 </a:moveTo>
@@ -1048,9 +1085,11 @@
       <p:sp>
         <p:nvSpPr>
           <p:cNvPr id="58" name="Google Shape;58;g26824e5235a_1_0:notes"/>
-          <p:cNvSpPr txBox="1"/>
+          <p:cNvSpPr txBox="1">
+            <a:spLocks noGrp="1"/>
+          </p:cNvSpPr>
           <p:nvPr>
-            <p:ph idx="1" type="body"/>
+            <p:ph type="body" idx="1"/>
           </p:nvPr>
         </p:nvSpPr>
         <p:spPr>
@@ -1063,23 +1102,20 @@
           </a:prstGeom>
         </p:spPr>
         <p:txBody>
-          <a:bodyPr anchorCtr="0" anchor="t" bIns="91425" lIns="91425" spcFirstLastPara="1" rIns="91425" wrap="square" tIns="91425">
+          <a:bodyPr spcFirstLastPara="1" wrap="square" lIns="91425" tIns="91425" rIns="91425" bIns="91425" anchor="t" anchorCtr="0">
             <a:noAutofit/>
           </a:bodyPr>
           <a:lstStyle/>
           <a:p>
-            <a:pPr indent="0" lvl="0" marL="0" rtl="0" algn="l">
-              <a:spcBef>
-                <a:spcPts val="0"/>
-              </a:spcBef>
-              <a:spcAft>
-                <a:spcPts val="0"/>
-              </a:spcAft>
-              <a:buNone/>
-            </a:pPr>
-            <a:r>
-              <a:t/>
-            </a:r>
+            <a:pPr marL="0" lvl="0" indent="0" algn="l" rtl="0">
+              <a:spcBef>
+                <a:spcPts val="0"/>
+              </a:spcBef>
+              <a:spcAft>
+                <a:spcPts val="0"/>
+              </a:spcAft>
+              <a:buNone/>
+            </a:pPr>
             <a:endParaRPr/>
           </a:p>
         </p:txBody>
@@ -1093,11 +1129,11 @@
 </file>
 
 <file path=ppt/notesSlides/notesSlide3.xml><?xml version="1.0" encoding="utf-8"?>
-<p:notes xmlns:a="http://schemas.openxmlformats.org/drawingml/2006/main" xmlns:r="http://schemas.openxmlformats.org/officeDocument/2006/relationships" xmlns:mc="http://schemas.openxmlformats.org/markup-compatibility/2006" xmlns:mv="urn:schemas-microsoft-com:mac:vml" xmlns:p="http://schemas.openxmlformats.org/presentationml/2006/main" xmlns:c="http://schemas.openxmlformats.org/drawingml/2006/chart" xmlns:dgm="http://schemas.openxmlformats.org/drawingml/2006/diagram" xmlns:o="urn:schemas-microsoft-com:office:office" xmlns:v="urn:schemas-microsoft-com:vml" xmlns:pvml="urn:schemas-microsoft-com:office:powerpoint" xmlns:com="http://schemas.openxmlformats.org/drawingml/2006/compatibility" xmlns:p14="http://schemas.microsoft.com/office/powerpoint/2010/main" xmlns:p15="http://schemas.microsoft.com/office/powerpoint/2012/main" xmlns:ahyp="http://schemas.microsoft.com/office/drawing/2018/hyperlinkcolor" showMasterPhAnim="0" showMasterSp="0">
+<p:notes xmlns:a="http://schemas.openxmlformats.org/drawingml/2006/main" xmlns:r="http://schemas.openxmlformats.org/officeDocument/2006/relationships" xmlns:p="http://schemas.openxmlformats.org/presentationml/2006/main" showMasterSp="0" showMasterPhAnim="0">
   <p:cSld>
     <p:spTree>
       <p:nvGrpSpPr>
-        <p:cNvPr id="63" name="Shape 63"/>
+        <p:cNvPr id="1" name="Shape 63"/>
         <p:cNvGrpSpPr/>
         <p:nvPr/>
       </p:nvGrpSpPr>
@@ -1112,20 +1148,26 @@
       <p:sp>
         <p:nvSpPr>
           <p:cNvPr id="64" name="Google Shape;64;g287cf4feb3b_0_5:notes"/>
-          <p:cNvSpPr/>
+          <p:cNvSpPr>
+            <a:spLocks noGrp="1" noRot="1" noChangeAspect="1"/>
+          </p:cNvSpPr>
           <p:nvPr>
-            <p:ph idx="2" type="sldImg"/>
+            <p:ph type="sldImg" idx="2"/>
           </p:nvPr>
         </p:nvSpPr>
         <p:spPr>
           <a:xfrm>
-            <a:off x="381300" y="685800"/>
+            <a:off x="381000" y="685800"/>
             <a:ext cx="6096000" cy="3429000"/>
           </a:xfrm>
           <a:custGeom>
-            <a:rect b="b" l="l" r="r" t="t"/>
+            <a:avLst/>
+            <a:gdLst/>
+            <a:ahLst/>
+            <a:cxnLst/>
+            <a:rect l="l" t="t" r="r" b="b"/>
             <a:pathLst>
-              <a:path extrusionOk="0" h="120000" w="120000">
+              <a:path w="120000" h="120000" extrusionOk="0">
                 <a:moveTo>
                   <a:pt x="0" y="0"/>
                 </a:moveTo>
@@ -1147,9 +1189,11 @@
       <p:sp>
         <p:nvSpPr>
           <p:cNvPr id="65" name="Google Shape;65;g287cf4feb3b_0_5:notes"/>
-          <p:cNvSpPr txBox="1"/>
+          <p:cNvSpPr txBox="1">
+            <a:spLocks noGrp="1"/>
+          </p:cNvSpPr>
           <p:nvPr>
-            <p:ph idx="1" type="body"/>
+            <p:ph type="body" idx="1"/>
           </p:nvPr>
         </p:nvSpPr>
         <p:spPr>
@@ -1162,23 +1206,20 @@
           </a:prstGeom>
         </p:spPr>
         <p:txBody>
-          <a:bodyPr anchorCtr="0" anchor="t" bIns="91425" lIns="91425" spcFirstLastPara="1" rIns="91425" wrap="square" tIns="91425">
+          <a:bodyPr spcFirstLastPara="1" wrap="square" lIns="91425" tIns="91425" rIns="91425" bIns="91425" anchor="t" anchorCtr="0">
             <a:noAutofit/>
           </a:bodyPr>
           <a:lstStyle/>
           <a:p>
-            <a:pPr indent="0" lvl="0" marL="0" rtl="0" algn="l">
-              <a:spcBef>
-                <a:spcPts val="0"/>
-              </a:spcBef>
-              <a:spcAft>
-                <a:spcPts val="0"/>
-              </a:spcAft>
-              <a:buNone/>
-            </a:pPr>
-            <a:r>
-              <a:t/>
-            </a:r>
+            <a:pPr marL="0" lvl="0" indent="0" algn="l" rtl="0">
+              <a:spcBef>
+                <a:spcPts val="0"/>
+              </a:spcBef>
+              <a:spcAft>
+                <a:spcPts val="0"/>
+              </a:spcAft>
+              <a:buNone/>
+            </a:pPr>
             <a:endParaRPr/>
           </a:p>
         </p:txBody>
@@ -1192,11 +1233,11 @@
 </file>
 
 <file path=ppt/notesSlides/notesSlide4.xml><?xml version="1.0" encoding="utf-8"?>
-<p:notes xmlns:a="http://schemas.openxmlformats.org/drawingml/2006/main" xmlns:r="http://schemas.openxmlformats.org/officeDocument/2006/relationships" xmlns:mc="http://schemas.openxmlformats.org/markup-compatibility/2006" xmlns:mv="urn:schemas-microsoft-com:mac:vml" xmlns:p="http://schemas.openxmlformats.org/presentationml/2006/main" xmlns:c="http://schemas.openxmlformats.org/drawingml/2006/chart" xmlns:dgm="http://schemas.openxmlformats.org/drawingml/2006/diagram" xmlns:o="urn:schemas-microsoft-com:office:office" xmlns:v="urn:schemas-microsoft-com:vml" xmlns:pvml="urn:schemas-microsoft-com:office:powerpoint" xmlns:com="http://schemas.openxmlformats.org/drawingml/2006/compatibility" xmlns:p14="http://schemas.microsoft.com/office/powerpoint/2010/main" xmlns:p15="http://schemas.microsoft.com/office/powerpoint/2012/main" xmlns:ahyp="http://schemas.microsoft.com/office/drawing/2018/hyperlinkcolor" showMasterPhAnim="0" showMasterSp="0">
+<p:notes xmlns:a="http://schemas.openxmlformats.org/drawingml/2006/main" xmlns:r="http://schemas.openxmlformats.org/officeDocument/2006/relationships" xmlns:p="http://schemas.openxmlformats.org/presentationml/2006/main" showMasterSp="0" showMasterPhAnim="0">
   <p:cSld>
     <p:spTree>
       <p:nvGrpSpPr>
-        <p:cNvPr id="70" name="Shape 70"/>
+        <p:cNvPr id="1" name="Shape 70"/>
         <p:cNvGrpSpPr/>
         <p:nvPr/>
       </p:nvGrpSpPr>
@@ -1211,20 +1252,26 @@
       <p:sp>
         <p:nvSpPr>
           <p:cNvPr id="71" name="Google Shape;71;g268daee50d5_2_19:notes"/>
-          <p:cNvSpPr/>
+          <p:cNvSpPr>
+            <a:spLocks noGrp="1" noRot="1" noChangeAspect="1"/>
+          </p:cNvSpPr>
           <p:nvPr>
-            <p:ph idx="2" type="sldImg"/>
+            <p:ph type="sldImg" idx="2"/>
           </p:nvPr>
         </p:nvSpPr>
         <p:spPr>
           <a:xfrm>
-            <a:off x="381300" y="685800"/>
+            <a:off x="381000" y="685800"/>
             <a:ext cx="6096000" cy="3429000"/>
           </a:xfrm>
           <a:custGeom>
-            <a:rect b="b" l="l" r="r" t="t"/>
+            <a:avLst/>
+            <a:gdLst/>
+            <a:ahLst/>
+            <a:cxnLst/>
+            <a:rect l="l" t="t" r="r" b="b"/>
             <a:pathLst>
-              <a:path extrusionOk="0" h="120000" w="120000">
+              <a:path w="120000" h="120000" extrusionOk="0">
                 <a:moveTo>
                   <a:pt x="0" y="0"/>
                 </a:moveTo>
@@ -1246,9 +1293,11 @@
       <p:sp>
         <p:nvSpPr>
           <p:cNvPr id="72" name="Google Shape;72;g268daee50d5_2_19:notes"/>
-          <p:cNvSpPr txBox="1"/>
+          <p:cNvSpPr txBox="1">
+            <a:spLocks noGrp="1"/>
+          </p:cNvSpPr>
           <p:nvPr>
-            <p:ph idx="1" type="body"/>
+            <p:ph type="body" idx="1"/>
           </p:nvPr>
         </p:nvSpPr>
         <p:spPr>
@@ -1261,23 +1310,20 @@
           </a:prstGeom>
         </p:spPr>
         <p:txBody>
-          <a:bodyPr anchorCtr="0" anchor="t" bIns="91425" lIns="91425" spcFirstLastPara="1" rIns="91425" wrap="square" tIns="91425">
+          <a:bodyPr spcFirstLastPara="1" wrap="square" lIns="91425" tIns="91425" rIns="91425" bIns="91425" anchor="t" anchorCtr="0">
             <a:noAutofit/>
           </a:bodyPr>
           <a:lstStyle/>
           <a:p>
-            <a:pPr indent="0" lvl="0" marL="0" rtl="0" algn="l">
-              <a:spcBef>
-                <a:spcPts val="0"/>
-              </a:spcBef>
-              <a:spcAft>
-                <a:spcPts val="0"/>
-              </a:spcAft>
-              <a:buNone/>
-            </a:pPr>
-            <a:r>
-              <a:t/>
-            </a:r>
+            <a:pPr marL="0" lvl="0" indent="0" algn="l" rtl="0">
+              <a:spcBef>
+                <a:spcPts val="0"/>
+              </a:spcBef>
+              <a:spcAft>
+                <a:spcPts val="0"/>
+              </a:spcAft>
+              <a:buNone/>
+            </a:pPr>
             <a:endParaRPr/>
           </a:p>
         </p:txBody>
@@ -1291,11 +1337,11 @@
 </file>
 
 <file path=ppt/notesSlides/notesSlide5.xml><?xml version="1.0" encoding="utf-8"?>
-<p:notes xmlns:a="http://schemas.openxmlformats.org/drawingml/2006/main" xmlns:r="http://schemas.openxmlformats.org/officeDocument/2006/relationships" xmlns:mc="http://schemas.openxmlformats.org/markup-compatibility/2006" xmlns:mv="urn:schemas-microsoft-com:mac:vml" xmlns:p="http://schemas.openxmlformats.org/presentationml/2006/main" xmlns:c="http://schemas.openxmlformats.org/drawingml/2006/chart" xmlns:dgm="http://schemas.openxmlformats.org/drawingml/2006/diagram" xmlns:o="urn:schemas-microsoft-com:office:office" xmlns:v="urn:schemas-microsoft-com:vml" xmlns:pvml="urn:schemas-microsoft-com:office:powerpoint" xmlns:com="http://schemas.openxmlformats.org/drawingml/2006/compatibility" xmlns:p14="http://schemas.microsoft.com/office/powerpoint/2010/main" xmlns:p15="http://schemas.microsoft.com/office/powerpoint/2012/main" xmlns:ahyp="http://schemas.microsoft.com/office/drawing/2018/hyperlinkcolor" showMasterPhAnim="0" showMasterSp="0">
+<p:notes xmlns:a="http://schemas.openxmlformats.org/drawingml/2006/main" xmlns:r="http://schemas.openxmlformats.org/officeDocument/2006/relationships" xmlns:p="http://schemas.openxmlformats.org/presentationml/2006/main" showMasterSp="0" showMasterPhAnim="0">
   <p:cSld>
     <p:spTree>
       <p:nvGrpSpPr>
-        <p:cNvPr id="77" name="Shape 77"/>
+        <p:cNvPr id="1" name="Shape 77"/>
         <p:cNvGrpSpPr/>
         <p:nvPr/>
       </p:nvGrpSpPr>
@@ -1310,20 +1356,26 @@
       <p:sp>
         <p:nvSpPr>
           <p:cNvPr id="78" name="Google Shape;78;g26824e5235a_1_28:notes"/>
-          <p:cNvSpPr/>
+          <p:cNvSpPr>
+            <a:spLocks noGrp="1" noRot="1" noChangeAspect="1"/>
+          </p:cNvSpPr>
           <p:nvPr>
-            <p:ph idx="2" type="sldImg"/>
+            <p:ph type="sldImg" idx="2"/>
           </p:nvPr>
         </p:nvSpPr>
         <p:spPr>
           <a:xfrm>
-            <a:off x="381300" y="685800"/>
+            <a:off x="381000" y="685800"/>
             <a:ext cx="6096000" cy="3429000"/>
           </a:xfrm>
           <a:custGeom>
-            <a:rect b="b" l="l" r="r" t="t"/>
+            <a:avLst/>
+            <a:gdLst/>
+            <a:ahLst/>
+            <a:cxnLst/>
+            <a:rect l="l" t="t" r="r" b="b"/>
             <a:pathLst>
-              <a:path extrusionOk="0" h="120000" w="120000">
+              <a:path w="120000" h="120000" extrusionOk="0">
                 <a:moveTo>
                   <a:pt x="0" y="0"/>
                 </a:moveTo>
@@ -1345,9 +1397,11 @@
       <p:sp>
         <p:nvSpPr>
           <p:cNvPr id="79" name="Google Shape;79;g26824e5235a_1_28:notes"/>
-          <p:cNvSpPr txBox="1"/>
+          <p:cNvSpPr txBox="1">
+            <a:spLocks noGrp="1"/>
+          </p:cNvSpPr>
           <p:nvPr>
-            <p:ph idx="1" type="body"/>
+            <p:ph type="body" idx="1"/>
           </p:nvPr>
         </p:nvSpPr>
         <p:spPr>
@@ -1360,23 +1414,20 @@
           </a:prstGeom>
         </p:spPr>
         <p:txBody>
-          <a:bodyPr anchorCtr="0" anchor="t" bIns="91425" lIns="91425" spcFirstLastPara="1" rIns="91425" wrap="square" tIns="91425">
+          <a:bodyPr spcFirstLastPara="1" wrap="square" lIns="91425" tIns="91425" rIns="91425" bIns="91425" anchor="t" anchorCtr="0">
             <a:noAutofit/>
           </a:bodyPr>
           <a:lstStyle/>
           <a:p>
-            <a:pPr indent="0" lvl="0" marL="0" rtl="0" algn="l">
-              <a:spcBef>
-                <a:spcPts val="0"/>
-              </a:spcBef>
-              <a:spcAft>
-                <a:spcPts val="0"/>
-              </a:spcAft>
-              <a:buNone/>
-            </a:pPr>
-            <a:r>
-              <a:t/>
-            </a:r>
+            <a:pPr marL="0" lvl="0" indent="0" algn="l" rtl="0">
+              <a:spcBef>
+                <a:spcPts val="0"/>
+              </a:spcBef>
+              <a:spcAft>
+                <a:spcPts val="0"/>
+              </a:spcAft>
+              <a:buNone/>
+            </a:pPr>
             <a:endParaRPr/>
           </a:p>
         </p:txBody>
@@ -1390,11 +1441,11 @@
 </file>
 
 <file path=ppt/notesSlides/notesSlide6.xml><?xml version="1.0" encoding="utf-8"?>
-<p:notes xmlns:a="http://schemas.openxmlformats.org/drawingml/2006/main" xmlns:r="http://schemas.openxmlformats.org/officeDocument/2006/relationships" xmlns:mc="http://schemas.openxmlformats.org/markup-compatibility/2006" xmlns:mv="urn:schemas-microsoft-com:mac:vml" xmlns:p="http://schemas.openxmlformats.org/presentationml/2006/main" xmlns:c="http://schemas.openxmlformats.org/drawingml/2006/chart" xmlns:dgm="http://schemas.openxmlformats.org/drawingml/2006/diagram" xmlns:o="urn:schemas-microsoft-com:office:office" xmlns:v="urn:schemas-microsoft-com:vml" xmlns:pvml="urn:schemas-microsoft-com:office:powerpoint" xmlns:com="http://schemas.openxmlformats.org/drawingml/2006/compatibility" xmlns:p14="http://schemas.microsoft.com/office/powerpoint/2010/main" xmlns:p15="http://schemas.microsoft.com/office/powerpoint/2012/main" xmlns:ahyp="http://schemas.microsoft.com/office/drawing/2018/hyperlinkcolor" showMasterPhAnim="0" showMasterSp="0">
+<p:notes xmlns:a="http://schemas.openxmlformats.org/drawingml/2006/main" xmlns:r="http://schemas.openxmlformats.org/officeDocument/2006/relationships" xmlns:p="http://schemas.openxmlformats.org/presentationml/2006/main" showMasterSp="0" showMasterPhAnim="0">
   <p:cSld>
     <p:spTree>
       <p:nvGrpSpPr>
-        <p:cNvPr id="83" name="Shape 83"/>
+        <p:cNvPr id="1" name="Shape 83"/>
         <p:cNvGrpSpPr/>
         <p:nvPr/>
       </p:nvGrpSpPr>
@@ -1409,20 +1460,26 @@
       <p:sp>
         <p:nvSpPr>
           <p:cNvPr id="84" name="Google Shape;84;g2b886a1c704_0_15:notes"/>
-          <p:cNvSpPr/>
+          <p:cNvSpPr>
+            <a:spLocks noGrp="1" noRot="1" noChangeAspect="1"/>
+          </p:cNvSpPr>
           <p:nvPr>
-            <p:ph idx="2" type="sldImg"/>
+            <p:ph type="sldImg" idx="2"/>
           </p:nvPr>
         </p:nvSpPr>
         <p:spPr>
           <a:xfrm>
-            <a:off x="381300" y="685800"/>
+            <a:off x="381000" y="685800"/>
             <a:ext cx="6096000" cy="3429000"/>
           </a:xfrm>
           <a:custGeom>
-            <a:rect b="b" l="l" r="r" t="t"/>
+            <a:avLst/>
+            <a:gdLst/>
+            <a:ahLst/>
+            <a:cxnLst/>
+            <a:rect l="l" t="t" r="r" b="b"/>
             <a:pathLst>
-              <a:path extrusionOk="0" h="120000" w="120000">
+              <a:path w="120000" h="120000" extrusionOk="0">
                 <a:moveTo>
                   <a:pt x="0" y="0"/>
                 </a:moveTo>
@@ -1444,9 +1501,11 @@
       <p:sp>
         <p:nvSpPr>
           <p:cNvPr id="85" name="Google Shape;85;g2b886a1c704_0_15:notes"/>
-          <p:cNvSpPr txBox="1"/>
+          <p:cNvSpPr txBox="1">
+            <a:spLocks noGrp="1"/>
+          </p:cNvSpPr>
           <p:nvPr>
-            <p:ph idx="1" type="body"/>
+            <p:ph type="body" idx="1"/>
           </p:nvPr>
         </p:nvSpPr>
         <p:spPr>
@@ -1459,23 +1518,20 @@
           </a:prstGeom>
         </p:spPr>
         <p:txBody>
-          <a:bodyPr anchorCtr="0" anchor="t" bIns="91425" lIns="91425" spcFirstLastPara="1" rIns="91425" wrap="square" tIns="91425">
+          <a:bodyPr spcFirstLastPara="1" wrap="square" lIns="91425" tIns="91425" rIns="91425" bIns="91425" anchor="t" anchorCtr="0">
             <a:noAutofit/>
           </a:bodyPr>
           <a:lstStyle/>
           <a:p>
-            <a:pPr indent="0" lvl="0" marL="0" rtl="0" algn="l">
-              <a:spcBef>
-                <a:spcPts val="0"/>
-              </a:spcBef>
-              <a:spcAft>
-                <a:spcPts val="0"/>
-              </a:spcAft>
-              <a:buNone/>
-            </a:pPr>
-            <a:r>
-              <a:t/>
-            </a:r>
+            <a:pPr marL="0" lvl="0" indent="0" algn="l" rtl="0">
+              <a:spcBef>
+                <a:spcPts val="0"/>
+              </a:spcBef>
+              <a:spcAft>
+                <a:spcPts val="0"/>
+              </a:spcAft>
+              <a:buNone/>
+            </a:pPr>
             <a:endParaRPr/>
           </a:p>
         </p:txBody>
@@ -1489,11 +1545,11 @@
 </file>
 
 <file path=ppt/notesSlides/notesSlide7.xml><?xml version="1.0" encoding="utf-8"?>
-<p:notes xmlns:a="http://schemas.openxmlformats.org/drawingml/2006/main" xmlns:r="http://schemas.openxmlformats.org/officeDocument/2006/relationships" xmlns:mc="http://schemas.openxmlformats.org/markup-compatibility/2006" xmlns:mv="urn:schemas-microsoft-com:mac:vml" xmlns:p="http://schemas.openxmlformats.org/presentationml/2006/main" xmlns:c="http://schemas.openxmlformats.org/drawingml/2006/chart" xmlns:dgm="http://schemas.openxmlformats.org/drawingml/2006/diagram" xmlns:o="urn:schemas-microsoft-com:office:office" xmlns:v="urn:schemas-microsoft-com:vml" xmlns:pvml="urn:schemas-microsoft-com:office:powerpoint" xmlns:com="http://schemas.openxmlformats.org/drawingml/2006/compatibility" xmlns:p14="http://schemas.microsoft.com/office/powerpoint/2010/main" xmlns:p15="http://schemas.microsoft.com/office/powerpoint/2012/main" xmlns:ahyp="http://schemas.microsoft.com/office/drawing/2018/hyperlinkcolor" showMasterPhAnim="0" showMasterSp="0">
+<p:notes xmlns:a="http://schemas.openxmlformats.org/drawingml/2006/main" xmlns:r="http://schemas.openxmlformats.org/officeDocument/2006/relationships" xmlns:p="http://schemas.openxmlformats.org/presentationml/2006/main" showMasterSp="0" showMasterPhAnim="0">
   <p:cSld>
     <p:spTree>
       <p:nvGrpSpPr>
-        <p:cNvPr id="89" name="Shape 89"/>
+        <p:cNvPr id="1" name="Shape 89"/>
         <p:cNvGrpSpPr/>
         <p:nvPr/>
       </p:nvGrpSpPr>
@@ -1508,20 +1564,26 @@
       <p:sp>
         <p:nvSpPr>
           <p:cNvPr id="90" name="Google Shape;90;g268daee50d5_2_3:notes"/>
-          <p:cNvSpPr/>
+          <p:cNvSpPr>
+            <a:spLocks noGrp="1" noRot="1" noChangeAspect="1"/>
+          </p:cNvSpPr>
           <p:nvPr>
-            <p:ph idx="2" type="sldImg"/>
+            <p:ph type="sldImg" idx="2"/>
           </p:nvPr>
         </p:nvSpPr>
         <p:spPr>
           <a:xfrm>
-            <a:off x="381300" y="685800"/>
+            <a:off x="381000" y="685800"/>
             <a:ext cx="6096000" cy="3429000"/>
           </a:xfrm>
           <a:custGeom>
-            <a:rect b="b" l="l" r="r" t="t"/>
+            <a:avLst/>
+            <a:gdLst/>
+            <a:ahLst/>
+            <a:cxnLst/>
+            <a:rect l="l" t="t" r="r" b="b"/>
             <a:pathLst>
-              <a:path extrusionOk="0" h="120000" w="120000">
+              <a:path w="120000" h="120000" extrusionOk="0">
                 <a:moveTo>
                   <a:pt x="0" y="0"/>
                 </a:moveTo>
@@ -1543,9 +1605,11 @@
       <p:sp>
         <p:nvSpPr>
           <p:cNvPr id="91" name="Google Shape;91;g268daee50d5_2_3:notes"/>
-          <p:cNvSpPr txBox="1"/>
+          <p:cNvSpPr txBox="1">
+            <a:spLocks noGrp="1"/>
+          </p:cNvSpPr>
           <p:nvPr>
-            <p:ph idx="1" type="body"/>
+            <p:ph type="body" idx="1"/>
           </p:nvPr>
         </p:nvSpPr>
         <p:spPr>
@@ -1558,23 +1622,20 @@
           </a:prstGeom>
         </p:spPr>
         <p:txBody>
-          <a:bodyPr anchorCtr="0" anchor="t" bIns="91425" lIns="91425" spcFirstLastPara="1" rIns="91425" wrap="square" tIns="91425">
+          <a:bodyPr spcFirstLastPara="1" wrap="square" lIns="91425" tIns="91425" rIns="91425" bIns="91425" anchor="t" anchorCtr="0">
             <a:noAutofit/>
           </a:bodyPr>
           <a:lstStyle/>
           <a:p>
-            <a:pPr indent="0" lvl="0" marL="0" rtl="0" algn="l">
-              <a:spcBef>
-                <a:spcPts val="0"/>
-              </a:spcBef>
-              <a:spcAft>
-                <a:spcPts val="0"/>
-              </a:spcAft>
-              <a:buNone/>
-            </a:pPr>
-            <a:r>
-              <a:t/>
-            </a:r>
+            <a:pPr marL="0" lvl="0" indent="0" algn="l" rtl="0">
+              <a:spcBef>
+                <a:spcPts val="0"/>
+              </a:spcBef>
+              <a:spcAft>
+                <a:spcPts val="0"/>
+              </a:spcAft>
+              <a:buNone/>
+            </a:pPr>
             <a:endParaRPr/>
           </a:p>
         </p:txBody>
@@ -1588,11 +1649,11 @@
 </file>
 
 <file path=ppt/notesSlides/notesSlide8.xml><?xml version="1.0" encoding="utf-8"?>
-<p:notes xmlns:a="http://schemas.openxmlformats.org/drawingml/2006/main" xmlns:r="http://schemas.openxmlformats.org/officeDocument/2006/relationships" xmlns:mc="http://schemas.openxmlformats.org/markup-compatibility/2006" xmlns:mv="urn:schemas-microsoft-com:mac:vml" xmlns:p="http://schemas.openxmlformats.org/presentationml/2006/main" xmlns:c="http://schemas.openxmlformats.org/drawingml/2006/chart" xmlns:dgm="http://schemas.openxmlformats.org/drawingml/2006/diagram" xmlns:o="urn:schemas-microsoft-com:office:office" xmlns:v="urn:schemas-microsoft-com:vml" xmlns:pvml="urn:schemas-microsoft-com:office:powerpoint" xmlns:com="http://schemas.openxmlformats.org/drawingml/2006/compatibility" xmlns:p14="http://schemas.microsoft.com/office/powerpoint/2010/main" xmlns:p15="http://schemas.microsoft.com/office/powerpoint/2012/main" xmlns:ahyp="http://schemas.microsoft.com/office/drawing/2018/hyperlinkcolor" showMasterPhAnim="0" showMasterSp="0">
+<p:notes xmlns:a="http://schemas.openxmlformats.org/drawingml/2006/main" xmlns:r="http://schemas.openxmlformats.org/officeDocument/2006/relationships" xmlns:p="http://schemas.openxmlformats.org/presentationml/2006/main" showMasterSp="0" showMasterPhAnim="0">
   <p:cSld>
     <p:spTree>
       <p:nvGrpSpPr>
-        <p:cNvPr id="96" name="Shape 96"/>
+        <p:cNvPr id="1" name="Shape 96"/>
         <p:cNvGrpSpPr/>
         <p:nvPr/>
       </p:nvGrpSpPr>
@@ -1607,20 +1668,26 @@
       <p:sp>
         <p:nvSpPr>
           <p:cNvPr id="97" name="Google Shape;97;g2b886a1c704_0_5:notes"/>
-          <p:cNvSpPr/>
+          <p:cNvSpPr>
+            <a:spLocks noGrp="1" noRot="1" noChangeAspect="1"/>
+          </p:cNvSpPr>
           <p:nvPr>
-            <p:ph idx="2" type="sldImg"/>
+            <p:ph type="sldImg" idx="2"/>
           </p:nvPr>
         </p:nvSpPr>
         <p:spPr>
           <a:xfrm>
-            <a:off x="381300" y="685800"/>
+            <a:off x="381000" y="685800"/>
             <a:ext cx="6096000" cy="3429000"/>
           </a:xfrm>
           <a:custGeom>
-            <a:rect b="b" l="l" r="r" t="t"/>
+            <a:avLst/>
+            <a:gdLst/>
+            <a:ahLst/>
+            <a:cxnLst/>
+            <a:rect l="l" t="t" r="r" b="b"/>
             <a:pathLst>
-              <a:path extrusionOk="0" h="120000" w="120000">
+              <a:path w="120000" h="120000" extrusionOk="0">
                 <a:moveTo>
                   <a:pt x="0" y="0"/>
                 </a:moveTo>
@@ -1642,9 +1709,11 @@
       <p:sp>
         <p:nvSpPr>
           <p:cNvPr id="98" name="Google Shape;98;g2b886a1c704_0_5:notes"/>
-          <p:cNvSpPr txBox="1"/>
+          <p:cNvSpPr txBox="1">
+            <a:spLocks noGrp="1"/>
+          </p:cNvSpPr>
           <p:nvPr>
-            <p:ph idx="1" type="body"/>
+            <p:ph type="body" idx="1"/>
           </p:nvPr>
         </p:nvSpPr>
         <p:spPr>
@@ -1657,23 +1726,20 @@
           </a:prstGeom>
         </p:spPr>
         <p:txBody>
-          <a:bodyPr anchorCtr="0" anchor="t" bIns="91425" lIns="91425" spcFirstLastPara="1" rIns="91425" wrap="square" tIns="91425">
+          <a:bodyPr spcFirstLastPara="1" wrap="square" lIns="91425" tIns="91425" rIns="91425" bIns="91425" anchor="t" anchorCtr="0">
             <a:noAutofit/>
           </a:bodyPr>
           <a:lstStyle/>
           <a:p>
-            <a:pPr indent="0" lvl="0" marL="0" rtl="0" algn="l">
-              <a:spcBef>
-                <a:spcPts val="0"/>
-              </a:spcBef>
-              <a:spcAft>
-                <a:spcPts val="0"/>
-              </a:spcAft>
-              <a:buNone/>
-            </a:pPr>
-            <a:r>
-              <a:t/>
-            </a:r>
+            <a:pPr marL="0" lvl="0" indent="0" algn="l" rtl="0">
+              <a:spcBef>
+                <a:spcPts val="0"/>
+              </a:spcBef>
+              <a:spcAft>
+                <a:spcPts val="0"/>
+              </a:spcAft>
+              <a:buNone/>
+            </a:pPr>
             <a:endParaRPr/>
           </a:p>
         </p:txBody>
@@ -1687,11 +1753,11 @@
 </file>
 
 <file path=ppt/notesSlides/notesSlide9.xml><?xml version="1.0" encoding="utf-8"?>
-<p:notes xmlns:a="http://schemas.openxmlformats.org/drawingml/2006/main" xmlns:r="http://schemas.openxmlformats.org/officeDocument/2006/relationships" xmlns:mc="http://schemas.openxmlformats.org/markup-compatibility/2006" xmlns:mv="urn:schemas-microsoft-com:mac:vml" xmlns:p="http://schemas.openxmlformats.org/presentationml/2006/main" xmlns:c="http://schemas.openxmlformats.org/drawingml/2006/chart" xmlns:dgm="http://schemas.openxmlformats.org/drawingml/2006/diagram" xmlns:o="urn:schemas-microsoft-com:office:office" xmlns:v="urn:schemas-microsoft-com:vml" xmlns:pvml="urn:schemas-microsoft-com:office:powerpoint" xmlns:com="http://schemas.openxmlformats.org/drawingml/2006/compatibility" xmlns:p14="http://schemas.microsoft.com/office/powerpoint/2010/main" xmlns:p15="http://schemas.microsoft.com/office/powerpoint/2012/main" xmlns:ahyp="http://schemas.microsoft.com/office/drawing/2018/hyperlinkcolor" showMasterPhAnim="0" showMasterSp="0">
+<p:notes xmlns:a="http://schemas.openxmlformats.org/drawingml/2006/main" xmlns:r="http://schemas.openxmlformats.org/officeDocument/2006/relationships" xmlns:p="http://schemas.openxmlformats.org/presentationml/2006/main" showMasterSp="0" showMasterPhAnim="0">
   <p:cSld>
     <p:spTree>
       <p:nvGrpSpPr>
-        <p:cNvPr id="103" name="Shape 103"/>
+        <p:cNvPr id="1" name="Shape 103"/>
         <p:cNvGrpSpPr/>
         <p:nvPr/>
       </p:nvGrpSpPr>
@@ -1706,20 +1772,26 @@
       <p:sp>
         <p:nvSpPr>
           <p:cNvPr id="104" name="Google Shape;104;g2b886a1c704_0_10:notes"/>
-          <p:cNvSpPr/>
+          <p:cNvSpPr>
+            <a:spLocks noGrp="1" noRot="1" noChangeAspect="1"/>
+          </p:cNvSpPr>
           <p:nvPr>
-            <p:ph idx="2" type="sldImg"/>
+            <p:ph type="sldImg" idx="2"/>
           </p:nvPr>
         </p:nvSpPr>
         <p:spPr>
           <a:xfrm>
-            <a:off x="381300" y="685800"/>
+            <a:off x="381000" y="685800"/>
             <a:ext cx="6096000" cy="3429000"/>
           </a:xfrm>
           <a:custGeom>
-            <a:rect b="b" l="l" r="r" t="t"/>
+            <a:avLst/>
+            <a:gdLst/>
+            <a:ahLst/>
+            <a:cxnLst/>
+            <a:rect l="l" t="t" r="r" b="b"/>
             <a:pathLst>
-              <a:path extrusionOk="0" h="120000" w="120000">
+              <a:path w="120000" h="120000" extrusionOk="0">
                 <a:moveTo>
                   <a:pt x="0" y="0"/>
                 </a:moveTo>
@@ -1741,9 +1813,11 @@
       <p:sp>
         <p:nvSpPr>
           <p:cNvPr id="105" name="Google Shape;105;g2b886a1c704_0_10:notes"/>
-          <p:cNvSpPr txBox="1"/>
+          <p:cNvSpPr txBox="1">
+            <a:spLocks noGrp="1"/>
+          </p:cNvSpPr>
           <p:nvPr>
-            <p:ph idx="1" type="body"/>
+            <p:ph type="body" idx="1"/>
           </p:nvPr>
         </p:nvSpPr>
         <p:spPr>
@@ -1756,23 +1830,20 @@
           </a:prstGeom>
         </p:spPr>
         <p:txBody>
-          <a:bodyPr anchorCtr="0" anchor="t" bIns="91425" lIns="91425" spcFirstLastPara="1" rIns="91425" wrap="square" tIns="91425">
+          <a:bodyPr spcFirstLastPara="1" wrap="square" lIns="91425" tIns="91425" rIns="91425" bIns="91425" anchor="t" anchorCtr="0">
             <a:noAutofit/>
           </a:bodyPr>
           <a:lstStyle/>
           <a:p>
-            <a:pPr indent="0" lvl="0" marL="0" rtl="0" algn="l">
-              <a:spcBef>
-                <a:spcPts val="0"/>
-              </a:spcBef>
-              <a:spcAft>
-                <a:spcPts val="0"/>
-              </a:spcAft>
-              <a:buNone/>
-            </a:pPr>
-            <a:r>
-              <a:t/>
-            </a:r>
+            <a:pPr marL="0" lvl="0" indent="0" algn="l" rtl="0">
+              <a:spcBef>
+                <a:spcPts val="0"/>
+              </a:spcBef>
+              <a:spcAft>
+                <a:spcPts val="0"/>
+              </a:spcAft>
+              <a:buNone/>
+            </a:pPr>
             <a:endParaRPr/>
           </a:p>
         </p:txBody>
@@ -1786,11 +1857,11 @@
 </file>
 
 <file path=ppt/slideLayouts/slideLayout1.xml><?xml version="1.0" encoding="utf-8"?>
-<p:sldLayout xmlns:a="http://schemas.openxmlformats.org/drawingml/2006/main" xmlns:r="http://schemas.openxmlformats.org/officeDocument/2006/relationships" xmlns:mc="http://schemas.openxmlformats.org/markup-compatibility/2006" xmlns:mv="urn:schemas-microsoft-com:mac:vml" xmlns:p="http://schemas.openxmlformats.org/presentationml/2006/main" xmlns:c="http://schemas.openxmlformats.org/drawingml/2006/chart" xmlns:dgm="http://schemas.openxmlformats.org/drawingml/2006/diagram" xmlns:o="urn:schemas-microsoft-com:office:office" xmlns:v="urn:schemas-microsoft-com:vml" xmlns:pvml="urn:schemas-microsoft-com:office:powerpoint" xmlns:com="http://schemas.openxmlformats.org/drawingml/2006/compatibility" xmlns:p14="http://schemas.microsoft.com/office/powerpoint/2010/main" xmlns:p15="http://schemas.microsoft.com/office/powerpoint/2012/main" xmlns:ahyp="http://schemas.microsoft.com/office/drawing/2018/hyperlinkcolor" matchingName="Title slide" type="title">
+<p:sldLayout xmlns:a="http://schemas.openxmlformats.org/drawingml/2006/main" xmlns:r="http://schemas.openxmlformats.org/officeDocument/2006/relationships" xmlns:p="http://schemas.openxmlformats.org/presentationml/2006/main" matchingName="Title slide" type="title">
   <p:cSld name="TITLE">
     <p:spTree>
       <p:nvGrpSpPr>
-        <p:cNvPr id="9" name="Shape 9"/>
+        <p:cNvPr id="1" name="Shape 9"/>
         <p:cNvGrpSpPr/>
         <p:nvPr/>
       </p:nvGrpSpPr>
@@ -1805,7 +1876,9 @@
       <p:sp>
         <p:nvSpPr>
           <p:cNvPr id="10" name="Google Shape;10;p2"/>
-          <p:cNvSpPr txBox="1"/>
+          <p:cNvSpPr txBox="1">
+            <a:spLocks noGrp="1"/>
+          </p:cNvSpPr>
           <p:nvPr>
             <p:ph type="ctrTitle"/>
           </p:nvPr>
@@ -1820,7 +1893,7 @@
           </a:prstGeom>
         </p:spPr>
         <p:txBody>
-          <a:bodyPr anchorCtr="0" anchor="b" bIns="91425" lIns="91425" spcFirstLastPara="1" rIns="91425" wrap="square" tIns="91425">
+          <a:bodyPr spcFirstLastPara="1" wrap="square" lIns="91425" tIns="91425" rIns="91425" bIns="91425" anchor="b" anchorCtr="0">
             <a:normAutofit/>
           </a:bodyPr>
           <a:lstStyle>
@@ -1924,15 +1997,19 @@
               <a:defRPr sz="5200"/>
             </a:lvl9pPr>
           </a:lstStyle>
-          <a:p/>
+          <a:p>
+            <a:endParaRPr/>
+          </a:p>
         </p:txBody>
       </p:sp>
       <p:sp>
         <p:nvSpPr>
           <p:cNvPr id="11" name="Google Shape;11;p2"/>
-          <p:cNvSpPr txBox="1"/>
+          <p:cNvSpPr txBox="1">
+            <a:spLocks noGrp="1"/>
+          </p:cNvSpPr>
           <p:nvPr>
-            <p:ph idx="1" type="subTitle"/>
+            <p:ph type="subTitle" idx="1"/>
           </p:nvPr>
         </p:nvSpPr>
         <p:spPr>
@@ -1945,7 +2022,7 @@
           </a:prstGeom>
         </p:spPr>
         <p:txBody>
-          <a:bodyPr anchorCtr="0" anchor="t" bIns="91425" lIns="91425" spcFirstLastPara="1" rIns="91425" wrap="square" tIns="91425">
+          <a:bodyPr spcFirstLastPara="1" wrap="square" lIns="91425" tIns="91425" rIns="91425" bIns="91425" anchor="t" anchorCtr="0">
             <a:normAutofit/>
           </a:bodyPr>
           <a:lstStyle>
@@ -2076,15 +2153,19 @@
               <a:defRPr sz="2800"/>
             </a:lvl9pPr>
           </a:lstStyle>
-          <a:p/>
+          <a:p>
+            <a:endParaRPr/>
+          </a:p>
         </p:txBody>
       </p:sp>
       <p:sp>
         <p:nvSpPr>
           <p:cNvPr id="12" name="Google Shape;12;p2"/>
-          <p:cNvSpPr txBox="1"/>
+          <p:cNvSpPr txBox="1">
+            <a:spLocks noGrp="1"/>
+          </p:cNvSpPr>
           <p:nvPr>
-            <p:ph idx="12" type="sldNum"/>
+            <p:ph type="sldNum" idx="12"/>
           </p:nvPr>
         </p:nvSpPr>
         <p:spPr>
@@ -2097,7 +2178,7 @@
           </a:prstGeom>
         </p:spPr>
         <p:txBody>
-          <a:bodyPr anchorCtr="0" anchor="ctr" bIns="91425" lIns="91425" spcFirstLastPara="1" rIns="91425" wrap="square" tIns="91425">
+          <a:bodyPr spcFirstLastPara="1" wrap="square" lIns="91425" tIns="91425" rIns="91425" bIns="91425" anchor="ctr" anchorCtr="0">
             <a:normAutofit/>
           </a:bodyPr>
           <a:lstStyle>
@@ -2139,7 +2220,7 @@
             </a:lvl9pPr>
           </a:lstStyle>
           <a:p>
-            <a:pPr indent="0" lvl="0" marL="0" rtl="0" algn="r">
+            <a:pPr marL="0" lvl="0" indent="0" algn="r" rtl="0">
               <a:spcBef>
                 <a:spcPts val="0"/>
               </a:spcBef>
@@ -2165,11 +2246,11 @@
 </file>
 
 <file path=ppt/slideLayouts/slideLayout10.xml><?xml version="1.0" encoding="utf-8"?>
-<p:sldLayout xmlns:a="http://schemas.openxmlformats.org/drawingml/2006/main" xmlns:r="http://schemas.openxmlformats.org/officeDocument/2006/relationships" xmlns:mc="http://schemas.openxmlformats.org/markup-compatibility/2006" xmlns:mv="urn:schemas-microsoft-com:mac:vml" xmlns:p="http://schemas.openxmlformats.org/presentationml/2006/main" xmlns:c="http://schemas.openxmlformats.org/drawingml/2006/chart" xmlns:dgm="http://schemas.openxmlformats.org/drawingml/2006/diagram" xmlns:o="urn:schemas-microsoft-com:office:office" xmlns:v="urn:schemas-microsoft-com:vml" xmlns:pvml="urn:schemas-microsoft-com:office:powerpoint" xmlns:com="http://schemas.openxmlformats.org/drawingml/2006/compatibility" xmlns:p14="http://schemas.microsoft.com/office/powerpoint/2010/main" xmlns:p15="http://schemas.microsoft.com/office/powerpoint/2012/main" xmlns:ahyp="http://schemas.microsoft.com/office/drawing/2018/hyperlinkcolor" matchingName="Big number">
+<p:sldLayout xmlns:a="http://schemas.openxmlformats.org/drawingml/2006/main" xmlns:r="http://schemas.openxmlformats.org/officeDocument/2006/relationships" xmlns:p="http://schemas.openxmlformats.org/presentationml/2006/main" matchingName="Big number">
   <p:cSld name="BIG_NUMBER">
     <p:spTree>
       <p:nvGrpSpPr>
-        <p:cNvPr id="44" name="Shape 44"/>
+        <p:cNvPr id="1" name="Shape 44"/>
         <p:cNvGrpSpPr/>
         <p:nvPr/>
       </p:nvGrpSpPr>
@@ -2184,9 +2265,11 @@
       <p:sp>
         <p:nvSpPr>
           <p:cNvPr id="45" name="Google Shape;45;p11"/>
-          <p:cNvSpPr txBox="1"/>
+          <p:cNvSpPr txBox="1">
+            <a:spLocks noGrp="1"/>
+          </p:cNvSpPr>
           <p:nvPr>
-            <p:ph hasCustomPrompt="1" type="title"/>
+            <p:ph type="title" hasCustomPrompt="1"/>
           </p:nvPr>
         </p:nvSpPr>
         <p:spPr>
@@ -2199,7 +2282,7 @@
           </a:prstGeom>
         </p:spPr>
         <p:txBody>
-          <a:bodyPr anchorCtr="0" anchor="b" bIns="91425" lIns="91425" spcFirstLastPara="1" rIns="91425" wrap="square" tIns="91425">
+          <a:bodyPr spcFirstLastPara="1" wrap="square" lIns="91425" tIns="91425" rIns="91425" bIns="91425" anchor="b" anchorCtr="0">
             <a:normAutofit/>
           </a:bodyPr>
           <a:lstStyle>
@@ -2313,9 +2396,11 @@
       <p:sp>
         <p:nvSpPr>
           <p:cNvPr id="46" name="Google Shape;46;p11"/>
-          <p:cNvSpPr txBox="1"/>
+          <p:cNvSpPr txBox="1">
+            <a:spLocks noGrp="1"/>
+          </p:cNvSpPr>
           <p:nvPr>
-            <p:ph idx="1" type="body"/>
+            <p:ph type="body" idx="1"/>
           </p:nvPr>
         </p:nvSpPr>
         <p:spPr>
@@ -2328,11 +2413,11 @@
           </a:prstGeom>
         </p:spPr>
         <p:txBody>
-          <a:bodyPr anchorCtr="0" anchor="t" bIns="91425" lIns="91425" spcFirstLastPara="1" rIns="91425" wrap="square" tIns="91425">
+          <a:bodyPr spcFirstLastPara="1" wrap="square" lIns="91425" tIns="91425" rIns="91425" bIns="91425" anchor="t" anchorCtr="0">
             <a:normAutofit/>
           </a:bodyPr>
           <a:lstStyle>
-            <a:lvl1pPr indent="-342900" lvl="0" marL="457200" algn="ctr">
+            <a:lvl1pPr marL="457200" lvl="0" indent="-342900" algn="ctr">
               <a:spcBef>
                 <a:spcPts val="0"/>
               </a:spcBef>
@@ -2343,7 +2428,7 @@
               <a:buChar char="●"/>
               <a:defRPr/>
             </a:lvl1pPr>
-            <a:lvl2pPr indent="-317500" lvl="1" marL="914400" algn="ctr">
+            <a:lvl2pPr marL="914400" lvl="1" indent="-317500" algn="ctr">
               <a:spcBef>
                 <a:spcPts val="0"/>
               </a:spcBef>
@@ -2354,7 +2439,7 @@
               <a:buChar char="○"/>
               <a:defRPr/>
             </a:lvl2pPr>
-            <a:lvl3pPr indent="-317500" lvl="2" marL="1371600" algn="ctr">
+            <a:lvl3pPr marL="1371600" lvl="2" indent="-317500" algn="ctr">
               <a:spcBef>
                 <a:spcPts val="0"/>
               </a:spcBef>
@@ -2365,7 +2450,7 @@
               <a:buChar char="■"/>
               <a:defRPr/>
             </a:lvl3pPr>
-            <a:lvl4pPr indent="-317500" lvl="3" marL="1828800" algn="ctr">
+            <a:lvl4pPr marL="1828800" lvl="3" indent="-317500" algn="ctr">
               <a:spcBef>
                 <a:spcPts val="0"/>
               </a:spcBef>
@@ -2376,7 +2461,7 @@
               <a:buChar char="●"/>
               <a:defRPr/>
             </a:lvl4pPr>
-            <a:lvl5pPr indent="-317500" lvl="4" marL="2286000" algn="ctr">
+            <a:lvl5pPr marL="2286000" lvl="4" indent="-317500" algn="ctr">
               <a:spcBef>
                 <a:spcPts val="0"/>
               </a:spcBef>
@@ -2387,7 +2472,7 @@
               <a:buChar char="○"/>
               <a:defRPr/>
             </a:lvl5pPr>
-            <a:lvl6pPr indent="-317500" lvl="5" marL="2743200" algn="ctr">
+            <a:lvl6pPr marL="2743200" lvl="5" indent="-317500" algn="ctr">
               <a:spcBef>
                 <a:spcPts val="0"/>
               </a:spcBef>
@@ -2398,7 +2483,7 @@
               <a:buChar char="■"/>
               <a:defRPr/>
             </a:lvl6pPr>
-            <a:lvl7pPr indent="-317500" lvl="6" marL="3200400" algn="ctr">
+            <a:lvl7pPr marL="3200400" lvl="6" indent="-317500" algn="ctr">
               <a:spcBef>
                 <a:spcPts val="0"/>
               </a:spcBef>
@@ -2409,7 +2494,7 @@
               <a:buChar char="●"/>
               <a:defRPr/>
             </a:lvl7pPr>
-            <a:lvl8pPr indent="-317500" lvl="7" marL="3657600" algn="ctr">
+            <a:lvl8pPr marL="3657600" lvl="7" indent="-317500" algn="ctr">
               <a:spcBef>
                 <a:spcPts val="0"/>
               </a:spcBef>
@@ -2420,7 +2505,7 @@
               <a:buChar char="○"/>
               <a:defRPr/>
             </a:lvl8pPr>
-            <a:lvl9pPr indent="-317500" lvl="8" marL="4114800" algn="ctr">
+            <a:lvl9pPr marL="4114800" lvl="8" indent="-317500" algn="ctr">
               <a:spcBef>
                 <a:spcPts val="0"/>
               </a:spcBef>
@@ -2432,15 +2517,19 @@
               <a:defRPr/>
             </a:lvl9pPr>
           </a:lstStyle>
-          <a:p/>
+          <a:p>
+            <a:endParaRPr/>
+          </a:p>
         </p:txBody>
       </p:sp>
       <p:sp>
         <p:nvSpPr>
           <p:cNvPr id="47" name="Google Shape;47;p11"/>
-          <p:cNvSpPr txBox="1"/>
+          <p:cNvSpPr txBox="1">
+            <a:spLocks noGrp="1"/>
+          </p:cNvSpPr>
           <p:nvPr>
-            <p:ph idx="12" type="sldNum"/>
+            <p:ph type="sldNum" idx="12"/>
           </p:nvPr>
         </p:nvSpPr>
         <p:spPr>
@@ -2453,7 +2542,7 @@
           </a:prstGeom>
         </p:spPr>
         <p:txBody>
-          <a:bodyPr anchorCtr="0" anchor="ctr" bIns="91425" lIns="91425" spcFirstLastPara="1" rIns="91425" wrap="square" tIns="91425">
+          <a:bodyPr spcFirstLastPara="1" wrap="square" lIns="91425" tIns="91425" rIns="91425" bIns="91425" anchor="ctr" anchorCtr="0">
             <a:normAutofit/>
           </a:bodyPr>
           <a:lstStyle>
@@ -2495,7 +2584,7 @@
             </a:lvl9pPr>
           </a:lstStyle>
           <a:p>
-            <a:pPr indent="0" lvl="0" marL="0" rtl="0" algn="r">
+            <a:pPr marL="0" lvl="0" indent="0" algn="r" rtl="0">
               <a:spcBef>
                 <a:spcPts val="0"/>
               </a:spcBef>
@@ -2521,11 +2610,11 @@
 </file>
 
 <file path=ppt/slideLayouts/slideLayout11.xml><?xml version="1.0" encoding="utf-8"?>
-<p:sldLayout xmlns:a="http://schemas.openxmlformats.org/drawingml/2006/main" xmlns:r="http://schemas.openxmlformats.org/officeDocument/2006/relationships" xmlns:mc="http://schemas.openxmlformats.org/markup-compatibility/2006" xmlns:mv="urn:schemas-microsoft-com:mac:vml" xmlns:p="http://schemas.openxmlformats.org/presentationml/2006/main" xmlns:c="http://schemas.openxmlformats.org/drawingml/2006/chart" xmlns:dgm="http://schemas.openxmlformats.org/drawingml/2006/diagram" xmlns:o="urn:schemas-microsoft-com:office:office" xmlns:v="urn:schemas-microsoft-com:vml" xmlns:pvml="urn:schemas-microsoft-com:office:powerpoint" xmlns:com="http://schemas.openxmlformats.org/drawingml/2006/compatibility" xmlns:p14="http://schemas.microsoft.com/office/powerpoint/2010/main" xmlns:p15="http://schemas.microsoft.com/office/powerpoint/2012/main" xmlns:ahyp="http://schemas.microsoft.com/office/drawing/2018/hyperlinkcolor" matchingName="Blank" type="blank">
+<p:sldLayout xmlns:a="http://schemas.openxmlformats.org/drawingml/2006/main" xmlns:r="http://schemas.openxmlformats.org/officeDocument/2006/relationships" xmlns:p="http://schemas.openxmlformats.org/presentationml/2006/main" matchingName="Blank" type="blank">
   <p:cSld name="BLANK">
     <p:spTree>
       <p:nvGrpSpPr>
-        <p:cNvPr id="48" name="Shape 48"/>
+        <p:cNvPr id="1" name="Shape 48"/>
         <p:cNvGrpSpPr/>
         <p:nvPr/>
       </p:nvGrpSpPr>
@@ -2540,9 +2629,11 @@
       <p:sp>
         <p:nvSpPr>
           <p:cNvPr id="49" name="Google Shape;49;p12"/>
-          <p:cNvSpPr txBox="1"/>
+          <p:cNvSpPr txBox="1">
+            <a:spLocks noGrp="1"/>
+          </p:cNvSpPr>
           <p:nvPr>
-            <p:ph idx="12" type="sldNum"/>
+            <p:ph type="sldNum" idx="12"/>
           </p:nvPr>
         </p:nvSpPr>
         <p:spPr>
@@ -2555,7 +2646,7 @@
           </a:prstGeom>
         </p:spPr>
         <p:txBody>
-          <a:bodyPr anchorCtr="0" anchor="ctr" bIns="91425" lIns="91425" spcFirstLastPara="1" rIns="91425" wrap="square" tIns="91425">
+          <a:bodyPr spcFirstLastPara="1" wrap="square" lIns="91425" tIns="91425" rIns="91425" bIns="91425" anchor="ctr" anchorCtr="0">
             <a:normAutofit/>
           </a:bodyPr>
           <a:lstStyle>
@@ -2597,7 +2688,7 @@
             </a:lvl9pPr>
           </a:lstStyle>
           <a:p>
-            <a:pPr indent="0" lvl="0" marL="0" rtl="0" algn="r">
+            <a:pPr marL="0" lvl="0" indent="0" algn="r" rtl="0">
               <a:spcBef>
                 <a:spcPts val="0"/>
               </a:spcBef>
@@ -2623,11 +2714,11 @@
 </file>
 
 <file path=ppt/slideLayouts/slideLayout2.xml><?xml version="1.0" encoding="utf-8"?>
-<p:sldLayout xmlns:a="http://schemas.openxmlformats.org/drawingml/2006/main" xmlns:r="http://schemas.openxmlformats.org/officeDocument/2006/relationships" xmlns:mc="http://schemas.openxmlformats.org/markup-compatibility/2006" xmlns:mv="urn:schemas-microsoft-com:mac:vml" xmlns:p="http://schemas.openxmlformats.org/presentationml/2006/main" xmlns:c="http://schemas.openxmlformats.org/drawingml/2006/chart" xmlns:dgm="http://schemas.openxmlformats.org/drawingml/2006/diagram" xmlns:o="urn:schemas-microsoft-com:office:office" xmlns:v="urn:schemas-microsoft-com:vml" xmlns:pvml="urn:schemas-microsoft-com:office:powerpoint" xmlns:com="http://schemas.openxmlformats.org/drawingml/2006/compatibility" xmlns:p14="http://schemas.microsoft.com/office/powerpoint/2010/main" xmlns:p15="http://schemas.microsoft.com/office/powerpoint/2012/main" xmlns:ahyp="http://schemas.microsoft.com/office/drawing/2018/hyperlinkcolor" matchingName="Section header" type="secHead">
+<p:sldLayout xmlns:a="http://schemas.openxmlformats.org/drawingml/2006/main" xmlns:r="http://schemas.openxmlformats.org/officeDocument/2006/relationships" xmlns:p="http://schemas.openxmlformats.org/presentationml/2006/main" matchingName="Section header" type="secHead">
   <p:cSld name="SECTION_HEADER">
     <p:spTree>
       <p:nvGrpSpPr>
-        <p:cNvPr id="13" name="Shape 13"/>
+        <p:cNvPr id="1" name="Shape 13"/>
         <p:cNvGrpSpPr/>
         <p:nvPr/>
       </p:nvGrpSpPr>
@@ -2642,7 +2733,9 @@
       <p:sp>
         <p:nvSpPr>
           <p:cNvPr id="14" name="Google Shape;14;p3"/>
-          <p:cNvSpPr txBox="1"/>
+          <p:cNvSpPr txBox="1">
+            <a:spLocks noGrp="1"/>
+          </p:cNvSpPr>
           <p:nvPr>
             <p:ph type="title"/>
           </p:nvPr>
@@ -2657,7 +2750,7 @@
           </a:prstGeom>
         </p:spPr>
         <p:txBody>
-          <a:bodyPr anchorCtr="0" anchor="ctr" bIns="91425" lIns="91425" spcFirstLastPara="1" rIns="91425" wrap="square" tIns="91425">
+          <a:bodyPr spcFirstLastPara="1" wrap="square" lIns="91425" tIns="91425" rIns="91425" bIns="91425" anchor="ctr" anchorCtr="0">
             <a:normAutofit/>
           </a:bodyPr>
           <a:lstStyle>
@@ -2761,15 +2854,19 @@
               <a:defRPr sz="3600"/>
             </a:lvl9pPr>
           </a:lstStyle>
-          <a:p/>
+          <a:p>
+            <a:endParaRPr/>
+          </a:p>
         </p:txBody>
       </p:sp>
       <p:sp>
         <p:nvSpPr>
           <p:cNvPr id="15" name="Google Shape;15;p3"/>
-          <p:cNvSpPr txBox="1"/>
+          <p:cNvSpPr txBox="1">
+            <a:spLocks noGrp="1"/>
+          </p:cNvSpPr>
           <p:nvPr>
-            <p:ph idx="12" type="sldNum"/>
+            <p:ph type="sldNum" idx="12"/>
           </p:nvPr>
         </p:nvSpPr>
         <p:spPr>
@@ -2782,7 +2879,7 @@
           </a:prstGeom>
         </p:spPr>
         <p:txBody>
-          <a:bodyPr anchorCtr="0" anchor="ctr" bIns="91425" lIns="91425" spcFirstLastPara="1" rIns="91425" wrap="square" tIns="91425">
+          <a:bodyPr spcFirstLastPara="1" wrap="square" lIns="91425" tIns="91425" rIns="91425" bIns="91425" anchor="ctr" anchorCtr="0">
             <a:normAutofit/>
           </a:bodyPr>
           <a:lstStyle>
@@ -2824,7 +2921,7 @@
             </a:lvl9pPr>
           </a:lstStyle>
           <a:p>
-            <a:pPr indent="0" lvl="0" marL="0" rtl="0" algn="r">
+            <a:pPr marL="0" lvl="0" indent="0" algn="r" rtl="0">
               <a:spcBef>
                 <a:spcPts val="0"/>
               </a:spcBef>
@@ -2850,11 +2947,11 @@
 </file>
 
 <file path=ppt/slideLayouts/slideLayout3.xml><?xml version="1.0" encoding="utf-8"?>
-<p:sldLayout xmlns:a="http://schemas.openxmlformats.org/drawingml/2006/main" xmlns:r="http://schemas.openxmlformats.org/officeDocument/2006/relationships" xmlns:mc="http://schemas.openxmlformats.org/markup-compatibility/2006" xmlns:mv="urn:schemas-microsoft-com:mac:vml" xmlns:p="http://schemas.openxmlformats.org/presentationml/2006/main" xmlns:c="http://schemas.openxmlformats.org/drawingml/2006/chart" xmlns:dgm="http://schemas.openxmlformats.org/drawingml/2006/diagram" xmlns:o="urn:schemas-microsoft-com:office:office" xmlns:v="urn:schemas-microsoft-com:vml" xmlns:pvml="urn:schemas-microsoft-com:office:powerpoint" xmlns:com="http://schemas.openxmlformats.org/drawingml/2006/compatibility" xmlns:p14="http://schemas.microsoft.com/office/powerpoint/2010/main" xmlns:p15="http://schemas.microsoft.com/office/powerpoint/2012/main" xmlns:ahyp="http://schemas.microsoft.com/office/drawing/2018/hyperlinkcolor" matchingName="Title and body" type="tx">
+<p:sldLayout xmlns:a="http://schemas.openxmlformats.org/drawingml/2006/main" xmlns:r="http://schemas.openxmlformats.org/officeDocument/2006/relationships" xmlns:p="http://schemas.openxmlformats.org/presentationml/2006/main" matchingName="Title and body" type="tx">
   <p:cSld name="TITLE_AND_BODY">
     <p:spTree>
       <p:nvGrpSpPr>
-        <p:cNvPr id="16" name="Shape 16"/>
+        <p:cNvPr id="1" name="Shape 16"/>
         <p:cNvGrpSpPr/>
         <p:nvPr/>
       </p:nvGrpSpPr>
@@ -2869,7 +2966,9 @@
       <p:sp>
         <p:nvSpPr>
           <p:cNvPr id="17" name="Google Shape;17;p4"/>
-          <p:cNvSpPr txBox="1"/>
+          <p:cNvSpPr txBox="1">
+            <a:spLocks noGrp="1"/>
+          </p:cNvSpPr>
           <p:nvPr>
             <p:ph type="title"/>
           </p:nvPr>
@@ -2884,7 +2983,7 @@
           </a:prstGeom>
         </p:spPr>
         <p:txBody>
-          <a:bodyPr anchorCtr="0" anchor="t" bIns="91425" lIns="91425" spcFirstLastPara="1" rIns="91425" wrap="square" tIns="91425">
+          <a:bodyPr spcFirstLastPara="1" wrap="square" lIns="91425" tIns="91425" rIns="91425" bIns="91425" anchor="t" anchorCtr="0">
             <a:normAutofit/>
           </a:bodyPr>
           <a:lstStyle>
@@ -2988,15 +3087,19 @@
               <a:defRPr/>
             </a:lvl9pPr>
           </a:lstStyle>
-          <a:p/>
+          <a:p>
+            <a:endParaRPr/>
+          </a:p>
         </p:txBody>
       </p:sp>
       <p:sp>
         <p:nvSpPr>
           <p:cNvPr id="18" name="Google Shape;18;p4"/>
-          <p:cNvSpPr txBox="1"/>
+          <p:cNvSpPr txBox="1">
+            <a:spLocks noGrp="1"/>
+          </p:cNvSpPr>
           <p:nvPr>
-            <p:ph idx="1" type="body"/>
+            <p:ph type="body" idx="1"/>
           </p:nvPr>
         </p:nvSpPr>
         <p:spPr>
@@ -3009,11 +3112,11 @@
           </a:prstGeom>
         </p:spPr>
         <p:txBody>
-          <a:bodyPr anchorCtr="0" anchor="t" bIns="91425" lIns="91425" spcFirstLastPara="1" rIns="91425" wrap="square" tIns="91425">
+          <a:bodyPr spcFirstLastPara="1" wrap="square" lIns="91425" tIns="91425" rIns="91425" bIns="91425" anchor="t" anchorCtr="0">
             <a:normAutofit/>
           </a:bodyPr>
           <a:lstStyle>
-            <a:lvl1pPr indent="-342900" lvl="0" marL="457200">
+            <a:lvl1pPr marL="457200" lvl="0" indent="-342900">
               <a:spcBef>
                 <a:spcPts val="0"/>
               </a:spcBef>
@@ -3024,7 +3127,7 @@
               <a:buChar char="●"/>
               <a:defRPr/>
             </a:lvl1pPr>
-            <a:lvl2pPr indent="-317500" lvl="1" marL="914400">
+            <a:lvl2pPr marL="914400" lvl="1" indent="-317500">
               <a:spcBef>
                 <a:spcPts val="0"/>
               </a:spcBef>
@@ -3035,7 +3138,7 @@
               <a:buChar char="○"/>
               <a:defRPr/>
             </a:lvl2pPr>
-            <a:lvl3pPr indent="-317500" lvl="2" marL="1371600">
+            <a:lvl3pPr marL="1371600" lvl="2" indent="-317500">
               <a:spcBef>
                 <a:spcPts val="0"/>
               </a:spcBef>
@@ -3046,7 +3149,7 @@
               <a:buChar char="■"/>
               <a:defRPr/>
             </a:lvl3pPr>
-            <a:lvl4pPr indent="-317500" lvl="3" marL="1828800">
+            <a:lvl4pPr marL="1828800" lvl="3" indent="-317500">
               <a:spcBef>
                 <a:spcPts val="0"/>
               </a:spcBef>
@@ -3057,7 +3160,7 @@
               <a:buChar char="●"/>
               <a:defRPr/>
             </a:lvl4pPr>
-            <a:lvl5pPr indent="-317500" lvl="4" marL="2286000">
+            <a:lvl5pPr marL="2286000" lvl="4" indent="-317500">
               <a:spcBef>
                 <a:spcPts val="0"/>
               </a:spcBef>
@@ -3068,7 +3171,7 @@
               <a:buChar char="○"/>
               <a:defRPr/>
             </a:lvl5pPr>
-            <a:lvl6pPr indent="-317500" lvl="5" marL="2743200">
+            <a:lvl6pPr marL="2743200" lvl="5" indent="-317500">
               <a:spcBef>
                 <a:spcPts val="0"/>
               </a:spcBef>
@@ -3079,7 +3182,7 @@
               <a:buChar char="■"/>
               <a:defRPr/>
             </a:lvl6pPr>
-            <a:lvl7pPr indent="-317500" lvl="6" marL="3200400">
+            <a:lvl7pPr marL="3200400" lvl="6" indent="-317500">
               <a:spcBef>
                 <a:spcPts val="0"/>
               </a:spcBef>
@@ -3090,7 +3193,7 @@
               <a:buChar char="●"/>
               <a:defRPr/>
             </a:lvl7pPr>
-            <a:lvl8pPr indent="-317500" lvl="7" marL="3657600">
+            <a:lvl8pPr marL="3657600" lvl="7" indent="-317500">
               <a:spcBef>
                 <a:spcPts val="0"/>
               </a:spcBef>
@@ -3101,7 +3204,7 @@
               <a:buChar char="○"/>
               <a:defRPr/>
             </a:lvl8pPr>
-            <a:lvl9pPr indent="-317500" lvl="8" marL="4114800">
+            <a:lvl9pPr marL="4114800" lvl="8" indent="-317500">
               <a:spcBef>
                 <a:spcPts val="0"/>
               </a:spcBef>
@@ -3113,15 +3216,19 @@
               <a:defRPr/>
             </a:lvl9pPr>
           </a:lstStyle>
-          <a:p/>
+          <a:p>
+            <a:endParaRPr/>
+          </a:p>
         </p:txBody>
       </p:sp>
       <p:sp>
         <p:nvSpPr>
           <p:cNvPr id="19" name="Google Shape;19;p4"/>
-          <p:cNvSpPr txBox="1"/>
+          <p:cNvSpPr txBox="1">
+            <a:spLocks noGrp="1"/>
+          </p:cNvSpPr>
           <p:nvPr>
-            <p:ph idx="12" type="sldNum"/>
+            <p:ph type="sldNum" idx="12"/>
           </p:nvPr>
         </p:nvSpPr>
         <p:spPr>
@@ -3134,7 +3241,7 @@
           </a:prstGeom>
         </p:spPr>
         <p:txBody>
-          <a:bodyPr anchorCtr="0" anchor="ctr" bIns="91425" lIns="91425" spcFirstLastPara="1" rIns="91425" wrap="square" tIns="91425">
+          <a:bodyPr spcFirstLastPara="1" wrap="square" lIns="91425" tIns="91425" rIns="91425" bIns="91425" anchor="ctr" anchorCtr="0">
             <a:normAutofit/>
           </a:bodyPr>
           <a:lstStyle>
@@ -3176,7 +3283,7 @@
             </a:lvl9pPr>
           </a:lstStyle>
           <a:p>
-            <a:pPr indent="0" lvl="0" marL="0" rtl="0" algn="r">
+            <a:pPr marL="0" lvl="0" indent="0" algn="r" rtl="0">
               <a:spcBef>
                 <a:spcPts val="0"/>
               </a:spcBef>
@@ -3202,11 +3309,11 @@
 </file>
 
 <file path=ppt/slideLayouts/slideLayout4.xml><?xml version="1.0" encoding="utf-8"?>
-<p:sldLayout xmlns:a="http://schemas.openxmlformats.org/drawingml/2006/main" xmlns:r="http://schemas.openxmlformats.org/officeDocument/2006/relationships" xmlns:mc="http://schemas.openxmlformats.org/markup-compatibility/2006" xmlns:mv="urn:schemas-microsoft-com:mac:vml" xmlns:p="http://schemas.openxmlformats.org/presentationml/2006/main" xmlns:c="http://schemas.openxmlformats.org/drawingml/2006/chart" xmlns:dgm="http://schemas.openxmlformats.org/drawingml/2006/diagram" xmlns:o="urn:schemas-microsoft-com:office:office" xmlns:v="urn:schemas-microsoft-com:vml" xmlns:pvml="urn:schemas-microsoft-com:office:powerpoint" xmlns:com="http://schemas.openxmlformats.org/drawingml/2006/compatibility" xmlns:p14="http://schemas.microsoft.com/office/powerpoint/2010/main" xmlns:p15="http://schemas.microsoft.com/office/powerpoint/2012/main" xmlns:ahyp="http://schemas.microsoft.com/office/drawing/2018/hyperlinkcolor" matchingName="Title and two columns" type="twoColTx">
+<p:sldLayout xmlns:a="http://schemas.openxmlformats.org/drawingml/2006/main" xmlns:r="http://schemas.openxmlformats.org/officeDocument/2006/relationships" xmlns:p="http://schemas.openxmlformats.org/presentationml/2006/main" matchingName="Title and two columns" type="twoColTx">
   <p:cSld name="TITLE_AND_TWO_COLUMNS">
     <p:spTree>
       <p:nvGrpSpPr>
-        <p:cNvPr id="20" name="Shape 20"/>
+        <p:cNvPr id="1" name="Shape 20"/>
         <p:cNvGrpSpPr/>
         <p:nvPr/>
       </p:nvGrpSpPr>
@@ -3221,7 +3328,9 @@
       <p:sp>
         <p:nvSpPr>
           <p:cNvPr id="21" name="Google Shape;21;p5"/>
-          <p:cNvSpPr txBox="1"/>
+          <p:cNvSpPr txBox="1">
+            <a:spLocks noGrp="1"/>
+          </p:cNvSpPr>
           <p:nvPr>
             <p:ph type="title"/>
           </p:nvPr>
@@ -3236,7 +3345,7 @@
           </a:prstGeom>
         </p:spPr>
         <p:txBody>
-          <a:bodyPr anchorCtr="0" anchor="t" bIns="91425" lIns="91425" spcFirstLastPara="1" rIns="91425" wrap="square" tIns="91425">
+          <a:bodyPr spcFirstLastPara="1" wrap="square" lIns="91425" tIns="91425" rIns="91425" bIns="91425" anchor="t" anchorCtr="0">
             <a:normAutofit/>
           </a:bodyPr>
           <a:lstStyle>
@@ -3340,15 +3449,19 @@
               <a:defRPr/>
             </a:lvl9pPr>
           </a:lstStyle>
-          <a:p/>
+          <a:p>
+            <a:endParaRPr/>
+          </a:p>
         </p:txBody>
       </p:sp>
       <p:sp>
         <p:nvSpPr>
           <p:cNvPr id="22" name="Google Shape;22;p5"/>
-          <p:cNvSpPr txBox="1"/>
+          <p:cNvSpPr txBox="1">
+            <a:spLocks noGrp="1"/>
+          </p:cNvSpPr>
           <p:nvPr>
-            <p:ph idx="1" type="body"/>
+            <p:ph type="body" idx="1"/>
           </p:nvPr>
         </p:nvSpPr>
         <p:spPr>
@@ -3361,11 +3474,11 @@
           </a:prstGeom>
         </p:spPr>
         <p:txBody>
-          <a:bodyPr anchorCtr="0" anchor="t" bIns="91425" lIns="91425" spcFirstLastPara="1" rIns="91425" wrap="square" tIns="91425">
+          <a:bodyPr spcFirstLastPara="1" wrap="square" lIns="91425" tIns="91425" rIns="91425" bIns="91425" anchor="t" anchorCtr="0">
             <a:normAutofit/>
           </a:bodyPr>
           <a:lstStyle>
-            <a:lvl1pPr indent="-317500" lvl="0" marL="457200">
+            <a:lvl1pPr marL="457200" lvl="0" indent="-317500">
               <a:spcBef>
                 <a:spcPts val="0"/>
               </a:spcBef>
@@ -3376,7 +3489,7 @@
               <a:buChar char="●"/>
               <a:defRPr sz="1400"/>
             </a:lvl1pPr>
-            <a:lvl2pPr indent="-304800" lvl="1" marL="914400">
+            <a:lvl2pPr marL="914400" lvl="1" indent="-304800">
               <a:spcBef>
                 <a:spcPts val="0"/>
               </a:spcBef>
@@ -3387,7 +3500,7 @@
               <a:buChar char="○"/>
               <a:defRPr sz="1200"/>
             </a:lvl2pPr>
-            <a:lvl3pPr indent="-304800" lvl="2" marL="1371600">
+            <a:lvl3pPr marL="1371600" lvl="2" indent="-304800">
               <a:spcBef>
                 <a:spcPts val="0"/>
               </a:spcBef>
@@ -3398,7 +3511,7 @@
               <a:buChar char="■"/>
               <a:defRPr sz="1200"/>
             </a:lvl3pPr>
-            <a:lvl4pPr indent="-304800" lvl="3" marL="1828800">
+            <a:lvl4pPr marL="1828800" lvl="3" indent="-304800">
               <a:spcBef>
                 <a:spcPts val="0"/>
               </a:spcBef>
@@ -3409,7 +3522,7 @@
               <a:buChar char="●"/>
               <a:defRPr sz="1200"/>
             </a:lvl4pPr>
-            <a:lvl5pPr indent="-304800" lvl="4" marL="2286000">
+            <a:lvl5pPr marL="2286000" lvl="4" indent="-304800">
               <a:spcBef>
                 <a:spcPts val="0"/>
               </a:spcBef>
@@ -3420,7 +3533,7 @@
               <a:buChar char="○"/>
               <a:defRPr sz="1200"/>
             </a:lvl5pPr>
-            <a:lvl6pPr indent="-304800" lvl="5" marL="2743200">
+            <a:lvl6pPr marL="2743200" lvl="5" indent="-304800">
               <a:spcBef>
                 <a:spcPts val="0"/>
               </a:spcBef>
@@ -3431,7 +3544,7 @@
               <a:buChar char="■"/>
               <a:defRPr sz="1200"/>
             </a:lvl6pPr>
-            <a:lvl7pPr indent="-304800" lvl="6" marL="3200400">
+            <a:lvl7pPr marL="3200400" lvl="6" indent="-304800">
               <a:spcBef>
                 <a:spcPts val="0"/>
               </a:spcBef>
@@ -3442,7 +3555,7 @@
               <a:buChar char="●"/>
               <a:defRPr sz="1200"/>
             </a:lvl7pPr>
-            <a:lvl8pPr indent="-304800" lvl="7" marL="3657600">
+            <a:lvl8pPr marL="3657600" lvl="7" indent="-304800">
               <a:spcBef>
                 <a:spcPts val="0"/>
               </a:spcBef>
@@ -3453,7 +3566,7 @@
               <a:buChar char="○"/>
               <a:defRPr sz="1200"/>
             </a:lvl8pPr>
-            <a:lvl9pPr indent="-304800" lvl="8" marL="4114800">
+            <a:lvl9pPr marL="4114800" lvl="8" indent="-304800">
               <a:spcBef>
                 <a:spcPts val="0"/>
               </a:spcBef>
@@ -3465,15 +3578,19 @@
               <a:defRPr sz="1200"/>
             </a:lvl9pPr>
           </a:lstStyle>
-          <a:p/>
+          <a:p>
+            <a:endParaRPr/>
+          </a:p>
         </p:txBody>
       </p:sp>
       <p:sp>
         <p:nvSpPr>
           <p:cNvPr id="23" name="Google Shape;23;p5"/>
-          <p:cNvSpPr txBox="1"/>
+          <p:cNvSpPr txBox="1">
+            <a:spLocks noGrp="1"/>
+          </p:cNvSpPr>
           <p:nvPr>
-            <p:ph idx="2" type="body"/>
+            <p:ph type="body" idx="2"/>
           </p:nvPr>
         </p:nvSpPr>
         <p:spPr>
@@ -3486,11 +3603,11 @@
           </a:prstGeom>
         </p:spPr>
         <p:txBody>
-          <a:bodyPr anchorCtr="0" anchor="t" bIns="91425" lIns="91425" spcFirstLastPara="1" rIns="91425" wrap="square" tIns="91425">
+          <a:bodyPr spcFirstLastPara="1" wrap="square" lIns="91425" tIns="91425" rIns="91425" bIns="91425" anchor="t" anchorCtr="0">
             <a:normAutofit/>
           </a:bodyPr>
           <a:lstStyle>
-            <a:lvl1pPr indent="-317500" lvl="0" marL="457200">
+            <a:lvl1pPr marL="457200" lvl="0" indent="-317500">
               <a:spcBef>
                 <a:spcPts val="0"/>
               </a:spcBef>
@@ -3501,7 +3618,7 @@
               <a:buChar char="●"/>
               <a:defRPr sz="1400"/>
             </a:lvl1pPr>
-            <a:lvl2pPr indent="-304800" lvl="1" marL="914400">
+            <a:lvl2pPr marL="914400" lvl="1" indent="-304800">
               <a:spcBef>
                 <a:spcPts val="0"/>
               </a:spcBef>
@@ -3512,7 +3629,7 @@
               <a:buChar char="○"/>
               <a:defRPr sz="1200"/>
             </a:lvl2pPr>
-            <a:lvl3pPr indent="-304800" lvl="2" marL="1371600">
+            <a:lvl3pPr marL="1371600" lvl="2" indent="-304800">
               <a:spcBef>
                 <a:spcPts val="0"/>
               </a:spcBef>
@@ -3523,7 +3640,7 @@
               <a:buChar char="■"/>
               <a:defRPr sz="1200"/>
             </a:lvl3pPr>
-            <a:lvl4pPr indent="-304800" lvl="3" marL="1828800">
+            <a:lvl4pPr marL="1828800" lvl="3" indent="-304800">
               <a:spcBef>
                 <a:spcPts val="0"/>
               </a:spcBef>
@@ -3534,7 +3651,7 @@
               <a:buChar char="●"/>
               <a:defRPr sz="1200"/>
             </a:lvl4pPr>
-            <a:lvl5pPr indent="-304800" lvl="4" marL="2286000">
+            <a:lvl5pPr marL="2286000" lvl="4" indent="-304800">
               <a:spcBef>
                 <a:spcPts val="0"/>
               </a:spcBef>
@@ -3545,7 +3662,7 @@
               <a:buChar char="○"/>
               <a:defRPr sz="1200"/>
             </a:lvl5pPr>
-            <a:lvl6pPr indent="-304800" lvl="5" marL="2743200">
+            <a:lvl6pPr marL="2743200" lvl="5" indent="-304800">
               <a:spcBef>
                 <a:spcPts val="0"/>
               </a:spcBef>
@@ -3556,7 +3673,7 @@
               <a:buChar char="■"/>
               <a:defRPr sz="1200"/>
             </a:lvl6pPr>
-            <a:lvl7pPr indent="-304800" lvl="6" marL="3200400">
+            <a:lvl7pPr marL="3200400" lvl="6" indent="-304800">
               <a:spcBef>
                 <a:spcPts val="0"/>
               </a:spcBef>
@@ -3567,7 +3684,7 @@
               <a:buChar char="●"/>
               <a:defRPr sz="1200"/>
             </a:lvl7pPr>
-            <a:lvl8pPr indent="-304800" lvl="7" marL="3657600">
+            <a:lvl8pPr marL="3657600" lvl="7" indent="-304800">
               <a:spcBef>
                 <a:spcPts val="0"/>
               </a:spcBef>
@@ -3578,7 +3695,7 @@
               <a:buChar char="○"/>
               <a:defRPr sz="1200"/>
             </a:lvl8pPr>
-            <a:lvl9pPr indent="-304800" lvl="8" marL="4114800">
+            <a:lvl9pPr marL="4114800" lvl="8" indent="-304800">
               <a:spcBef>
                 <a:spcPts val="0"/>
               </a:spcBef>
@@ -3590,15 +3707,19 @@
               <a:defRPr sz="1200"/>
             </a:lvl9pPr>
           </a:lstStyle>
-          <a:p/>
+          <a:p>
+            <a:endParaRPr/>
+          </a:p>
         </p:txBody>
       </p:sp>
       <p:sp>
         <p:nvSpPr>
           <p:cNvPr id="24" name="Google Shape;24;p5"/>
-          <p:cNvSpPr txBox="1"/>
+          <p:cNvSpPr txBox="1">
+            <a:spLocks noGrp="1"/>
+          </p:cNvSpPr>
           <p:nvPr>
-            <p:ph idx="12" type="sldNum"/>
+            <p:ph type="sldNum" idx="12"/>
           </p:nvPr>
         </p:nvSpPr>
         <p:spPr>
@@ -3611,7 +3732,7 @@
           </a:prstGeom>
         </p:spPr>
         <p:txBody>
-          <a:bodyPr anchorCtr="0" anchor="ctr" bIns="91425" lIns="91425" spcFirstLastPara="1" rIns="91425" wrap="square" tIns="91425">
+          <a:bodyPr spcFirstLastPara="1" wrap="square" lIns="91425" tIns="91425" rIns="91425" bIns="91425" anchor="ctr" anchorCtr="0">
             <a:normAutofit/>
           </a:bodyPr>
           <a:lstStyle>
@@ -3653,7 +3774,7 @@
             </a:lvl9pPr>
           </a:lstStyle>
           <a:p>
-            <a:pPr indent="0" lvl="0" marL="0" rtl="0" algn="r">
+            <a:pPr marL="0" lvl="0" indent="0" algn="r" rtl="0">
               <a:spcBef>
                 <a:spcPts val="0"/>
               </a:spcBef>
@@ -3679,11 +3800,11 @@
 </file>
 
 <file path=ppt/slideLayouts/slideLayout5.xml><?xml version="1.0" encoding="utf-8"?>
-<p:sldLayout xmlns:a="http://schemas.openxmlformats.org/drawingml/2006/main" xmlns:r="http://schemas.openxmlformats.org/officeDocument/2006/relationships" xmlns:mc="http://schemas.openxmlformats.org/markup-compatibility/2006" xmlns:mv="urn:schemas-microsoft-com:mac:vml" xmlns:p="http://schemas.openxmlformats.org/presentationml/2006/main" xmlns:c="http://schemas.openxmlformats.org/drawingml/2006/chart" xmlns:dgm="http://schemas.openxmlformats.org/drawingml/2006/diagram" xmlns:o="urn:schemas-microsoft-com:office:office" xmlns:v="urn:schemas-microsoft-com:vml" xmlns:pvml="urn:schemas-microsoft-com:office:powerpoint" xmlns:com="http://schemas.openxmlformats.org/drawingml/2006/compatibility" xmlns:p14="http://schemas.microsoft.com/office/powerpoint/2010/main" xmlns:p15="http://schemas.microsoft.com/office/powerpoint/2012/main" xmlns:ahyp="http://schemas.microsoft.com/office/drawing/2018/hyperlinkcolor" matchingName="Title only" type="titleOnly">
+<p:sldLayout xmlns:a="http://schemas.openxmlformats.org/drawingml/2006/main" xmlns:r="http://schemas.openxmlformats.org/officeDocument/2006/relationships" xmlns:p="http://schemas.openxmlformats.org/presentationml/2006/main" matchingName="Title only" type="titleOnly">
   <p:cSld name="TITLE_ONLY">
     <p:spTree>
       <p:nvGrpSpPr>
-        <p:cNvPr id="25" name="Shape 25"/>
+        <p:cNvPr id="1" name="Shape 25"/>
         <p:cNvGrpSpPr/>
         <p:nvPr/>
       </p:nvGrpSpPr>
@@ -3698,7 +3819,9 @@
       <p:sp>
         <p:nvSpPr>
           <p:cNvPr id="26" name="Google Shape;26;p6"/>
-          <p:cNvSpPr txBox="1"/>
+          <p:cNvSpPr txBox="1">
+            <a:spLocks noGrp="1"/>
+          </p:cNvSpPr>
           <p:nvPr>
             <p:ph type="title"/>
           </p:nvPr>
@@ -3713,7 +3836,7 @@
           </a:prstGeom>
         </p:spPr>
         <p:txBody>
-          <a:bodyPr anchorCtr="0" anchor="t" bIns="91425" lIns="91425" spcFirstLastPara="1" rIns="91425" wrap="square" tIns="91425">
+          <a:bodyPr spcFirstLastPara="1" wrap="square" lIns="91425" tIns="91425" rIns="91425" bIns="91425" anchor="t" anchorCtr="0">
             <a:normAutofit/>
           </a:bodyPr>
           <a:lstStyle>
@@ -3817,15 +3940,19 @@
               <a:defRPr/>
             </a:lvl9pPr>
           </a:lstStyle>
-          <a:p/>
+          <a:p>
+            <a:endParaRPr/>
+          </a:p>
         </p:txBody>
       </p:sp>
       <p:sp>
         <p:nvSpPr>
           <p:cNvPr id="27" name="Google Shape;27;p6"/>
-          <p:cNvSpPr txBox="1"/>
+          <p:cNvSpPr txBox="1">
+            <a:spLocks noGrp="1"/>
+          </p:cNvSpPr>
           <p:nvPr>
-            <p:ph idx="12" type="sldNum"/>
+            <p:ph type="sldNum" idx="12"/>
           </p:nvPr>
         </p:nvSpPr>
         <p:spPr>
@@ -3838,7 +3965,7 @@
           </a:prstGeom>
         </p:spPr>
         <p:txBody>
-          <a:bodyPr anchorCtr="0" anchor="ctr" bIns="91425" lIns="91425" spcFirstLastPara="1" rIns="91425" wrap="square" tIns="91425">
+          <a:bodyPr spcFirstLastPara="1" wrap="square" lIns="91425" tIns="91425" rIns="91425" bIns="91425" anchor="ctr" anchorCtr="0">
             <a:normAutofit/>
           </a:bodyPr>
           <a:lstStyle>
@@ -3880,7 +4007,7 @@
             </a:lvl9pPr>
           </a:lstStyle>
           <a:p>
-            <a:pPr indent="0" lvl="0" marL="0" rtl="0" algn="r">
+            <a:pPr marL="0" lvl="0" indent="0" algn="r" rtl="0">
               <a:spcBef>
                 <a:spcPts val="0"/>
               </a:spcBef>
@@ -3906,11 +4033,11 @@
 </file>
 
 <file path=ppt/slideLayouts/slideLayout6.xml><?xml version="1.0" encoding="utf-8"?>
-<p:sldLayout xmlns:a="http://schemas.openxmlformats.org/drawingml/2006/main" xmlns:r="http://schemas.openxmlformats.org/officeDocument/2006/relationships" xmlns:mc="http://schemas.openxmlformats.org/markup-compatibility/2006" xmlns:mv="urn:schemas-microsoft-com:mac:vml" xmlns:p="http://schemas.openxmlformats.org/presentationml/2006/main" xmlns:c="http://schemas.openxmlformats.org/drawingml/2006/chart" xmlns:dgm="http://schemas.openxmlformats.org/drawingml/2006/diagram" xmlns:o="urn:schemas-microsoft-com:office:office" xmlns:v="urn:schemas-microsoft-com:vml" xmlns:pvml="urn:schemas-microsoft-com:office:powerpoint" xmlns:com="http://schemas.openxmlformats.org/drawingml/2006/compatibility" xmlns:p14="http://schemas.microsoft.com/office/powerpoint/2010/main" xmlns:p15="http://schemas.microsoft.com/office/powerpoint/2012/main" xmlns:ahyp="http://schemas.microsoft.com/office/drawing/2018/hyperlinkcolor" matchingName="One column text">
+<p:sldLayout xmlns:a="http://schemas.openxmlformats.org/drawingml/2006/main" xmlns:r="http://schemas.openxmlformats.org/officeDocument/2006/relationships" xmlns:p="http://schemas.openxmlformats.org/presentationml/2006/main" matchingName="One column text">
   <p:cSld name="ONE_COLUMN_TEXT">
     <p:spTree>
       <p:nvGrpSpPr>
-        <p:cNvPr id="28" name="Shape 28"/>
+        <p:cNvPr id="1" name="Shape 28"/>
         <p:cNvGrpSpPr/>
         <p:nvPr/>
       </p:nvGrpSpPr>
@@ -3925,7 +4052,9 @@
       <p:sp>
         <p:nvSpPr>
           <p:cNvPr id="29" name="Google Shape;29;p7"/>
-          <p:cNvSpPr txBox="1"/>
+          <p:cNvSpPr txBox="1">
+            <a:spLocks noGrp="1"/>
+          </p:cNvSpPr>
           <p:nvPr>
             <p:ph type="title"/>
           </p:nvPr>
@@ -3940,7 +4069,7 @@
           </a:prstGeom>
         </p:spPr>
         <p:txBody>
-          <a:bodyPr anchorCtr="0" anchor="b" bIns="91425" lIns="91425" spcFirstLastPara="1" rIns="91425" wrap="square" tIns="91425">
+          <a:bodyPr spcFirstLastPara="1" wrap="square" lIns="91425" tIns="91425" rIns="91425" bIns="91425" anchor="b" anchorCtr="0">
             <a:normAutofit/>
           </a:bodyPr>
           <a:lstStyle>
@@ -4044,15 +4173,19 @@
               <a:defRPr sz="2400"/>
             </a:lvl9pPr>
           </a:lstStyle>
-          <a:p/>
+          <a:p>
+            <a:endParaRPr/>
+          </a:p>
         </p:txBody>
       </p:sp>
       <p:sp>
         <p:nvSpPr>
           <p:cNvPr id="30" name="Google Shape;30;p7"/>
-          <p:cNvSpPr txBox="1"/>
+          <p:cNvSpPr txBox="1">
+            <a:spLocks noGrp="1"/>
+          </p:cNvSpPr>
           <p:nvPr>
-            <p:ph idx="1" type="body"/>
+            <p:ph type="body" idx="1"/>
           </p:nvPr>
         </p:nvSpPr>
         <p:spPr>
@@ -4065,11 +4198,11 @@
           </a:prstGeom>
         </p:spPr>
         <p:txBody>
-          <a:bodyPr anchorCtr="0" anchor="t" bIns="91425" lIns="91425" spcFirstLastPara="1" rIns="91425" wrap="square" tIns="91425">
+          <a:bodyPr spcFirstLastPara="1" wrap="square" lIns="91425" tIns="91425" rIns="91425" bIns="91425" anchor="t" anchorCtr="0">
             <a:normAutofit/>
           </a:bodyPr>
           <a:lstStyle>
-            <a:lvl1pPr indent="-304800" lvl="0" marL="457200">
+            <a:lvl1pPr marL="457200" lvl="0" indent="-304800">
               <a:spcBef>
                 <a:spcPts val="0"/>
               </a:spcBef>
@@ -4080,7 +4213,7 @@
               <a:buChar char="●"/>
               <a:defRPr sz="1200"/>
             </a:lvl1pPr>
-            <a:lvl2pPr indent="-304800" lvl="1" marL="914400">
+            <a:lvl2pPr marL="914400" lvl="1" indent="-304800">
               <a:spcBef>
                 <a:spcPts val="0"/>
               </a:spcBef>
@@ -4091,7 +4224,7 @@
               <a:buChar char="○"/>
               <a:defRPr sz="1200"/>
             </a:lvl2pPr>
-            <a:lvl3pPr indent="-304800" lvl="2" marL="1371600">
+            <a:lvl3pPr marL="1371600" lvl="2" indent="-304800">
               <a:spcBef>
                 <a:spcPts val="0"/>
               </a:spcBef>
@@ -4102,7 +4235,7 @@
               <a:buChar char="■"/>
               <a:defRPr sz="1200"/>
             </a:lvl3pPr>
-            <a:lvl4pPr indent="-304800" lvl="3" marL="1828800">
+            <a:lvl4pPr marL="1828800" lvl="3" indent="-304800">
               <a:spcBef>
                 <a:spcPts val="0"/>
               </a:spcBef>
@@ -4113,7 +4246,7 @@
               <a:buChar char="●"/>
               <a:defRPr sz="1200"/>
             </a:lvl4pPr>
-            <a:lvl5pPr indent="-304800" lvl="4" marL="2286000">
+            <a:lvl5pPr marL="2286000" lvl="4" indent="-304800">
               <a:spcBef>
                 <a:spcPts val="0"/>
               </a:spcBef>
@@ -4124,7 +4257,7 @@
               <a:buChar char="○"/>
               <a:defRPr sz="1200"/>
             </a:lvl5pPr>
-            <a:lvl6pPr indent="-304800" lvl="5" marL="2743200">
+            <a:lvl6pPr marL="2743200" lvl="5" indent="-304800">
               <a:spcBef>
                 <a:spcPts val="0"/>
               </a:spcBef>
@@ -4135,7 +4268,7 @@
               <a:buChar char="■"/>
               <a:defRPr sz="1200"/>
             </a:lvl6pPr>
-            <a:lvl7pPr indent="-304800" lvl="6" marL="3200400">
+            <a:lvl7pPr marL="3200400" lvl="6" indent="-304800">
               <a:spcBef>
                 <a:spcPts val="0"/>
               </a:spcBef>
@@ -4146,7 +4279,7 @@
               <a:buChar char="●"/>
               <a:defRPr sz="1200"/>
             </a:lvl7pPr>
-            <a:lvl8pPr indent="-304800" lvl="7" marL="3657600">
+            <a:lvl8pPr marL="3657600" lvl="7" indent="-304800">
               <a:spcBef>
                 <a:spcPts val="0"/>
               </a:spcBef>
@@ -4157,7 +4290,7 @@
               <a:buChar char="○"/>
               <a:defRPr sz="1200"/>
             </a:lvl8pPr>
-            <a:lvl9pPr indent="-304800" lvl="8" marL="4114800">
+            <a:lvl9pPr marL="4114800" lvl="8" indent="-304800">
               <a:spcBef>
                 <a:spcPts val="0"/>
               </a:spcBef>
@@ -4169,15 +4302,19 @@
               <a:defRPr sz="1200"/>
             </a:lvl9pPr>
           </a:lstStyle>
-          <a:p/>
+          <a:p>
+            <a:endParaRPr/>
+          </a:p>
         </p:txBody>
       </p:sp>
       <p:sp>
         <p:nvSpPr>
           <p:cNvPr id="31" name="Google Shape;31;p7"/>
-          <p:cNvSpPr txBox="1"/>
+          <p:cNvSpPr txBox="1">
+            <a:spLocks noGrp="1"/>
+          </p:cNvSpPr>
           <p:nvPr>
-            <p:ph idx="12" type="sldNum"/>
+            <p:ph type="sldNum" idx="12"/>
           </p:nvPr>
         </p:nvSpPr>
         <p:spPr>
@@ -4190,7 +4327,7 @@
           </a:prstGeom>
         </p:spPr>
         <p:txBody>
-          <a:bodyPr anchorCtr="0" anchor="ctr" bIns="91425" lIns="91425" spcFirstLastPara="1" rIns="91425" wrap="square" tIns="91425">
+          <a:bodyPr spcFirstLastPara="1" wrap="square" lIns="91425" tIns="91425" rIns="91425" bIns="91425" anchor="ctr" anchorCtr="0">
             <a:normAutofit/>
           </a:bodyPr>
           <a:lstStyle>
@@ -4232,7 +4369,7 @@
             </a:lvl9pPr>
           </a:lstStyle>
           <a:p>
-            <a:pPr indent="0" lvl="0" marL="0" rtl="0" algn="r">
+            <a:pPr marL="0" lvl="0" indent="0" algn="r" rtl="0">
               <a:spcBef>
                 <a:spcPts val="0"/>
               </a:spcBef>
@@ -4258,11 +4395,11 @@
 </file>
 
 <file path=ppt/slideLayouts/slideLayout7.xml><?xml version="1.0" encoding="utf-8"?>
-<p:sldLayout xmlns:a="http://schemas.openxmlformats.org/drawingml/2006/main" xmlns:r="http://schemas.openxmlformats.org/officeDocument/2006/relationships" xmlns:mc="http://schemas.openxmlformats.org/markup-compatibility/2006" xmlns:mv="urn:schemas-microsoft-com:mac:vml" xmlns:p="http://schemas.openxmlformats.org/presentationml/2006/main" xmlns:c="http://schemas.openxmlformats.org/drawingml/2006/chart" xmlns:dgm="http://schemas.openxmlformats.org/drawingml/2006/diagram" xmlns:o="urn:schemas-microsoft-com:office:office" xmlns:v="urn:schemas-microsoft-com:vml" xmlns:pvml="urn:schemas-microsoft-com:office:powerpoint" xmlns:com="http://schemas.openxmlformats.org/drawingml/2006/compatibility" xmlns:p14="http://schemas.microsoft.com/office/powerpoint/2010/main" xmlns:p15="http://schemas.microsoft.com/office/powerpoint/2012/main" xmlns:ahyp="http://schemas.microsoft.com/office/drawing/2018/hyperlinkcolor" matchingName="Main point">
+<p:sldLayout xmlns:a="http://schemas.openxmlformats.org/drawingml/2006/main" xmlns:r="http://schemas.openxmlformats.org/officeDocument/2006/relationships" xmlns:p="http://schemas.openxmlformats.org/presentationml/2006/main" matchingName="Main point">
   <p:cSld name="MAIN_POINT">
     <p:spTree>
       <p:nvGrpSpPr>
-        <p:cNvPr id="32" name="Shape 32"/>
+        <p:cNvPr id="1" name="Shape 32"/>
         <p:cNvGrpSpPr/>
         <p:nvPr/>
       </p:nvGrpSpPr>
@@ -4277,7 +4414,9 @@
       <p:sp>
         <p:nvSpPr>
           <p:cNvPr id="33" name="Google Shape;33;p8"/>
-          <p:cNvSpPr txBox="1"/>
+          <p:cNvSpPr txBox="1">
+            <a:spLocks noGrp="1"/>
+          </p:cNvSpPr>
           <p:nvPr>
             <p:ph type="title"/>
           </p:nvPr>
@@ -4292,7 +4431,7 @@
           </a:prstGeom>
         </p:spPr>
         <p:txBody>
-          <a:bodyPr anchorCtr="0" anchor="ctr" bIns="91425" lIns="91425" spcFirstLastPara="1" rIns="91425" wrap="square" tIns="91425">
+          <a:bodyPr spcFirstLastPara="1" wrap="square" lIns="91425" tIns="91425" rIns="91425" bIns="91425" anchor="ctr" anchorCtr="0">
             <a:normAutofit/>
           </a:bodyPr>
           <a:lstStyle>
@@ -4396,15 +4535,19 @@
               <a:defRPr sz="4800"/>
             </a:lvl9pPr>
           </a:lstStyle>
-          <a:p/>
+          <a:p>
+            <a:endParaRPr/>
+          </a:p>
         </p:txBody>
       </p:sp>
       <p:sp>
         <p:nvSpPr>
           <p:cNvPr id="34" name="Google Shape;34;p8"/>
-          <p:cNvSpPr txBox="1"/>
+          <p:cNvSpPr txBox="1">
+            <a:spLocks noGrp="1"/>
+          </p:cNvSpPr>
           <p:nvPr>
-            <p:ph idx="12" type="sldNum"/>
+            <p:ph type="sldNum" idx="12"/>
           </p:nvPr>
         </p:nvSpPr>
         <p:spPr>
@@ -4417,7 +4560,7 @@
           </a:prstGeom>
         </p:spPr>
         <p:txBody>
-          <a:bodyPr anchorCtr="0" anchor="ctr" bIns="91425" lIns="91425" spcFirstLastPara="1" rIns="91425" wrap="square" tIns="91425">
+          <a:bodyPr spcFirstLastPara="1" wrap="square" lIns="91425" tIns="91425" rIns="91425" bIns="91425" anchor="ctr" anchorCtr="0">
             <a:normAutofit/>
           </a:bodyPr>
           <a:lstStyle>
@@ -4459,7 +4602,7 @@
             </a:lvl9pPr>
           </a:lstStyle>
           <a:p>
-            <a:pPr indent="0" lvl="0" marL="0" rtl="0" algn="r">
+            <a:pPr marL="0" lvl="0" indent="0" algn="r" rtl="0">
               <a:spcBef>
                 <a:spcPts val="0"/>
               </a:spcBef>
@@ -4485,11 +4628,11 @@
 </file>
 
 <file path=ppt/slideLayouts/slideLayout8.xml><?xml version="1.0" encoding="utf-8"?>
-<p:sldLayout xmlns:a="http://schemas.openxmlformats.org/drawingml/2006/main" xmlns:r="http://schemas.openxmlformats.org/officeDocument/2006/relationships" xmlns:mc="http://schemas.openxmlformats.org/markup-compatibility/2006" xmlns:mv="urn:schemas-microsoft-com:mac:vml" xmlns:p="http://schemas.openxmlformats.org/presentationml/2006/main" xmlns:c="http://schemas.openxmlformats.org/drawingml/2006/chart" xmlns:dgm="http://schemas.openxmlformats.org/drawingml/2006/diagram" xmlns:o="urn:schemas-microsoft-com:office:office" xmlns:v="urn:schemas-microsoft-com:vml" xmlns:pvml="urn:schemas-microsoft-com:office:powerpoint" xmlns:com="http://schemas.openxmlformats.org/drawingml/2006/compatibility" xmlns:p14="http://schemas.microsoft.com/office/powerpoint/2010/main" xmlns:p15="http://schemas.microsoft.com/office/powerpoint/2012/main" xmlns:ahyp="http://schemas.microsoft.com/office/drawing/2018/hyperlinkcolor" matchingName="Section title and description">
+<p:sldLayout xmlns:a="http://schemas.openxmlformats.org/drawingml/2006/main" xmlns:r="http://schemas.openxmlformats.org/officeDocument/2006/relationships" xmlns:p="http://schemas.openxmlformats.org/presentationml/2006/main" matchingName="Section title and description">
   <p:cSld name="SECTION_TITLE_AND_DESCRIPTION">
     <p:spTree>
       <p:nvGrpSpPr>
-        <p:cNvPr id="35" name="Shape 35"/>
+        <p:cNvPr id="1" name="Shape 35"/>
         <p:cNvGrpSpPr/>
         <p:nvPr/>
       </p:nvGrpSpPr>
@@ -4523,23 +4666,20 @@
           </a:ln>
         </p:spPr>
         <p:txBody>
-          <a:bodyPr anchorCtr="0" anchor="ctr" bIns="91425" lIns="91425" spcFirstLastPara="1" rIns="91425" wrap="square" tIns="91425">
+          <a:bodyPr spcFirstLastPara="1" wrap="square" lIns="91425" tIns="91425" rIns="91425" bIns="91425" anchor="ctr" anchorCtr="0">
             <a:noAutofit/>
           </a:bodyPr>
           <a:lstStyle/>
           <a:p>
-            <a:pPr indent="0" lvl="0" marL="0" rtl="0" algn="l">
-              <a:spcBef>
-                <a:spcPts val="0"/>
-              </a:spcBef>
-              <a:spcAft>
-                <a:spcPts val="0"/>
-              </a:spcAft>
-              <a:buNone/>
-            </a:pPr>
-            <a:r>
-              <a:t/>
-            </a:r>
+            <a:pPr marL="0" lvl="0" indent="0" algn="l" rtl="0">
+              <a:spcBef>
+                <a:spcPts val="0"/>
+              </a:spcBef>
+              <a:spcAft>
+                <a:spcPts val="0"/>
+              </a:spcAft>
+              <a:buNone/>
+            </a:pPr>
             <a:endParaRPr/>
           </a:p>
         </p:txBody>
@@ -4547,7 +4687,9 @@
       <p:sp>
         <p:nvSpPr>
           <p:cNvPr id="37" name="Google Shape;37;p9"/>
-          <p:cNvSpPr txBox="1"/>
+          <p:cNvSpPr txBox="1">
+            <a:spLocks noGrp="1"/>
+          </p:cNvSpPr>
           <p:nvPr>
             <p:ph type="title"/>
           </p:nvPr>
@@ -4562,7 +4704,7 @@
           </a:prstGeom>
         </p:spPr>
         <p:txBody>
-          <a:bodyPr anchorCtr="0" anchor="b" bIns="91425" lIns="91425" spcFirstLastPara="1" rIns="91425" wrap="square" tIns="91425">
+          <a:bodyPr spcFirstLastPara="1" wrap="square" lIns="91425" tIns="91425" rIns="91425" bIns="91425" anchor="b" anchorCtr="0">
             <a:normAutofit/>
           </a:bodyPr>
           <a:lstStyle>
@@ -4666,15 +4808,19 @@
               <a:defRPr sz="4200"/>
             </a:lvl9pPr>
           </a:lstStyle>
-          <a:p/>
+          <a:p>
+            <a:endParaRPr/>
+          </a:p>
         </p:txBody>
       </p:sp>
       <p:sp>
         <p:nvSpPr>
           <p:cNvPr id="38" name="Google Shape;38;p9"/>
-          <p:cNvSpPr txBox="1"/>
+          <p:cNvSpPr txBox="1">
+            <a:spLocks noGrp="1"/>
+          </p:cNvSpPr>
           <p:nvPr>
-            <p:ph idx="1" type="subTitle"/>
+            <p:ph type="subTitle" idx="1"/>
           </p:nvPr>
         </p:nvSpPr>
         <p:spPr>
@@ -4687,7 +4833,7 @@
           </a:prstGeom>
         </p:spPr>
         <p:txBody>
-          <a:bodyPr anchorCtr="0" anchor="t" bIns="91425" lIns="91425" spcFirstLastPara="1" rIns="91425" wrap="square" tIns="91425">
+          <a:bodyPr spcFirstLastPara="1" wrap="square" lIns="91425" tIns="91425" rIns="91425" bIns="91425" anchor="t" anchorCtr="0">
             <a:normAutofit/>
           </a:bodyPr>
           <a:lstStyle>
@@ -4818,15 +4964,19 @@
               <a:defRPr sz="2100"/>
             </a:lvl9pPr>
           </a:lstStyle>
-          <a:p/>
+          <a:p>
+            <a:endParaRPr/>
+          </a:p>
         </p:txBody>
       </p:sp>
       <p:sp>
         <p:nvSpPr>
           <p:cNvPr id="39" name="Google Shape;39;p9"/>
-          <p:cNvSpPr txBox="1"/>
+          <p:cNvSpPr txBox="1">
+            <a:spLocks noGrp="1"/>
+          </p:cNvSpPr>
           <p:nvPr>
-            <p:ph idx="2" type="body"/>
+            <p:ph type="body" idx="2"/>
           </p:nvPr>
         </p:nvSpPr>
         <p:spPr>
@@ -4839,11 +4989,11 @@
           </a:prstGeom>
         </p:spPr>
         <p:txBody>
-          <a:bodyPr anchorCtr="0" anchor="ctr" bIns="91425" lIns="91425" spcFirstLastPara="1" rIns="91425" wrap="square" tIns="91425">
+          <a:bodyPr spcFirstLastPara="1" wrap="square" lIns="91425" tIns="91425" rIns="91425" bIns="91425" anchor="ctr" anchorCtr="0">
             <a:normAutofit/>
           </a:bodyPr>
           <a:lstStyle>
-            <a:lvl1pPr indent="-342900" lvl="0" marL="457200">
+            <a:lvl1pPr marL="457200" lvl="0" indent="-342900">
               <a:spcBef>
                 <a:spcPts val="0"/>
               </a:spcBef>
@@ -4854,7 +5004,7 @@
               <a:buChar char="●"/>
               <a:defRPr/>
             </a:lvl1pPr>
-            <a:lvl2pPr indent="-317500" lvl="1" marL="914400">
+            <a:lvl2pPr marL="914400" lvl="1" indent="-317500">
               <a:spcBef>
                 <a:spcPts val="0"/>
               </a:spcBef>
@@ -4865,7 +5015,7 @@
               <a:buChar char="○"/>
               <a:defRPr/>
             </a:lvl2pPr>
-            <a:lvl3pPr indent="-317500" lvl="2" marL="1371600">
+            <a:lvl3pPr marL="1371600" lvl="2" indent="-317500">
               <a:spcBef>
                 <a:spcPts val="0"/>
               </a:spcBef>
@@ -4876,7 +5026,7 @@
               <a:buChar char="■"/>
               <a:defRPr/>
             </a:lvl3pPr>
-            <a:lvl4pPr indent="-317500" lvl="3" marL="1828800">
+            <a:lvl4pPr marL="1828800" lvl="3" indent="-317500">
               <a:spcBef>
                 <a:spcPts val="0"/>
               </a:spcBef>
@@ -4887,7 +5037,7 @@
               <a:buChar char="●"/>
               <a:defRPr/>
             </a:lvl4pPr>
-            <a:lvl5pPr indent="-317500" lvl="4" marL="2286000">
+            <a:lvl5pPr marL="2286000" lvl="4" indent="-317500">
               <a:spcBef>
                 <a:spcPts val="0"/>
               </a:spcBef>
@@ -4898,7 +5048,7 @@
               <a:buChar char="○"/>
               <a:defRPr/>
             </a:lvl5pPr>
-            <a:lvl6pPr indent="-317500" lvl="5" marL="2743200">
+            <a:lvl6pPr marL="2743200" lvl="5" indent="-317500">
               <a:spcBef>
                 <a:spcPts val="0"/>
               </a:spcBef>
@@ -4909,7 +5059,7 @@
               <a:buChar char="■"/>
               <a:defRPr/>
             </a:lvl6pPr>
-            <a:lvl7pPr indent="-317500" lvl="6" marL="3200400">
+            <a:lvl7pPr marL="3200400" lvl="6" indent="-317500">
               <a:spcBef>
                 <a:spcPts val="0"/>
               </a:spcBef>
@@ -4920,7 +5070,7 @@
               <a:buChar char="●"/>
               <a:defRPr/>
             </a:lvl7pPr>
-            <a:lvl8pPr indent="-317500" lvl="7" marL="3657600">
+            <a:lvl8pPr marL="3657600" lvl="7" indent="-317500">
               <a:spcBef>
                 <a:spcPts val="0"/>
               </a:spcBef>
@@ -4931,7 +5081,7 @@
               <a:buChar char="○"/>
               <a:defRPr/>
             </a:lvl8pPr>
-            <a:lvl9pPr indent="-317500" lvl="8" marL="4114800">
+            <a:lvl9pPr marL="4114800" lvl="8" indent="-317500">
               <a:spcBef>
                 <a:spcPts val="0"/>
               </a:spcBef>
@@ -4943,15 +5093,19 @@
               <a:defRPr/>
             </a:lvl9pPr>
           </a:lstStyle>
-          <a:p/>
+          <a:p>
+            <a:endParaRPr/>
+          </a:p>
         </p:txBody>
       </p:sp>
       <p:sp>
         <p:nvSpPr>
           <p:cNvPr id="40" name="Google Shape;40;p9"/>
-          <p:cNvSpPr txBox="1"/>
+          <p:cNvSpPr txBox="1">
+            <a:spLocks noGrp="1"/>
+          </p:cNvSpPr>
           <p:nvPr>
-            <p:ph idx="12" type="sldNum"/>
+            <p:ph type="sldNum" idx="12"/>
           </p:nvPr>
         </p:nvSpPr>
         <p:spPr>
@@ -4964,7 +5118,7 @@
           </a:prstGeom>
         </p:spPr>
         <p:txBody>
-          <a:bodyPr anchorCtr="0" anchor="ctr" bIns="91425" lIns="91425" spcFirstLastPara="1" rIns="91425" wrap="square" tIns="91425">
+          <a:bodyPr spcFirstLastPara="1" wrap="square" lIns="91425" tIns="91425" rIns="91425" bIns="91425" anchor="ctr" anchorCtr="0">
             <a:normAutofit/>
           </a:bodyPr>
           <a:lstStyle>
@@ -5006,7 +5160,7 @@
             </a:lvl9pPr>
           </a:lstStyle>
           <a:p>
-            <a:pPr indent="0" lvl="0" marL="0" rtl="0" algn="r">
+            <a:pPr marL="0" lvl="0" indent="0" algn="r" rtl="0">
               <a:spcBef>
                 <a:spcPts val="0"/>
               </a:spcBef>
@@ -5032,11 +5186,11 @@
 </file>
 
 <file path=ppt/slideLayouts/slideLayout9.xml><?xml version="1.0" encoding="utf-8"?>
-<p:sldLayout xmlns:a="http://schemas.openxmlformats.org/drawingml/2006/main" xmlns:r="http://schemas.openxmlformats.org/officeDocument/2006/relationships" xmlns:mc="http://schemas.openxmlformats.org/markup-compatibility/2006" xmlns:mv="urn:schemas-microsoft-com:mac:vml" xmlns:p="http://schemas.openxmlformats.org/presentationml/2006/main" xmlns:c="http://schemas.openxmlformats.org/drawingml/2006/chart" xmlns:dgm="http://schemas.openxmlformats.org/drawingml/2006/diagram" xmlns:o="urn:schemas-microsoft-com:office:office" xmlns:v="urn:schemas-microsoft-com:vml" xmlns:pvml="urn:schemas-microsoft-com:office:powerpoint" xmlns:com="http://schemas.openxmlformats.org/drawingml/2006/compatibility" xmlns:p14="http://schemas.microsoft.com/office/powerpoint/2010/main" xmlns:p15="http://schemas.microsoft.com/office/powerpoint/2012/main" xmlns:ahyp="http://schemas.microsoft.com/office/drawing/2018/hyperlinkcolor" matchingName="Caption">
+<p:sldLayout xmlns:a="http://schemas.openxmlformats.org/drawingml/2006/main" xmlns:r="http://schemas.openxmlformats.org/officeDocument/2006/relationships" xmlns:p="http://schemas.openxmlformats.org/presentationml/2006/main" matchingName="Caption">
   <p:cSld name="CAPTION_ONLY">
     <p:spTree>
       <p:nvGrpSpPr>
-        <p:cNvPr id="41" name="Shape 41"/>
+        <p:cNvPr id="1" name="Shape 41"/>
         <p:cNvGrpSpPr/>
         <p:nvPr/>
       </p:nvGrpSpPr>
@@ -5051,9 +5205,11 @@
       <p:sp>
         <p:nvSpPr>
           <p:cNvPr id="42" name="Google Shape;42;p10"/>
-          <p:cNvSpPr txBox="1"/>
+          <p:cNvSpPr txBox="1">
+            <a:spLocks noGrp="1"/>
+          </p:cNvSpPr>
           <p:nvPr>
-            <p:ph idx="1" type="body"/>
+            <p:ph type="body" idx="1"/>
           </p:nvPr>
         </p:nvSpPr>
         <p:spPr>
@@ -5066,11 +5222,11 @@
           </a:prstGeom>
         </p:spPr>
         <p:txBody>
-          <a:bodyPr anchorCtr="0" anchor="ctr" bIns="91425" lIns="91425" spcFirstLastPara="1" rIns="91425" wrap="square" tIns="91425">
+          <a:bodyPr spcFirstLastPara="1" wrap="square" lIns="91425" tIns="91425" rIns="91425" bIns="91425" anchor="ctr" anchorCtr="0">
             <a:normAutofit/>
           </a:bodyPr>
           <a:lstStyle>
-            <a:lvl1pPr indent="-228600" lvl="0" marL="457200">
+            <a:lvl1pPr marL="457200" lvl="0" indent="-228600">
               <a:lnSpc>
                 <a:spcPct val="100000"/>
               </a:lnSpc>
@@ -5085,15 +5241,19 @@
               <a:defRPr/>
             </a:lvl1pPr>
           </a:lstStyle>
-          <a:p/>
+          <a:p>
+            <a:endParaRPr/>
+          </a:p>
         </p:txBody>
       </p:sp>
       <p:sp>
         <p:nvSpPr>
           <p:cNvPr id="43" name="Google Shape;43;p10"/>
-          <p:cNvSpPr txBox="1"/>
+          <p:cNvSpPr txBox="1">
+            <a:spLocks noGrp="1"/>
+          </p:cNvSpPr>
           <p:nvPr>
-            <p:ph idx="12" type="sldNum"/>
+            <p:ph type="sldNum" idx="12"/>
           </p:nvPr>
         </p:nvSpPr>
         <p:spPr>
@@ -5106,7 +5266,7 @@
           </a:prstGeom>
         </p:spPr>
         <p:txBody>
-          <a:bodyPr anchorCtr="0" anchor="ctr" bIns="91425" lIns="91425" spcFirstLastPara="1" rIns="91425" wrap="square" tIns="91425">
+          <a:bodyPr spcFirstLastPara="1" wrap="square" lIns="91425" tIns="91425" rIns="91425" bIns="91425" anchor="ctr" anchorCtr="0">
             <a:normAutofit/>
           </a:bodyPr>
           <a:lstStyle>
@@ -5148,7 +5308,7 @@
             </a:lvl9pPr>
           </a:lstStyle>
           <a:p>
-            <a:pPr indent="0" lvl="0" marL="0" rtl="0" algn="r">
+            <a:pPr marL="0" lvl="0" indent="0" algn="r" rtl="0">
               <a:spcBef>
                 <a:spcPts val="0"/>
               </a:spcBef>
@@ -5174,18 +5334,19 @@
 </file>
 
 <file path=ppt/slideMasters/slideMaster1.xml><?xml version="1.0" encoding="utf-8"?>
-<p:sldMaster xmlns:a="http://schemas.openxmlformats.org/drawingml/2006/main" xmlns:r="http://schemas.openxmlformats.org/officeDocument/2006/relationships" xmlns:mc="http://schemas.openxmlformats.org/markup-compatibility/2006" xmlns:mv="urn:schemas-microsoft-com:mac:vml" xmlns:p="http://schemas.openxmlformats.org/presentationml/2006/main" xmlns:c="http://schemas.openxmlformats.org/drawingml/2006/chart" xmlns:dgm="http://schemas.openxmlformats.org/drawingml/2006/diagram" xmlns:o="urn:schemas-microsoft-com:office:office" xmlns:v="urn:schemas-microsoft-com:vml" xmlns:pvml="urn:schemas-microsoft-com:office:powerpoint" xmlns:com="http://schemas.openxmlformats.org/drawingml/2006/compatibility" xmlns:p14="http://schemas.microsoft.com/office/powerpoint/2010/main" xmlns:p15="http://schemas.microsoft.com/office/powerpoint/2012/main" xmlns:ahyp="http://schemas.microsoft.com/office/drawing/2018/hyperlinkcolor">
+<p:sldMaster xmlns:a="http://schemas.openxmlformats.org/drawingml/2006/main" xmlns:r="http://schemas.openxmlformats.org/officeDocument/2006/relationships" xmlns:p="http://schemas.openxmlformats.org/presentationml/2006/main">
   <p:cSld name="simple-light-2">
     <p:bg>
       <p:bgPr>
         <a:solidFill>
           <a:srgbClr val="93C47D"/>
         </a:solidFill>
+        <a:effectLst/>
       </p:bgPr>
     </p:bg>
     <p:spTree>
       <p:nvGrpSpPr>
-        <p:cNvPr id="5" name="Shape 5"/>
+        <p:cNvPr id="1" name="Shape 5"/>
         <p:cNvGrpSpPr/>
         <p:nvPr/>
       </p:nvGrpSpPr>
@@ -5200,7 +5361,9 @@
       <p:sp>
         <p:nvSpPr>
           <p:cNvPr id="6" name="Google Shape;6;p1"/>
-          <p:cNvSpPr txBox="1"/>
+          <p:cNvSpPr txBox="1">
+            <a:spLocks noGrp="1"/>
+          </p:cNvSpPr>
           <p:nvPr>
             <p:ph type="title"/>
           </p:nvPr>
@@ -5219,7 +5382,7 @@
           </a:ln>
         </p:spPr>
         <p:txBody>
-          <a:bodyPr anchorCtr="0" anchor="t" bIns="91425" lIns="91425" spcFirstLastPara="1" rIns="91425" wrap="square" tIns="91425">
+          <a:bodyPr spcFirstLastPara="1" wrap="square" lIns="91425" tIns="91425" rIns="91425" bIns="91425" anchor="t" anchorCtr="0">
             <a:normAutofit/>
           </a:bodyPr>
           <a:lstStyle>
@@ -5386,15 +5549,19 @@
               </a:defRPr>
             </a:lvl9pPr>
           </a:lstStyle>
-          <a:p/>
+          <a:p>
+            <a:endParaRPr/>
+          </a:p>
         </p:txBody>
       </p:sp>
       <p:sp>
         <p:nvSpPr>
           <p:cNvPr id="7" name="Google Shape;7;p1"/>
-          <p:cNvSpPr txBox="1"/>
+          <p:cNvSpPr txBox="1">
+            <a:spLocks noGrp="1"/>
+          </p:cNvSpPr>
           <p:nvPr>
-            <p:ph idx="1" type="body"/>
+            <p:ph type="body" idx="1"/>
           </p:nvPr>
         </p:nvSpPr>
         <p:spPr>
@@ -5411,11 +5578,11 @@
           </a:ln>
         </p:spPr>
         <p:txBody>
-          <a:bodyPr anchorCtr="0" anchor="t" bIns="91425" lIns="91425" spcFirstLastPara="1" rIns="91425" wrap="square" tIns="91425">
+          <a:bodyPr spcFirstLastPara="1" wrap="square" lIns="91425" tIns="91425" rIns="91425" bIns="91425" anchor="t" anchorCtr="0">
             <a:normAutofit/>
           </a:bodyPr>
           <a:lstStyle>
-            <a:lvl1pPr indent="-342900" lvl="0" marL="457200">
+            <a:lvl1pPr marL="457200" lvl="0" indent="-342900">
               <a:lnSpc>
                 <a:spcPct val="115000"/>
               </a:lnSpc>
@@ -5436,7 +5603,7 @@
                 </a:solidFill>
               </a:defRPr>
             </a:lvl1pPr>
-            <a:lvl2pPr indent="-317500" lvl="1" marL="914400">
+            <a:lvl2pPr marL="914400" lvl="1" indent="-317500">
               <a:lnSpc>
                 <a:spcPct val="115000"/>
               </a:lnSpc>
@@ -5457,7 +5624,7 @@
                 </a:solidFill>
               </a:defRPr>
             </a:lvl2pPr>
-            <a:lvl3pPr indent="-317500" lvl="2" marL="1371600">
+            <a:lvl3pPr marL="1371600" lvl="2" indent="-317500">
               <a:lnSpc>
                 <a:spcPct val="115000"/>
               </a:lnSpc>
@@ -5478,7 +5645,7 @@
                 </a:solidFill>
               </a:defRPr>
             </a:lvl3pPr>
-            <a:lvl4pPr indent="-317500" lvl="3" marL="1828800">
+            <a:lvl4pPr marL="1828800" lvl="3" indent="-317500">
               <a:lnSpc>
                 <a:spcPct val="115000"/>
               </a:lnSpc>
@@ -5499,7 +5666,7 @@
                 </a:solidFill>
               </a:defRPr>
             </a:lvl4pPr>
-            <a:lvl5pPr indent="-317500" lvl="4" marL="2286000">
+            <a:lvl5pPr marL="2286000" lvl="4" indent="-317500">
               <a:lnSpc>
                 <a:spcPct val="115000"/>
               </a:lnSpc>
@@ -5520,7 +5687,7 @@
                 </a:solidFill>
               </a:defRPr>
             </a:lvl5pPr>
-            <a:lvl6pPr indent="-317500" lvl="5" marL="2743200">
+            <a:lvl6pPr marL="2743200" lvl="5" indent="-317500">
               <a:lnSpc>
                 <a:spcPct val="115000"/>
               </a:lnSpc>
@@ -5541,7 +5708,7 @@
                 </a:solidFill>
               </a:defRPr>
             </a:lvl6pPr>
-            <a:lvl7pPr indent="-317500" lvl="6" marL="3200400">
+            <a:lvl7pPr marL="3200400" lvl="6" indent="-317500">
               <a:lnSpc>
                 <a:spcPct val="115000"/>
               </a:lnSpc>
@@ -5562,7 +5729,7 @@
                 </a:solidFill>
               </a:defRPr>
             </a:lvl7pPr>
-            <a:lvl8pPr indent="-317500" lvl="7" marL="3657600">
+            <a:lvl8pPr marL="3657600" lvl="7" indent="-317500">
               <a:lnSpc>
                 <a:spcPct val="115000"/>
               </a:lnSpc>
@@ -5583,7 +5750,7 @@
                 </a:solidFill>
               </a:defRPr>
             </a:lvl8pPr>
-            <a:lvl9pPr indent="-317500" lvl="8" marL="4114800">
+            <a:lvl9pPr marL="4114800" lvl="8" indent="-317500">
               <a:lnSpc>
                 <a:spcPct val="115000"/>
               </a:lnSpc>
@@ -5605,15 +5772,19 @@
               </a:defRPr>
             </a:lvl9pPr>
           </a:lstStyle>
-          <a:p/>
+          <a:p>
+            <a:endParaRPr/>
+          </a:p>
         </p:txBody>
       </p:sp>
       <p:sp>
         <p:nvSpPr>
           <p:cNvPr id="8" name="Google Shape;8;p1"/>
-          <p:cNvSpPr txBox="1"/>
+          <p:cNvSpPr txBox="1">
+            <a:spLocks noGrp="1"/>
+          </p:cNvSpPr>
           <p:nvPr>
-            <p:ph idx="12" type="sldNum"/>
+            <p:ph type="sldNum" idx="12"/>
           </p:nvPr>
         </p:nvSpPr>
         <p:spPr>
@@ -5630,7 +5801,7 @@
           </a:ln>
         </p:spPr>
         <p:txBody>
-          <a:bodyPr anchorCtr="0" anchor="ctr" bIns="91425" lIns="91425" spcFirstLastPara="1" rIns="91425" wrap="square" tIns="91425">
+          <a:bodyPr spcFirstLastPara="1" wrap="square" lIns="91425" tIns="91425" rIns="91425" bIns="91425" anchor="ctr" anchorCtr="0">
             <a:normAutofit/>
           </a:bodyPr>
           <a:lstStyle>
@@ -5708,7 +5879,7 @@
             </a:lvl9pPr>
           </a:lstStyle>
           <a:p>
-            <a:pPr indent="0" lvl="0" marL="0" rtl="0" algn="r">
+            <a:pPr marL="0" lvl="0" indent="0" algn="r" rtl="0">
               <a:spcBef>
                 <a:spcPts val="0"/>
               </a:spcBef>
@@ -5727,7 +5898,7 @@
       </p:sp>
     </p:spTree>
   </p:cSld>
-  <p:clrMap accent1="accent1" accent2="accent2" accent3="accent3" accent4="accent4" accent5="accent5" accent6="accent6" bg1="lt1" bg2="dk2" tx1="dk1" tx2="lt2" folHlink="folHlink" hlink="hlink"/>
+  <p:clrMap bg1="lt1" tx1="dk1" bg2="dk2" tx2="lt2" accent1="accent1" accent2="accent2" accent3="accent3" accent4="accent4" accent5="accent5" accent6="accent6" hlink="hlink" folHlink="folHlink"/>
   <p:sldLayoutIdLst>
     <p:sldLayoutId id="2147483648" r:id="rId1"/>
     <p:sldLayoutId id="2147483649" r:id="rId2"/>
@@ -5741,10 +5912,10 @@
     <p:sldLayoutId id="2147483657" r:id="rId10"/>
     <p:sldLayoutId id="2147483658" r:id="rId11"/>
   </p:sldLayoutIdLst>
-  <p:hf dt="0" ftr="0" hdr="0" sldNum="0"/>
+  <p:hf sldNum="0" hdr="0" ftr="0" dt="0"/>
   <p:txStyles>
     <p:titleStyle>
-      <a:defPPr lvl="0" marR="0" rtl="0" algn="l">
+      <a:defPPr marR="0" lvl="0" algn="l" rtl="0">
         <a:lnSpc>
           <a:spcPct val="100000"/>
         </a:lnSpc>
@@ -5755,7 +5926,7 @@
           <a:spcPts val="0"/>
         </a:spcAft>
       </a:defPPr>
-      <a:lvl1pPr lvl="0" marR="0" rtl="0" algn="l">
+      <a:lvl1pPr marR="0" lvl="0" algn="l" rtl="0">
         <a:lnSpc>
           <a:spcPct val="100000"/>
         </a:lnSpc>
@@ -5769,7 +5940,7 @@
           <a:srgbClr val="000000"/>
         </a:buClr>
         <a:buFont typeface="Arial"/>
-        <a:defRPr b="0" i="0" sz="1400" u="none" cap="none" strike="noStrike">
+        <a:defRPr sz="1400" b="0" i="0" u="none" strike="noStrike" cap="none">
           <a:solidFill>
             <a:srgbClr val="000000"/>
           </a:solidFill>
@@ -5779,7 +5950,7 @@
           <a:sym typeface="Arial"/>
         </a:defRPr>
       </a:lvl1pPr>
-      <a:lvl2pPr lvl="1" marR="0" rtl="0" algn="l">
+      <a:lvl2pPr marR="0" lvl="1" algn="l" rtl="0">
         <a:lnSpc>
           <a:spcPct val="100000"/>
         </a:lnSpc>
@@ -5793,7 +5964,7 @@
           <a:srgbClr val="000000"/>
         </a:buClr>
         <a:buFont typeface="Arial"/>
-        <a:defRPr b="0" i="0" sz="1400" u="none" cap="none" strike="noStrike">
+        <a:defRPr sz="1400" b="0" i="0" u="none" strike="noStrike" cap="none">
           <a:solidFill>
             <a:srgbClr val="000000"/>
           </a:solidFill>
@@ -5803,7 +5974,7 @@
           <a:sym typeface="Arial"/>
         </a:defRPr>
       </a:lvl2pPr>
-      <a:lvl3pPr lvl="2" marR="0" rtl="0" algn="l">
+      <a:lvl3pPr marR="0" lvl="2" algn="l" rtl="0">
         <a:lnSpc>
           <a:spcPct val="100000"/>
         </a:lnSpc>
@@ -5817,7 +5988,7 @@
           <a:srgbClr val="000000"/>
         </a:buClr>
         <a:buFont typeface="Arial"/>
-        <a:defRPr b="0" i="0" sz="1400" u="none" cap="none" strike="noStrike">
+        <a:defRPr sz="1400" b="0" i="0" u="none" strike="noStrike" cap="none">
           <a:solidFill>
             <a:srgbClr val="000000"/>
           </a:solidFill>
@@ -5827,7 +5998,7 @@
           <a:sym typeface="Arial"/>
         </a:defRPr>
       </a:lvl3pPr>
-      <a:lvl4pPr lvl="3" marR="0" rtl="0" algn="l">
+      <a:lvl4pPr marR="0" lvl="3" algn="l" rtl="0">
         <a:lnSpc>
           <a:spcPct val="100000"/>
         </a:lnSpc>
@@ -5841,7 +6012,7 @@
           <a:srgbClr val="000000"/>
         </a:buClr>
         <a:buFont typeface="Arial"/>
-        <a:defRPr b="0" i="0" sz="1400" u="none" cap="none" strike="noStrike">
+        <a:defRPr sz="1400" b="0" i="0" u="none" strike="noStrike" cap="none">
           <a:solidFill>
             <a:srgbClr val="000000"/>
           </a:solidFill>
@@ -5851,7 +6022,7 @@
           <a:sym typeface="Arial"/>
         </a:defRPr>
       </a:lvl4pPr>
-      <a:lvl5pPr lvl="4" marR="0" rtl="0" algn="l">
+      <a:lvl5pPr marR="0" lvl="4" algn="l" rtl="0">
         <a:lnSpc>
           <a:spcPct val="100000"/>
         </a:lnSpc>
@@ -5865,7 +6036,7 @@
           <a:srgbClr val="000000"/>
         </a:buClr>
         <a:buFont typeface="Arial"/>
-        <a:defRPr b="0" i="0" sz="1400" u="none" cap="none" strike="noStrike">
+        <a:defRPr sz="1400" b="0" i="0" u="none" strike="noStrike" cap="none">
           <a:solidFill>
             <a:srgbClr val="000000"/>
           </a:solidFill>
@@ -5875,7 +6046,7 @@
           <a:sym typeface="Arial"/>
         </a:defRPr>
       </a:lvl5pPr>
-      <a:lvl6pPr lvl="5" marR="0" rtl="0" algn="l">
+      <a:lvl6pPr marR="0" lvl="5" algn="l" rtl="0">
         <a:lnSpc>
           <a:spcPct val="100000"/>
         </a:lnSpc>
@@ -5889,7 +6060,7 @@
           <a:srgbClr val="000000"/>
         </a:buClr>
         <a:buFont typeface="Arial"/>
-        <a:defRPr b="0" i="0" sz="1400" u="none" cap="none" strike="noStrike">
+        <a:defRPr sz="1400" b="0" i="0" u="none" strike="noStrike" cap="none">
           <a:solidFill>
             <a:srgbClr val="000000"/>
           </a:solidFill>
@@ -5899,7 +6070,7 @@
           <a:sym typeface="Arial"/>
         </a:defRPr>
       </a:lvl6pPr>
-      <a:lvl7pPr lvl="6" marR="0" rtl="0" algn="l">
+      <a:lvl7pPr marR="0" lvl="6" algn="l" rtl="0">
         <a:lnSpc>
           <a:spcPct val="100000"/>
         </a:lnSpc>
@@ -5913,7 +6084,7 @@
           <a:srgbClr val="000000"/>
         </a:buClr>
         <a:buFont typeface="Arial"/>
-        <a:defRPr b="0" i="0" sz="1400" u="none" cap="none" strike="noStrike">
+        <a:defRPr sz="1400" b="0" i="0" u="none" strike="noStrike" cap="none">
           <a:solidFill>
             <a:srgbClr val="000000"/>
           </a:solidFill>
@@ -5923,7 +6094,7 @@
           <a:sym typeface="Arial"/>
         </a:defRPr>
       </a:lvl7pPr>
-      <a:lvl8pPr lvl="7" marR="0" rtl="0" algn="l">
+      <a:lvl8pPr marR="0" lvl="7" algn="l" rtl="0">
         <a:lnSpc>
           <a:spcPct val="100000"/>
         </a:lnSpc>
@@ -5937,7 +6108,7 @@
           <a:srgbClr val="000000"/>
         </a:buClr>
         <a:buFont typeface="Arial"/>
-        <a:defRPr b="0" i="0" sz="1400" u="none" cap="none" strike="noStrike">
+        <a:defRPr sz="1400" b="0" i="0" u="none" strike="noStrike" cap="none">
           <a:solidFill>
             <a:srgbClr val="000000"/>
           </a:solidFill>
@@ -5947,7 +6118,7 @@
           <a:sym typeface="Arial"/>
         </a:defRPr>
       </a:lvl8pPr>
-      <a:lvl9pPr lvl="8" marR="0" rtl="0" algn="l">
+      <a:lvl9pPr marR="0" lvl="8" algn="l" rtl="0">
         <a:lnSpc>
           <a:spcPct val="100000"/>
         </a:lnSpc>
@@ -5961,7 +6132,7 @@
           <a:srgbClr val="000000"/>
         </a:buClr>
         <a:buFont typeface="Arial"/>
-        <a:defRPr b="0" i="0" sz="1400" u="none" cap="none" strike="noStrike">
+        <a:defRPr sz="1400" b="0" i="0" u="none" strike="noStrike" cap="none">
           <a:solidFill>
             <a:srgbClr val="000000"/>
           </a:solidFill>
@@ -5973,7 +6144,7 @@
       </a:lvl9pPr>
     </p:titleStyle>
     <p:bodyStyle>
-      <a:defPPr lvl="0" marR="0" rtl="0" algn="l">
+      <a:defPPr marR="0" lvl="0" algn="l" rtl="0">
         <a:lnSpc>
           <a:spcPct val="100000"/>
         </a:lnSpc>
@@ -5984,7 +6155,7 @@
           <a:spcPts val="0"/>
         </a:spcAft>
       </a:defPPr>
-      <a:lvl1pPr lvl="0" marR="0" rtl="0" algn="l">
+      <a:lvl1pPr marR="0" lvl="0" algn="l" rtl="0">
         <a:lnSpc>
           <a:spcPct val="100000"/>
         </a:lnSpc>
@@ -5998,7 +6169,7 @@
           <a:srgbClr val="000000"/>
         </a:buClr>
         <a:buFont typeface="Arial"/>
-        <a:defRPr b="0" i="0" sz="1400" u="none" cap="none" strike="noStrike">
+        <a:defRPr sz="1400" b="0" i="0" u="none" strike="noStrike" cap="none">
           <a:solidFill>
             <a:srgbClr val="000000"/>
           </a:solidFill>
@@ -6008,7 +6179,7 @@
           <a:sym typeface="Arial"/>
         </a:defRPr>
       </a:lvl1pPr>
-      <a:lvl2pPr lvl="1" marR="0" rtl="0" algn="l">
+      <a:lvl2pPr marR="0" lvl="1" algn="l" rtl="0">
         <a:lnSpc>
           <a:spcPct val="100000"/>
         </a:lnSpc>
@@ -6022,7 +6193,7 @@
           <a:srgbClr val="000000"/>
         </a:buClr>
         <a:buFont typeface="Arial"/>
-        <a:defRPr b="0" i="0" sz="1400" u="none" cap="none" strike="noStrike">
+        <a:defRPr sz="1400" b="0" i="0" u="none" strike="noStrike" cap="none">
           <a:solidFill>
             <a:srgbClr val="000000"/>
           </a:solidFill>
@@ -6032,7 +6203,7 @@
           <a:sym typeface="Arial"/>
         </a:defRPr>
       </a:lvl2pPr>
-      <a:lvl3pPr lvl="2" marR="0" rtl="0" algn="l">
+      <a:lvl3pPr marR="0" lvl="2" algn="l" rtl="0">
         <a:lnSpc>
           <a:spcPct val="100000"/>
         </a:lnSpc>
@@ -6046,7 +6217,7 @@
           <a:srgbClr val="000000"/>
         </a:buClr>
         <a:buFont typeface="Arial"/>
-        <a:defRPr b="0" i="0" sz="1400" u="none" cap="none" strike="noStrike">
+        <a:defRPr sz="1400" b="0" i="0" u="none" strike="noStrike" cap="none">
           <a:solidFill>
             <a:srgbClr val="000000"/>
           </a:solidFill>
@@ -6056,7 +6227,7 @@
           <a:sym typeface="Arial"/>
         </a:defRPr>
       </a:lvl3pPr>
-      <a:lvl4pPr lvl="3" marR="0" rtl="0" algn="l">
+      <a:lvl4pPr marR="0" lvl="3" algn="l" rtl="0">
         <a:lnSpc>
           <a:spcPct val="100000"/>
         </a:lnSpc>
@@ -6070,7 +6241,7 @@
           <a:srgbClr val="000000"/>
         </a:buClr>
         <a:buFont typeface="Arial"/>
-        <a:defRPr b="0" i="0" sz="1400" u="none" cap="none" strike="noStrike">
+        <a:defRPr sz="1400" b="0" i="0" u="none" strike="noStrike" cap="none">
           <a:solidFill>
             <a:srgbClr val="000000"/>
           </a:solidFill>
@@ -6080,7 +6251,7 @@
           <a:sym typeface="Arial"/>
         </a:defRPr>
       </a:lvl4pPr>
-      <a:lvl5pPr lvl="4" marR="0" rtl="0" algn="l">
+      <a:lvl5pPr marR="0" lvl="4" algn="l" rtl="0">
         <a:lnSpc>
           <a:spcPct val="100000"/>
         </a:lnSpc>
@@ -6094,7 +6265,7 @@
           <a:srgbClr val="000000"/>
         </a:buClr>
         <a:buFont typeface="Arial"/>
-        <a:defRPr b="0" i="0" sz="1400" u="none" cap="none" strike="noStrike">
+        <a:defRPr sz="1400" b="0" i="0" u="none" strike="noStrike" cap="none">
           <a:solidFill>
             <a:srgbClr val="000000"/>
           </a:solidFill>
@@ -6104,7 +6275,7 @@
           <a:sym typeface="Arial"/>
         </a:defRPr>
       </a:lvl5pPr>
-      <a:lvl6pPr lvl="5" marR="0" rtl="0" algn="l">
+      <a:lvl6pPr marR="0" lvl="5" algn="l" rtl="0">
         <a:lnSpc>
           <a:spcPct val="100000"/>
         </a:lnSpc>
@@ -6118,7 +6289,7 @@
           <a:srgbClr val="000000"/>
         </a:buClr>
         <a:buFont typeface="Arial"/>
-        <a:defRPr b="0" i="0" sz="1400" u="none" cap="none" strike="noStrike">
+        <a:defRPr sz="1400" b="0" i="0" u="none" strike="noStrike" cap="none">
           <a:solidFill>
             <a:srgbClr val="000000"/>
           </a:solidFill>
@@ -6128,7 +6299,7 @@
           <a:sym typeface="Arial"/>
         </a:defRPr>
       </a:lvl6pPr>
-      <a:lvl7pPr lvl="6" marR="0" rtl="0" algn="l">
+      <a:lvl7pPr marR="0" lvl="6" algn="l" rtl="0">
         <a:lnSpc>
           <a:spcPct val="100000"/>
         </a:lnSpc>
@@ -6142,7 +6313,7 @@
           <a:srgbClr val="000000"/>
         </a:buClr>
         <a:buFont typeface="Arial"/>
-        <a:defRPr b="0" i="0" sz="1400" u="none" cap="none" strike="noStrike">
+        <a:defRPr sz="1400" b="0" i="0" u="none" strike="noStrike" cap="none">
           <a:solidFill>
             <a:srgbClr val="000000"/>
           </a:solidFill>
@@ -6152,7 +6323,7 @@
           <a:sym typeface="Arial"/>
         </a:defRPr>
       </a:lvl7pPr>
-      <a:lvl8pPr lvl="7" marR="0" rtl="0" algn="l">
+      <a:lvl8pPr marR="0" lvl="7" algn="l" rtl="0">
         <a:lnSpc>
           <a:spcPct val="100000"/>
         </a:lnSpc>
@@ -6166,7 +6337,7 @@
           <a:srgbClr val="000000"/>
         </a:buClr>
         <a:buFont typeface="Arial"/>
-        <a:defRPr b="0" i="0" sz="1400" u="none" cap="none" strike="noStrike">
+        <a:defRPr sz="1400" b="0" i="0" u="none" strike="noStrike" cap="none">
           <a:solidFill>
             <a:srgbClr val="000000"/>
           </a:solidFill>
@@ -6176,7 +6347,7 @@
           <a:sym typeface="Arial"/>
         </a:defRPr>
       </a:lvl8pPr>
-      <a:lvl9pPr lvl="8" marR="0" rtl="0" algn="l">
+      <a:lvl9pPr marR="0" lvl="8" algn="l" rtl="0">
         <a:lnSpc>
           <a:spcPct val="100000"/>
         </a:lnSpc>
@@ -6190,7 +6361,7 @@
           <a:srgbClr val="000000"/>
         </a:buClr>
         <a:buFont typeface="Arial"/>
-        <a:defRPr b="0" i="0" sz="1400" u="none" cap="none" strike="noStrike">
+        <a:defRPr sz="1400" b="0" i="0" u="none" strike="noStrike" cap="none">
           <a:solidFill>
             <a:srgbClr val="000000"/>
           </a:solidFill>
@@ -6202,7 +6373,7 @@
       </a:lvl9pPr>
     </p:bodyStyle>
     <p:otherStyle>
-      <a:defPPr lvl="0" marR="0" rtl="0" algn="l">
+      <a:defPPr marR="0" lvl="0" algn="l" rtl="0">
         <a:lnSpc>
           <a:spcPct val="100000"/>
         </a:lnSpc>
@@ -6213,7 +6384,7 @@
           <a:spcPts val="0"/>
         </a:spcAft>
       </a:defPPr>
-      <a:lvl1pPr lvl="0" marR="0" rtl="0" algn="l">
+      <a:lvl1pPr marR="0" lvl="0" algn="l" rtl="0">
         <a:lnSpc>
           <a:spcPct val="100000"/>
         </a:lnSpc>
@@ -6227,7 +6398,7 @@
           <a:srgbClr val="000000"/>
         </a:buClr>
         <a:buFont typeface="Arial"/>
-        <a:defRPr b="0" i="0" sz="1400" u="none" cap="none" strike="noStrike">
+        <a:defRPr sz="1400" b="0" i="0" u="none" strike="noStrike" cap="none">
           <a:solidFill>
             <a:srgbClr val="000000"/>
           </a:solidFill>
@@ -6237,7 +6408,7 @@
           <a:sym typeface="Arial"/>
         </a:defRPr>
       </a:lvl1pPr>
-      <a:lvl2pPr lvl="1" marR="0" rtl="0" algn="l">
+      <a:lvl2pPr marR="0" lvl="1" algn="l" rtl="0">
         <a:lnSpc>
           <a:spcPct val="100000"/>
         </a:lnSpc>
@@ -6251,7 +6422,7 @@
           <a:srgbClr val="000000"/>
         </a:buClr>
         <a:buFont typeface="Arial"/>
-        <a:defRPr b="0" i="0" sz="1400" u="none" cap="none" strike="noStrike">
+        <a:defRPr sz="1400" b="0" i="0" u="none" strike="noStrike" cap="none">
           <a:solidFill>
             <a:srgbClr val="000000"/>
           </a:solidFill>
@@ -6261,7 +6432,7 @@
           <a:sym typeface="Arial"/>
         </a:defRPr>
       </a:lvl2pPr>
-      <a:lvl3pPr lvl="2" marR="0" rtl="0" algn="l">
+      <a:lvl3pPr marR="0" lvl="2" algn="l" rtl="0">
         <a:lnSpc>
           <a:spcPct val="100000"/>
         </a:lnSpc>
@@ -6275,7 +6446,7 @@
           <a:srgbClr val="000000"/>
         </a:buClr>
         <a:buFont typeface="Arial"/>
-        <a:defRPr b="0" i="0" sz="1400" u="none" cap="none" strike="noStrike">
+        <a:defRPr sz="1400" b="0" i="0" u="none" strike="noStrike" cap="none">
           <a:solidFill>
             <a:srgbClr val="000000"/>
           </a:solidFill>
@@ -6285,7 +6456,7 @@
           <a:sym typeface="Arial"/>
         </a:defRPr>
       </a:lvl3pPr>
-      <a:lvl4pPr lvl="3" marR="0" rtl="0" algn="l">
+      <a:lvl4pPr marR="0" lvl="3" algn="l" rtl="0">
         <a:lnSpc>
           <a:spcPct val="100000"/>
         </a:lnSpc>
@@ -6299,7 +6470,7 @@
           <a:srgbClr val="000000"/>
         </a:buClr>
         <a:buFont typeface="Arial"/>
-        <a:defRPr b="0" i="0" sz="1400" u="none" cap="none" strike="noStrike">
+        <a:defRPr sz="1400" b="0" i="0" u="none" strike="noStrike" cap="none">
           <a:solidFill>
             <a:srgbClr val="000000"/>
           </a:solidFill>
@@ -6309,7 +6480,7 @@
           <a:sym typeface="Arial"/>
         </a:defRPr>
       </a:lvl4pPr>
-      <a:lvl5pPr lvl="4" marR="0" rtl="0" algn="l">
+      <a:lvl5pPr marR="0" lvl="4" algn="l" rtl="0">
         <a:lnSpc>
           <a:spcPct val="100000"/>
         </a:lnSpc>
@@ -6323,7 +6494,7 @@
           <a:srgbClr val="000000"/>
         </a:buClr>
         <a:buFont typeface="Arial"/>
-        <a:defRPr b="0" i="0" sz="1400" u="none" cap="none" strike="noStrike">
+        <a:defRPr sz="1400" b="0" i="0" u="none" strike="noStrike" cap="none">
           <a:solidFill>
             <a:srgbClr val="000000"/>
           </a:solidFill>
@@ -6333,7 +6504,7 @@
           <a:sym typeface="Arial"/>
         </a:defRPr>
       </a:lvl5pPr>
-      <a:lvl6pPr lvl="5" marR="0" rtl="0" algn="l">
+      <a:lvl6pPr marR="0" lvl="5" algn="l" rtl="0">
         <a:lnSpc>
           <a:spcPct val="100000"/>
         </a:lnSpc>
@@ -6347,7 +6518,7 @@
           <a:srgbClr val="000000"/>
         </a:buClr>
         <a:buFont typeface="Arial"/>
-        <a:defRPr b="0" i="0" sz="1400" u="none" cap="none" strike="noStrike">
+        <a:defRPr sz="1400" b="0" i="0" u="none" strike="noStrike" cap="none">
           <a:solidFill>
             <a:srgbClr val="000000"/>
           </a:solidFill>
@@ -6357,7 +6528,7 @@
           <a:sym typeface="Arial"/>
         </a:defRPr>
       </a:lvl6pPr>
-      <a:lvl7pPr lvl="6" marR="0" rtl="0" algn="l">
+      <a:lvl7pPr marR="0" lvl="6" algn="l" rtl="0">
         <a:lnSpc>
           <a:spcPct val="100000"/>
         </a:lnSpc>
@@ -6371,7 +6542,7 @@
           <a:srgbClr val="000000"/>
         </a:buClr>
         <a:buFont typeface="Arial"/>
-        <a:defRPr b="0" i="0" sz="1400" u="none" cap="none" strike="noStrike">
+        <a:defRPr sz="1400" b="0" i="0" u="none" strike="noStrike" cap="none">
           <a:solidFill>
             <a:srgbClr val="000000"/>
           </a:solidFill>
@@ -6381,7 +6552,7 @@
           <a:sym typeface="Arial"/>
         </a:defRPr>
       </a:lvl7pPr>
-      <a:lvl8pPr lvl="7" marR="0" rtl="0" algn="l">
+      <a:lvl8pPr marR="0" lvl="7" algn="l" rtl="0">
         <a:lnSpc>
           <a:spcPct val="100000"/>
         </a:lnSpc>
@@ -6395,7 +6566,7 @@
           <a:srgbClr val="000000"/>
         </a:buClr>
         <a:buFont typeface="Arial"/>
-        <a:defRPr b="0" i="0" sz="1400" u="none" cap="none" strike="noStrike">
+        <a:defRPr sz="1400" b="0" i="0" u="none" strike="noStrike" cap="none">
           <a:solidFill>
             <a:srgbClr val="000000"/>
           </a:solidFill>
@@ -6405,7 +6576,7 @@
           <a:sym typeface="Arial"/>
         </a:defRPr>
       </a:lvl8pPr>
-      <a:lvl9pPr lvl="8" marR="0" rtl="0" algn="l">
+      <a:lvl9pPr marR="0" lvl="8" algn="l" rtl="0">
         <a:lnSpc>
           <a:spcPct val="100000"/>
         </a:lnSpc>
@@ -6419,7 +6590,7 @@
           <a:srgbClr val="000000"/>
         </a:buClr>
         <a:buFont typeface="Arial"/>
-        <a:defRPr b="0" i="0" sz="1400" u="none" cap="none" strike="noStrike">
+        <a:defRPr sz="1400" b="0" i="0" u="none" strike="noStrike" cap="none">
           <a:solidFill>
             <a:srgbClr val="000000"/>
           </a:solidFill>
@@ -6435,11 +6606,19 @@
 </file>
 
 <file path=ppt/slides/slide1.xml><?xml version="1.0" encoding="utf-8"?>
-<p:sld xmlns:a="http://schemas.openxmlformats.org/drawingml/2006/main" xmlns:r="http://schemas.openxmlformats.org/officeDocument/2006/relationships" xmlns:mc="http://schemas.openxmlformats.org/markup-compatibility/2006" xmlns:mv="urn:schemas-microsoft-com:mac:vml" xmlns:p="http://schemas.openxmlformats.org/presentationml/2006/main" xmlns:c="http://schemas.openxmlformats.org/drawingml/2006/chart" xmlns:dgm="http://schemas.openxmlformats.org/drawingml/2006/diagram" xmlns:o="urn:schemas-microsoft-com:office:office" xmlns:v="urn:schemas-microsoft-com:vml" xmlns:pvml="urn:schemas-microsoft-com:office:powerpoint" xmlns:com="http://schemas.openxmlformats.org/drawingml/2006/compatibility" xmlns:p14="http://schemas.microsoft.com/office/powerpoint/2010/main" xmlns:p15="http://schemas.microsoft.com/office/powerpoint/2012/main" xmlns:ahyp="http://schemas.microsoft.com/office/drawing/2018/hyperlinkcolor">
+<p:sld xmlns:a="http://schemas.openxmlformats.org/drawingml/2006/main" xmlns:r="http://schemas.openxmlformats.org/officeDocument/2006/relationships" xmlns:p="http://schemas.openxmlformats.org/presentationml/2006/main">
   <p:cSld>
+    <p:bg>
+      <p:bgPr>
+        <a:solidFill>
+          <a:schemeClr val="bg1"/>
+        </a:solidFill>
+        <a:effectLst/>
+      </p:bgPr>
+    </p:bg>
     <p:spTree>
       <p:nvGrpSpPr>
-        <p:cNvPr id="53" name="Shape 53"/>
+        <p:cNvPr id="1" name="Shape 53"/>
         <p:cNvGrpSpPr/>
         <p:nvPr/>
       </p:nvGrpSpPr>
@@ -6454,7 +6633,9 @@
       <p:sp>
         <p:nvSpPr>
           <p:cNvPr id="54" name="Google Shape;54;p13"/>
-          <p:cNvSpPr txBox="1"/>
+          <p:cNvSpPr txBox="1">
+            <a:spLocks noGrp="1"/>
+          </p:cNvSpPr>
           <p:nvPr>
             <p:ph type="ctrTitle"/>
           </p:nvPr>
@@ -6469,12 +6650,12 @@
           </a:prstGeom>
         </p:spPr>
         <p:txBody>
-          <a:bodyPr anchorCtr="0" anchor="b" bIns="91425" lIns="91425" spcFirstLastPara="1" rIns="91425" wrap="square" tIns="91425">
+          <a:bodyPr spcFirstLastPara="1" wrap="square" lIns="91425" tIns="91425" rIns="91425" bIns="91425" anchor="b" anchorCtr="0">
             <a:normAutofit/>
           </a:bodyPr>
           <a:lstStyle/>
           <a:p>
-            <a:pPr indent="0" lvl="0" marL="0" rtl="0" algn="ctr">
+            <a:pPr marL="0" lvl="0" indent="0" algn="ctr" rtl="0">
               <a:spcBef>
                 <a:spcPts val="0"/>
               </a:spcBef>
@@ -6484,7 +6665,7 @@
               <a:buNone/>
             </a:pPr>
             <a:r>
-              <a:rPr b="1" lang="en"/>
+              <a:rPr lang="en" b="1"/>
               <a:t>YORM</a:t>
             </a:r>
             <a:endParaRPr b="1"/>
@@ -6494,9 +6675,11 @@
       <p:sp>
         <p:nvSpPr>
           <p:cNvPr id="55" name="Google Shape;55;p13"/>
-          <p:cNvSpPr txBox="1"/>
+          <p:cNvSpPr txBox="1">
+            <a:spLocks noGrp="1"/>
+          </p:cNvSpPr>
           <p:nvPr>
-            <p:ph idx="1" type="subTitle"/>
+            <p:ph type="subTitle" idx="1"/>
           </p:nvPr>
         </p:nvSpPr>
         <p:spPr>
@@ -6509,12 +6692,12 @@
           </a:prstGeom>
         </p:spPr>
         <p:txBody>
-          <a:bodyPr anchorCtr="0" anchor="t" bIns="91425" lIns="91425" spcFirstLastPara="1" rIns="91425" wrap="square" tIns="91425">
+          <a:bodyPr spcFirstLastPara="1" wrap="square" lIns="91425" tIns="91425" rIns="91425" bIns="91425" anchor="t" anchorCtr="0">
             <a:normAutofit/>
           </a:bodyPr>
           <a:lstStyle/>
           <a:p>
-            <a:pPr indent="0" lvl="0" marL="0" rtl="0" algn="ctr">
+            <a:pPr marL="0" lvl="0" indent="0" algn="ctr" rtl="0">
               <a:spcBef>
                 <a:spcPts val="0"/>
               </a:spcBef>
@@ -6548,11 +6731,237 @@
 </file>
 
 <file path=ppt/slides/slide10.xml><?xml version="1.0" encoding="utf-8"?>
-<p:sld xmlns:a="http://schemas.openxmlformats.org/drawingml/2006/main" xmlns:r="http://schemas.openxmlformats.org/officeDocument/2006/relationships" xmlns:mc="http://schemas.openxmlformats.org/markup-compatibility/2006" xmlns:mv="urn:schemas-microsoft-com:mac:vml" xmlns:p="http://schemas.openxmlformats.org/presentationml/2006/main" xmlns:c="http://schemas.openxmlformats.org/drawingml/2006/chart" xmlns:dgm="http://schemas.openxmlformats.org/drawingml/2006/diagram" xmlns:o="urn:schemas-microsoft-com:office:office" xmlns:v="urn:schemas-microsoft-com:vml" xmlns:pvml="urn:schemas-microsoft-com:office:powerpoint" xmlns:com="http://schemas.openxmlformats.org/drawingml/2006/compatibility" xmlns:p14="http://schemas.microsoft.com/office/powerpoint/2010/main" xmlns:p15="http://schemas.microsoft.com/office/powerpoint/2012/main" xmlns:ahyp="http://schemas.microsoft.com/office/drawing/2018/hyperlinkcolor">
+<p:sld xmlns:a="http://schemas.openxmlformats.org/drawingml/2006/main" xmlns:r="http://schemas.openxmlformats.org/officeDocument/2006/relationships" xmlns:p="http://schemas.openxmlformats.org/presentationml/2006/main">
   <p:cSld>
     <p:spTree>
       <p:nvGrpSpPr>
-        <p:cNvPr id="113" name="Shape 113"/>
+        <p:cNvPr id="1" name="Shape 106"/>
+        <p:cNvGrpSpPr/>
+        <p:nvPr/>
+      </p:nvGrpSpPr>
+      <p:grpSpPr>
+        <a:xfrm>
+          <a:off x="0" y="0"/>
+          <a:ext cx="0" cy="0"/>
+          <a:chOff x="0" y="0"/>
+          <a:chExt cx="0" cy="0"/>
+        </a:xfrm>
+      </p:grpSpPr>
+      <p:sp>
+        <p:nvSpPr>
+          <p:cNvPr id="107" name="Google Shape;107;p21"/>
+          <p:cNvSpPr txBox="1">
+            <a:spLocks noGrp="1"/>
+          </p:cNvSpPr>
+          <p:nvPr>
+            <p:ph type="title"/>
+          </p:nvPr>
+        </p:nvSpPr>
+        <p:spPr>
+          <a:xfrm>
+            <a:off x="311700" y="445025"/>
+            <a:ext cx="8520600" cy="572700"/>
+          </a:xfrm>
+          <a:prstGeom prst="rect">
+            <a:avLst/>
+          </a:prstGeom>
+        </p:spPr>
+        <p:txBody>
+          <a:bodyPr spcFirstLastPara="1" wrap="square" lIns="91425" tIns="91425" rIns="91425" bIns="91425" anchor="t" anchorCtr="0">
+            <a:normAutofit fontScale="90000"/>
+          </a:bodyPr>
+          <a:lstStyle/>
+          <a:p>
+            <a:pPr marL="0" lvl="0" indent="0" algn="l" rtl="0">
+              <a:spcBef>
+                <a:spcPts val="0"/>
+              </a:spcBef>
+              <a:spcAft>
+                <a:spcPts val="0"/>
+              </a:spcAft>
+              <a:buNone/>
+            </a:pPr>
+            <a:r>
+              <a:rPr lang="en" b="1"/>
+              <a:t>Dalton Muck</a:t>
+            </a:r>
+            <a:endParaRPr b="1"/>
+          </a:p>
+        </p:txBody>
+      </p:sp>
+      <p:sp>
+        <p:nvSpPr>
+          <p:cNvPr id="108" name="Google Shape;108;p21"/>
+          <p:cNvSpPr txBox="1">
+            <a:spLocks noGrp="1"/>
+          </p:cNvSpPr>
+          <p:nvPr>
+            <p:ph type="body" idx="1"/>
+          </p:nvPr>
+        </p:nvSpPr>
+        <p:spPr>
+          <a:xfrm>
+            <a:off x="311700" y="1152475"/>
+            <a:ext cx="2174700" cy="3416400"/>
+          </a:xfrm>
+          <a:prstGeom prst="rect">
+            <a:avLst/>
+          </a:prstGeom>
+        </p:spPr>
+        <p:txBody>
+          <a:bodyPr spcFirstLastPara="1" wrap="square" lIns="91425" tIns="91425" rIns="91425" bIns="91425" anchor="t" anchorCtr="0">
+            <a:noAutofit/>
+          </a:bodyPr>
+          <a:lstStyle/>
+          <a:p>
+            <a:pPr marL="457200" lvl="0" indent="-330200" algn="l" rtl="0">
+              <a:lnSpc>
+                <a:spcPct val="100000"/>
+              </a:lnSpc>
+              <a:spcBef>
+                <a:spcPts val="0"/>
+              </a:spcBef>
+              <a:spcAft>
+                <a:spcPts val="0"/>
+              </a:spcAft>
+              <a:buClr>
+                <a:schemeClr val="dk1"/>
+              </a:buClr>
+              <a:buSzPts val="1600"/>
+              <a:buChar char="●"/>
+            </a:pPr>
+            <a:r>
+              <a:rPr lang="en" sz="1600">
+                <a:solidFill>
+                  <a:schemeClr val="dk1"/>
+                </a:solidFill>
+              </a:rPr>
+              <a:t>Defined team goals, tech stack, and collected team info in an official Readme </a:t>
+            </a:r>
+            <a:endParaRPr sz="1600">
+              <a:solidFill>
+                <a:schemeClr val="dk1"/>
+              </a:solidFill>
+            </a:endParaRPr>
+          </a:p>
+          <a:p>
+            <a:pPr marL="914400" lvl="1" indent="-330200" algn="l" rtl="0">
+              <a:lnSpc>
+                <a:spcPct val="100000"/>
+              </a:lnSpc>
+              <a:spcBef>
+                <a:spcPts val="0"/>
+              </a:spcBef>
+              <a:spcAft>
+                <a:spcPts val="0"/>
+              </a:spcAft>
+              <a:buClr>
+                <a:schemeClr val="dk1"/>
+              </a:buClr>
+              <a:buSzPts val="1600"/>
+              <a:buChar char="○"/>
+            </a:pPr>
+            <a:r>
+              <a:rPr lang="en" sz="1600">
+                <a:solidFill>
+                  <a:schemeClr val="dk1"/>
+                </a:solidFill>
+              </a:rPr>
+              <a:t>Committed to Repo</a:t>
+            </a:r>
+            <a:endParaRPr sz="1600">
+              <a:solidFill>
+                <a:schemeClr val="dk1"/>
+              </a:solidFill>
+            </a:endParaRPr>
+          </a:p>
+          <a:p>
+            <a:pPr marL="0" lvl="0" indent="0" algn="l" rtl="0">
+              <a:lnSpc>
+                <a:spcPct val="100000"/>
+              </a:lnSpc>
+              <a:spcBef>
+                <a:spcPts val="1200"/>
+              </a:spcBef>
+              <a:spcAft>
+                <a:spcPts val="0"/>
+              </a:spcAft>
+              <a:buNone/>
+            </a:pPr>
+            <a:endParaRPr sz="1600">
+              <a:solidFill>
+                <a:schemeClr val="dk1"/>
+              </a:solidFill>
+            </a:endParaRPr>
+          </a:p>
+          <a:p>
+            <a:pPr marL="0" lvl="0" indent="0" algn="l" rtl="0">
+              <a:lnSpc>
+                <a:spcPct val="100000"/>
+              </a:lnSpc>
+              <a:spcBef>
+                <a:spcPts val="1200"/>
+              </a:spcBef>
+              <a:spcAft>
+                <a:spcPts val="1200"/>
+              </a:spcAft>
+              <a:buNone/>
+            </a:pPr>
+            <a:r>
+              <a:rPr lang="en" sz="1600" u="sng">
+                <a:solidFill>
+                  <a:schemeClr val="hlink"/>
+                </a:solidFill>
+                <a:hlinkClick r:id="rId3"/>
+              </a:rPr>
+              <a:t>Link to the README.md</a:t>
+            </a:r>
+            <a:endParaRPr sz="1600"/>
+          </a:p>
+        </p:txBody>
+      </p:sp>
+      <p:pic>
+        <p:nvPicPr>
+          <p:cNvPr id="109" name="Google Shape;109;p21"/>
+          <p:cNvPicPr preferRelativeResize="0"/>
+          <p:nvPr/>
+        </p:nvPicPr>
+        <p:blipFill>
+          <a:blip r:embed="rId4">
+            <a:alphaModFix/>
+          </a:blip>
+          <a:stretch>
+            <a:fillRect/>
+          </a:stretch>
+        </p:blipFill>
+        <p:spPr>
+          <a:xfrm>
+            <a:off x="2579075" y="730450"/>
+            <a:ext cx="6462674" cy="3682600"/>
+          </a:xfrm>
+          <a:prstGeom prst="rect">
+            <a:avLst/>
+          </a:prstGeom>
+          <a:noFill/>
+          <a:ln>
+            <a:noFill/>
+          </a:ln>
+        </p:spPr>
+      </p:pic>
+    </p:spTree>
+  </p:cSld>
+  <p:clrMapOvr>
+    <a:masterClrMapping/>
+  </p:clrMapOvr>
+</p:sld>
+</file>
+
+<file path=ppt/slides/slide11.xml><?xml version="1.0" encoding="utf-8"?>
+<p:sld xmlns:a="http://schemas.openxmlformats.org/drawingml/2006/main" xmlns:r="http://schemas.openxmlformats.org/officeDocument/2006/relationships" xmlns:p="http://schemas.openxmlformats.org/presentationml/2006/main">
+  <p:cSld>
+    <p:spTree>
+      <p:nvGrpSpPr>
+        <p:cNvPr id="1" name="Shape 113"/>
         <p:cNvGrpSpPr/>
         <p:nvPr/>
       </p:nvGrpSpPr>
@@ -6567,7 +6976,9 @@
       <p:sp>
         <p:nvSpPr>
           <p:cNvPr id="114" name="Google Shape;114;p22"/>
-          <p:cNvSpPr txBox="1"/>
+          <p:cNvSpPr txBox="1">
+            <a:spLocks noGrp="1"/>
+          </p:cNvSpPr>
           <p:nvPr>
             <p:ph type="title"/>
           </p:nvPr>
@@ -6582,12 +6993,12 @@
           </a:prstGeom>
         </p:spPr>
         <p:txBody>
-          <a:bodyPr anchorCtr="0" anchor="t" bIns="91425" lIns="91425" spcFirstLastPara="1" rIns="91425" wrap="square" tIns="91425">
+          <a:bodyPr spcFirstLastPara="1" wrap="square" lIns="91425" tIns="91425" rIns="91425" bIns="91425" anchor="t" anchorCtr="0">
             <a:normAutofit fontScale="90000"/>
           </a:bodyPr>
           <a:lstStyle/>
           <a:p>
-            <a:pPr indent="0" lvl="0" marL="0" rtl="0" algn="l">
+            <a:pPr marL="0" lvl="0" indent="0" algn="l" rtl="0">
               <a:spcBef>
                 <a:spcPts val="0"/>
               </a:spcBef>
@@ -6597,7 +7008,7 @@
               <a:buNone/>
             </a:pPr>
             <a:r>
-              <a:rPr b="1" lang="en"/>
+              <a:rPr lang="en" b="1"/>
               <a:t>Jade O’Shaughnessy</a:t>
             </a:r>
             <a:endParaRPr b="1"/>
@@ -6624,12 +7035,12 @@
           </a:ln>
         </p:spPr>
         <p:txBody>
-          <a:bodyPr anchorCtr="0" anchor="t" bIns="91425" lIns="91425" spcFirstLastPara="1" rIns="91425" wrap="square" tIns="91425">
+          <a:bodyPr spcFirstLastPara="1" wrap="square" lIns="91425" tIns="91425" rIns="91425" bIns="91425" anchor="t" anchorCtr="0">
             <a:noAutofit/>
           </a:bodyPr>
           <a:lstStyle/>
           <a:p>
-            <a:pPr indent="-330200" lvl="0" marL="457200" rtl="0" algn="l">
+            <a:pPr marL="457200" lvl="0" indent="-330200" algn="l" rtl="0">
               <a:spcBef>
                 <a:spcPts val="0"/>
               </a:spcBef>
@@ -6657,7 +7068,7 @@
             </a:endParaRPr>
           </a:p>
           <a:p>
-            <a:pPr indent="-330200" lvl="1" marL="914400" rtl="0" algn="l">
+            <a:pPr marL="914400" lvl="1" indent="-330200" algn="l" rtl="0">
               <a:spcBef>
                 <a:spcPts val="0"/>
               </a:spcBef>
@@ -6685,7 +7096,7 @@
             </a:endParaRPr>
           </a:p>
           <a:p>
-            <a:pPr indent="-330200" lvl="0" marL="457200" rtl="0" algn="l">
+            <a:pPr marL="457200" lvl="0" indent="-330200" algn="l" rtl="0">
               <a:spcBef>
                 <a:spcPts val="0"/>
               </a:spcBef>
@@ -6713,7 +7124,7 @@
             </a:endParaRPr>
           </a:p>
           <a:p>
-            <a:pPr indent="-330200" lvl="0" marL="457200" rtl="0" algn="l">
+            <a:pPr marL="457200" lvl="0" indent="-330200" algn="l" rtl="0">
               <a:spcBef>
                 <a:spcPts val="0"/>
               </a:spcBef>
@@ -6741,18 +7152,15 @@
             </a:endParaRPr>
           </a:p>
           <a:p>
-            <a:pPr indent="0" lvl="0" marL="0" rtl="0" algn="l">
-              <a:spcBef>
-                <a:spcPts val="0"/>
-              </a:spcBef>
-              <a:spcAft>
-                <a:spcPts val="0"/>
-              </a:spcAft>
-              <a:buNone/>
-            </a:pPr>
-            <a:r>
-              <a:t/>
-            </a:r>
+            <a:pPr marL="0" lvl="0" indent="0" algn="l" rtl="0">
+              <a:spcBef>
+                <a:spcPts val="0"/>
+              </a:spcBef>
+              <a:spcAft>
+                <a:spcPts val="0"/>
+              </a:spcAft>
+              <a:buNone/>
+            </a:pPr>
             <a:endParaRPr sz="1600">
               <a:solidFill>
                 <a:schemeClr val="dk1"/>
@@ -6760,18 +7168,15 @@
             </a:endParaRPr>
           </a:p>
           <a:p>
-            <a:pPr indent="0" lvl="0" marL="0" rtl="0" algn="l">
-              <a:spcBef>
-                <a:spcPts val="0"/>
-              </a:spcBef>
-              <a:spcAft>
-                <a:spcPts val="0"/>
-              </a:spcAft>
-              <a:buNone/>
-            </a:pPr>
-            <a:r>
-              <a:t/>
-            </a:r>
+            <a:pPr marL="0" lvl="0" indent="0" algn="l" rtl="0">
+              <a:spcBef>
+                <a:spcPts val="0"/>
+              </a:spcBef>
+              <a:spcAft>
+                <a:spcPts val="0"/>
+              </a:spcAft>
+              <a:buNone/>
+            </a:pPr>
             <a:endParaRPr sz="1600">
               <a:solidFill>
                 <a:schemeClr val="dk1"/>
@@ -6779,7 +7184,7 @@
             </a:endParaRPr>
           </a:p>
           <a:p>
-            <a:pPr indent="0" lvl="0" marL="0" rtl="0" algn="l">
+            <a:pPr marL="0" lvl="0" indent="0" algn="l" rtl="0">
               <a:spcBef>
                 <a:spcPts val="0"/>
               </a:spcBef>
@@ -6841,12 +7246,12 @@
 </p:sld>
 </file>
 
-<file path=ppt/slides/slide11.xml><?xml version="1.0" encoding="utf-8"?>
-<p:sld xmlns:a="http://schemas.openxmlformats.org/drawingml/2006/main" xmlns:r="http://schemas.openxmlformats.org/officeDocument/2006/relationships" xmlns:mc="http://schemas.openxmlformats.org/markup-compatibility/2006" xmlns:mv="urn:schemas-microsoft-com:mac:vml" xmlns:p="http://schemas.openxmlformats.org/presentationml/2006/main" xmlns:c="http://schemas.openxmlformats.org/drawingml/2006/chart" xmlns:dgm="http://schemas.openxmlformats.org/drawingml/2006/diagram" xmlns:o="urn:schemas-microsoft-com:office:office" xmlns:v="urn:schemas-microsoft-com:vml" xmlns:pvml="urn:schemas-microsoft-com:office:powerpoint" xmlns:com="http://schemas.openxmlformats.org/drawingml/2006/compatibility" xmlns:p14="http://schemas.microsoft.com/office/powerpoint/2010/main" xmlns:p15="http://schemas.microsoft.com/office/powerpoint/2012/main" xmlns:ahyp="http://schemas.microsoft.com/office/drawing/2018/hyperlinkcolor">
+<file path=ppt/slides/slide12.xml><?xml version="1.0" encoding="utf-8"?>
+<p:sld xmlns:a="http://schemas.openxmlformats.org/drawingml/2006/main" xmlns:r="http://schemas.openxmlformats.org/officeDocument/2006/relationships" xmlns:p="http://schemas.openxmlformats.org/presentationml/2006/main">
   <p:cSld>
     <p:spTree>
       <p:nvGrpSpPr>
-        <p:cNvPr id="120" name="Shape 120"/>
+        <p:cNvPr id="1" name="Shape 120"/>
         <p:cNvGrpSpPr/>
         <p:nvPr/>
       </p:nvGrpSpPr>
@@ -6861,7 +7266,9 @@
       <p:sp>
         <p:nvSpPr>
           <p:cNvPr id="121" name="Google Shape;121;p23"/>
-          <p:cNvSpPr txBox="1"/>
+          <p:cNvSpPr txBox="1">
+            <a:spLocks noGrp="1"/>
+          </p:cNvSpPr>
           <p:nvPr>
             <p:ph type="title"/>
           </p:nvPr>
@@ -6876,12 +7283,12 @@
           </a:prstGeom>
         </p:spPr>
         <p:txBody>
-          <a:bodyPr anchorCtr="0" anchor="t" bIns="91425" lIns="91425" spcFirstLastPara="1" rIns="91425" wrap="square" tIns="91425">
+          <a:bodyPr spcFirstLastPara="1" wrap="square" lIns="91425" tIns="91425" rIns="91425" bIns="91425" anchor="t" anchorCtr="0">
             <a:normAutofit fontScale="90000"/>
           </a:bodyPr>
           <a:lstStyle/>
           <a:p>
-            <a:pPr indent="0" lvl="0" marL="0" rtl="0" algn="l">
+            <a:pPr marL="0" lvl="0" indent="0" algn="l" rtl="0">
               <a:spcBef>
                 <a:spcPts val="0"/>
               </a:spcBef>
@@ -6891,7 +7298,7 @@
               <a:buNone/>
             </a:pPr>
             <a:r>
-              <a:rPr b="1" lang="en"/>
+              <a:rPr lang="en" b="1"/>
               <a:t>Next Checkpoint Plan</a:t>
             </a:r>
             <a:endParaRPr b="1"/>
@@ -6901,9 +7308,11 @@
       <p:sp>
         <p:nvSpPr>
           <p:cNvPr id="122" name="Google Shape;122;p23"/>
-          <p:cNvSpPr txBox="1"/>
+          <p:cNvSpPr txBox="1">
+            <a:spLocks noGrp="1"/>
+          </p:cNvSpPr>
           <p:nvPr>
-            <p:ph idx="1" type="body"/>
+            <p:ph type="body" idx="1"/>
           </p:nvPr>
         </p:nvSpPr>
         <p:spPr>
@@ -6916,12 +7325,12 @@
           </a:prstGeom>
         </p:spPr>
         <p:txBody>
-          <a:bodyPr anchorCtr="0" anchor="t" bIns="91425" lIns="91425" spcFirstLastPara="1" rIns="91425" wrap="square" tIns="91425">
+          <a:bodyPr spcFirstLastPara="1" wrap="square" lIns="91425" tIns="91425" rIns="91425" bIns="91425" anchor="t" anchorCtr="0">
             <a:noAutofit/>
           </a:bodyPr>
           <a:lstStyle/>
           <a:p>
-            <a:pPr indent="-342900" lvl="0" marL="457200" rtl="0" algn="l">
+            <a:pPr marL="457200" lvl="0" indent="-342900" algn="l" rtl="0">
               <a:lnSpc>
                 <a:spcPct val="80000"/>
               </a:lnSpc>
@@ -6952,7 +7361,7 @@
             </a:endParaRPr>
           </a:p>
           <a:p>
-            <a:pPr indent="-342900" lvl="1" marL="914400" rtl="0" algn="l">
+            <a:pPr marL="914400" lvl="1" indent="-342900" algn="l" rtl="0">
               <a:lnSpc>
                 <a:spcPct val="80000"/>
               </a:lnSpc>
@@ -6983,7 +7392,7 @@
             </a:endParaRPr>
           </a:p>
           <a:p>
-            <a:pPr indent="-342900" lvl="2" marL="1371600" rtl="0" algn="l">
+            <a:pPr marL="1371600" lvl="2" indent="-342900" algn="l" rtl="0">
               <a:lnSpc>
                 <a:spcPct val="80000"/>
               </a:lnSpc>
@@ -7014,7 +7423,7 @@
             </a:endParaRPr>
           </a:p>
           <a:p>
-            <a:pPr indent="-342900" lvl="2" marL="1371600" rtl="0" algn="l">
+            <a:pPr marL="1371600" lvl="2" indent="-342900" algn="l" rtl="0">
               <a:lnSpc>
                 <a:spcPct val="80000"/>
               </a:lnSpc>
@@ -7045,7 +7454,7 @@
             </a:endParaRPr>
           </a:p>
           <a:p>
-            <a:pPr indent="-342900" lvl="1" marL="914400" rtl="0" algn="l">
+            <a:pPr marL="914400" lvl="1" indent="-342900" algn="l" rtl="0">
               <a:lnSpc>
                 <a:spcPct val="80000"/>
               </a:lnSpc>
@@ -7076,7 +7485,7 @@
             </a:endParaRPr>
           </a:p>
           <a:p>
-            <a:pPr indent="-342900" lvl="2" marL="1371600" rtl="0" algn="l">
+            <a:pPr marL="1371600" lvl="2" indent="-342900" algn="l" rtl="0">
               <a:lnSpc>
                 <a:spcPct val="80000"/>
               </a:lnSpc>
@@ -7107,7 +7516,7 @@
             </a:endParaRPr>
           </a:p>
           <a:p>
-            <a:pPr indent="-342900" lvl="1" marL="914400" rtl="0" algn="l">
+            <a:pPr marL="914400" lvl="1" indent="-342900" algn="l" rtl="0">
               <a:lnSpc>
                 <a:spcPct val="80000"/>
               </a:lnSpc>
@@ -7138,7 +7547,7 @@
             </a:endParaRPr>
           </a:p>
           <a:p>
-            <a:pPr indent="-342900" lvl="2" marL="1371600" rtl="0" algn="l">
+            <a:pPr marL="1371600" lvl="2" indent="-342900" algn="l" rtl="0">
               <a:lnSpc>
                 <a:spcPct val="80000"/>
               </a:lnSpc>
@@ -7169,7 +7578,7 @@
             </a:endParaRPr>
           </a:p>
           <a:p>
-            <a:pPr indent="-342900" lvl="0" marL="457200" rtl="0" algn="l">
+            <a:pPr marL="457200" lvl="0" indent="-342900" algn="l" rtl="0">
               <a:lnSpc>
                 <a:spcPct val="80000"/>
               </a:lnSpc>
@@ -7200,7 +7609,7 @@
             </a:endParaRPr>
           </a:p>
           <a:p>
-            <a:pPr indent="0" lvl="0" marL="0" rtl="0" algn="l">
+            <a:pPr marL="0" lvl="0" indent="0" algn="l" rtl="0">
               <a:lnSpc>
                 <a:spcPct val="95000"/>
               </a:lnSpc>
@@ -7212,9 +7621,6 @@
               </a:spcAft>
               <a:buNone/>
             </a:pPr>
-            <a:r>
-              <a:t/>
-            </a:r>
             <a:endParaRPr/>
           </a:p>
         </p:txBody>
@@ -7228,11 +7634,21 @@
 </file>
 
 <file path=ppt/slides/slide2.xml><?xml version="1.0" encoding="utf-8"?>
-<p:sld xmlns:a="http://schemas.openxmlformats.org/drawingml/2006/main" xmlns:r="http://schemas.openxmlformats.org/officeDocument/2006/relationships" xmlns:mc="http://schemas.openxmlformats.org/markup-compatibility/2006" xmlns:mv="urn:schemas-microsoft-com:mac:vml" xmlns:p="http://schemas.openxmlformats.org/presentationml/2006/main" xmlns:c="http://schemas.openxmlformats.org/drawingml/2006/chart" xmlns:dgm="http://schemas.openxmlformats.org/drawingml/2006/diagram" xmlns:o="urn:schemas-microsoft-com:office:office" xmlns:v="urn:schemas-microsoft-com:vml" xmlns:pvml="urn:schemas-microsoft-com:office:powerpoint" xmlns:com="http://schemas.openxmlformats.org/drawingml/2006/compatibility" xmlns:p14="http://schemas.microsoft.com/office/powerpoint/2010/main" xmlns:p15="http://schemas.microsoft.com/office/powerpoint/2012/main" xmlns:ahyp="http://schemas.microsoft.com/office/drawing/2018/hyperlinkcolor">
+<p:sld xmlns:a="http://schemas.openxmlformats.org/drawingml/2006/main" xmlns:r="http://schemas.openxmlformats.org/officeDocument/2006/relationships" xmlns:p="http://schemas.openxmlformats.org/presentationml/2006/main">
   <p:cSld>
+    <p:bg>
+      <p:bgPr>
+        <a:solidFill>
+          <a:schemeClr val="bg1">
+            <a:lumMod val="65000"/>
+          </a:schemeClr>
+        </a:solidFill>
+        <a:effectLst/>
+      </p:bgPr>
+    </p:bg>
     <p:spTree>
       <p:nvGrpSpPr>
-        <p:cNvPr id="59" name="Shape 59"/>
+        <p:cNvPr id="1" name="Shape 59"/>
         <p:cNvGrpSpPr/>
         <p:nvPr/>
       </p:nvGrpSpPr>
@@ -7247,7 +7663,9 @@
       <p:sp>
         <p:nvSpPr>
           <p:cNvPr id="60" name="Google Shape;60;p14"/>
-          <p:cNvSpPr txBox="1"/>
+          <p:cNvSpPr txBox="1">
+            <a:spLocks noGrp="1"/>
+          </p:cNvSpPr>
           <p:nvPr>
             <p:ph type="title"/>
           </p:nvPr>
@@ -7262,12 +7680,12 @@
           </a:prstGeom>
         </p:spPr>
         <p:txBody>
-          <a:bodyPr anchorCtr="0" anchor="t" bIns="91425" lIns="91425" spcFirstLastPara="1" rIns="91425" wrap="square" tIns="91425">
+          <a:bodyPr spcFirstLastPara="1" wrap="square" lIns="91425" tIns="91425" rIns="91425" bIns="91425" anchor="t" anchorCtr="0">
             <a:normAutofit fontScale="90000"/>
           </a:bodyPr>
           <a:lstStyle/>
           <a:p>
-            <a:pPr indent="0" lvl="0" marL="0" rtl="0" algn="l">
+            <a:pPr marL="0" lvl="0" indent="0" algn="l" rtl="0">
               <a:spcBef>
                 <a:spcPts val="0"/>
               </a:spcBef>
@@ -7277,7 +7695,7 @@
               <a:buNone/>
             </a:pPr>
             <a:r>
-              <a:rPr b="1" lang="en"/>
+              <a:rPr lang="en" b="1"/>
               <a:t>Overview</a:t>
             </a:r>
             <a:endParaRPr b="1"/>
@@ -7287,9 +7705,11 @@
       <p:sp>
         <p:nvSpPr>
           <p:cNvPr id="61" name="Google Shape;61;p14"/>
-          <p:cNvSpPr txBox="1"/>
+          <p:cNvSpPr txBox="1">
+            <a:spLocks noGrp="1"/>
+          </p:cNvSpPr>
           <p:nvPr>
-            <p:ph idx="1" type="body"/>
+            <p:ph type="body" idx="1"/>
           </p:nvPr>
         </p:nvSpPr>
         <p:spPr>
@@ -7302,12 +7722,12 @@
           </a:prstGeom>
         </p:spPr>
         <p:txBody>
-          <a:bodyPr anchorCtr="0" anchor="t" bIns="91425" lIns="91425" spcFirstLastPara="1" rIns="91425" wrap="square" tIns="91425">
+          <a:bodyPr spcFirstLastPara="1" wrap="square" lIns="91425" tIns="91425" rIns="91425" bIns="91425" anchor="t" anchorCtr="0">
             <a:noAutofit/>
           </a:bodyPr>
           <a:lstStyle/>
           <a:p>
-            <a:pPr indent="0" lvl="0" marL="0" rtl="0" algn="l">
+            <a:pPr marL="0" lvl="0" indent="0" algn="l" rtl="0">
               <a:spcBef>
                 <a:spcPts val="0"/>
               </a:spcBef>
@@ -7317,21 +7737,21 @@
               <a:buNone/>
             </a:pPr>
             <a:r>
-              <a:rPr lang="en">
+              <a:rPr lang="en" dirty="0">
                 <a:solidFill>
                   <a:schemeClr val="dk1"/>
                 </a:solidFill>
               </a:rPr>
               <a:t>Dalton: </a:t>
             </a:r>
-            <a:endParaRPr>
+            <a:endParaRPr dirty="0">
               <a:solidFill>
                 <a:schemeClr val="dk1"/>
               </a:solidFill>
             </a:endParaRPr>
           </a:p>
           <a:p>
-            <a:pPr indent="-342900" lvl="0" marL="457200" rtl="0" algn="l">
+            <a:pPr marL="457200" lvl="0" indent="-342900" algn="l" rtl="0">
               <a:spcBef>
                 <a:spcPts val="0"/>
               </a:spcBef>
@@ -7345,21 +7765,21 @@
               <a:buChar char="●"/>
             </a:pPr>
             <a:r>
-              <a:rPr lang="en">
+              <a:rPr lang="en" dirty="0">
                 <a:solidFill>
                   <a:schemeClr val="dk1"/>
                 </a:solidFill>
               </a:rPr>
               <a:t>Macbook Pro, Mac OS</a:t>
             </a:r>
-            <a:endParaRPr>
+            <a:endParaRPr dirty="0">
               <a:solidFill>
                 <a:schemeClr val="dk1"/>
               </a:solidFill>
             </a:endParaRPr>
           </a:p>
           <a:p>
-            <a:pPr indent="0" lvl="0" marL="0" rtl="0" algn="l">
+            <a:pPr marL="0" lvl="0" indent="0" algn="l" rtl="0">
               <a:spcBef>
                 <a:spcPts val="0"/>
               </a:spcBef>
@@ -7369,21 +7789,21 @@
               <a:buNone/>
             </a:pPr>
             <a:r>
-              <a:rPr lang="en">
+              <a:rPr lang="en" dirty="0">
                 <a:solidFill>
                   <a:schemeClr val="dk1"/>
                 </a:solidFill>
               </a:rPr>
               <a:t>Cooper: </a:t>
             </a:r>
-            <a:endParaRPr>
+            <a:endParaRPr dirty="0">
               <a:solidFill>
                 <a:schemeClr val="dk1"/>
               </a:solidFill>
             </a:endParaRPr>
           </a:p>
           <a:p>
-            <a:pPr indent="-342900" lvl="0" marL="457200" rtl="0" algn="l">
+            <a:pPr marL="457200" lvl="0" indent="-342900" algn="l" rtl="0">
               <a:spcBef>
                 <a:spcPts val="0"/>
               </a:spcBef>
@@ -7397,21 +7817,21 @@
               <a:buChar char="●"/>
             </a:pPr>
             <a:r>
-              <a:rPr lang="en">
+              <a:rPr lang="en" dirty="0">
                 <a:solidFill>
                   <a:schemeClr val="dk1"/>
                 </a:solidFill>
               </a:rPr>
               <a:t>Macbook Pro, Mac OS</a:t>
             </a:r>
-            <a:endParaRPr>
+            <a:endParaRPr dirty="0">
               <a:solidFill>
                 <a:schemeClr val="dk1"/>
               </a:solidFill>
             </a:endParaRPr>
           </a:p>
           <a:p>
-            <a:pPr indent="0" lvl="0" marL="0" rtl="0" algn="l">
+            <a:pPr marL="0" lvl="0" indent="0" algn="l" rtl="0">
               <a:spcBef>
                 <a:spcPts val="0"/>
               </a:spcBef>
@@ -7421,21 +7841,21 @@
               <a:buNone/>
             </a:pPr>
             <a:r>
-              <a:rPr lang="en">
+              <a:rPr lang="en" dirty="0">
                 <a:solidFill>
                   <a:schemeClr val="dk1"/>
                 </a:solidFill>
               </a:rPr>
               <a:t>Maya:</a:t>
             </a:r>
-            <a:endParaRPr>
+            <a:endParaRPr dirty="0">
               <a:solidFill>
                 <a:schemeClr val="dk1"/>
               </a:solidFill>
             </a:endParaRPr>
           </a:p>
           <a:p>
-            <a:pPr indent="-342900" lvl="0" marL="457200" rtl="0" algn="l">
+            <a:pPr marL="457200" lvl="0" indent="-342900" algn="l" rtl="0">
               <a:spcBef>
                 <a:spcPts val="0"/>
               </a:spcBef>
@@ -7449,21 +7869,21 @@
               <a:buChar char="●"/>
             </a:pPr>
             <a:r>
-              <a:rPr lang="en">
+              <a:rPr lang="en" dirty="0">
                 <a:solidFill>
                   <a:schemeClr val="dk1"/>
                 </a:solidFill>
               </a:rPr>
               <a:t>Macbook Pro, Mac OS</a:t>
             </a:r>
-            <a:endParaRPr>
+            <a:endParaRPr dirty="0">
               <a:solidFill>
                 <a:schemeClr val="dk1"/>
               </a:solidFill>
             </a:endParaRPr>
           </a:p>
           <a:p>
-            <a:pPr indent="0" lvl="0" marL="0" rtl="0" algn="l">
+            <a:pPr marL="0" lvl="0" indent="0" algn="l" rtl="0">
               <a:spcBef>
                 <a:spcPts val="0"/>
               </a:spcBef>
@@ -7473,21 +7893,21 @@
               <a:buNone/>
             </a:pPr>
             <a:r>
-              <a:rPr lang="en">
+              <a:rPr lang="en" dirty="0">
                 <a:solidFill>
                   <a:schemeClr val="dk1"/>
                 </a:solidFill>
               </a:rPr>
               <a:t>Jade:</a:t>
             </a:r>
-            <a:endParaRPr>
+            <a:endParaRPr dirty="0">
               <a:solidFill>
                 <a:schemeClr val="dk1"/>
               </a:solidFill>
             </a:endParaRPr>
           </a:p>
           <a:p>
-            <a:pPr indent="-342900" lvl="0" marL="457200" rtl="0" algn="l">
+            <a:pPr marL="457200" lvl="0" indent="-342900" algn="l" rtl="0">
               <a:spcBef>
                 <a:spcPts val="0"/>
               </a:spcBef>
@@ -7501,52 +7921,46 @@
               <a:buChar char="●"/>
             </a:pPr>
             <a:r>
-              <a:rPr lang="en">
+              <a:rPr lang="en" dirty="0">
                 <a:solidFill>
                   <a:schemeClr val="dk1"/>
                 </a:solidFill>
               </a:rPr>
               <a:t>Macbook Pro, Mac OS</a:t>
             </a:r>
-            <a:endParaRPr>
+            <a:endParaRPr dirty="0">
               <a:solidFill>
                 <a:schemeClr val="dk1"/>
               </a:solidFill>
             </a:endParaRPr>
           </a:p>
           <a:p>
-            <a:pPr indent="0" lvl="0" marL="0" rtl="0" algn="l">
-              <a:spcBef>
-                <a:spcPts val="0"/>
-              </a:spcBef>
-              <a:spcAft>
-                <a:spcPts val="0"/>
-              </a:spcAft>
-              <a:buNone/>
-            </a:pPr>
-            <a:r>
-              <a:t/>
-            </a:r>
-            <a:endParaRPr>
+            <a:pPr marL="0" lvl="0" indent="0" algn="l" rtl="0">
+              <a:spcBef>
+                <a:spcPts val="0"/>
+              </a:spcBef>
+              <a:spcAft>
+                <a:spcPts val="0"/>
+              </a:spcAft>
+              <a:buNone/>
+            </a:pPr>
+            <a:endParaRPr dirty="0">
               <a:solidFill>
                 <a:schemeClr val="dk1"/>
               </a:solidFill>
             </a:endParaRPr>
           </a:p>
           <a:p>
-            <a:pPr indent="0" lvl="0" marL="0" rtl="0" algn="l">
-              <a:spcBef>
-                <a:spcPts val="0"/>
-              </a:spcBef>
-              <a:spcAft>
-                <a:spcPts val="0"/>
-              </a:spcAft>
-              <a:buNone/>
-            </a:pPr>
-            <a:r>
-              <a:t/>
-            </a:r>
-            <a:endParaRPr>
+            <a:pPr marL="0" lvl="0" indent="0" algn="l" rtl="0">
+              <a:spcBef>
+                <a:spcPts val="0"/>
+              </a:spcBef>
+              <a:spcAft>
+                <a:spcPts val="0"/>
+              </a:spcAft>
+              <a:buNone/>
+            </a:pPr>
+            <a:endParaRPr dirty="0">
               <a:solidFill>
                 <a:schemeClr val="dk1"/>
               </a:solidFill>
@@ -7574,12 +7988,12 @@
           </a:ln>
         </p:spPr>
         <p:txBody>
-          <a:bodyPr anchorCtr="0" anchor="t" bIns="91425" lIns="91425" spcFirstLastPara="1" rIns="91425" wrap="square" tIns="91425">
+          <a:bodyPr spcFirstLastPara="1" wrap="square" lIns="91425" tIns="91425" rIns="91425" bIns="91425" anchor="t" anchorCtr="0">
             <a:noAutofit/>
           </a:bodyPr>
           <a:lstStyle/>
           <a:p>
-            <a:pPr indent="0" lvl="0" marL="0" rtl="0" algn="l">
+            <a:pPr marL="0" lvl="0" indent="0" algn="l" rtl="0">
               <a:lnSpc>
                 <a:spcPct val="115000"/>
               </a:lnSpc>
@@ -7597,14 +8011,14 @@
               <a:buNone/>
             </a:pPr>
             <a:r>
-              <a:rPr lang="en" sz="2000">
+              <a:rPr lang="en" sz="2000" dirty="0">
                 <a:solidFill>
                   <a:schemeClr val="dk1"/>
                 </a:solidFill>
               </a:rPr>
               <a:t>Meeting Times: Saturdays 12:00PM - 2:00PM</a:t>
             </a:r>
-            <a:endParaRPr sz="2000">
+            <a:endParaRPr sz="2000" dirty="0">
               <a:solidFill>
                 <a:schemeClr val="dk1"/>
               </a:solidFill>
@@ -7621,11 +8035,21 @@
 </file>
 
 <file path=ppt/slides/slide3.xml><?xml version="1.0" encoding="utf-8"?>
-<p:sld xmlns:a="http://schemas.openxmlformats.org/drawingml/2006/main" xmlns:r="http://schemas.openxmlformats.org/officeDocument/2006/relationships" xmlns:mc="http://schemas.openxmlformats.org/markup-compatibility/2006" xmlns:mv="urn:schemas-microsoft-com:mac:vml" xmlns:p="http://schemas.openxmlformats.org/presentationml/2006/main" xmlns:c="http://schemas.openxmlformats.org/drawingml/2006/chart" xmlns:dgm="http://schemas.openxmlformats.org/drawingml/2006/diagram" xmlns:o="urn:schemas-microsoft-com:office:office" xmlns:v="urn:schemas-microsoft-com:vml" xmlns:pvml="urn:schemas-microsoft-com:office:powerpoint" xmlns:com="http://schemas.openxmlformats.org/drawingml/2006/compatibility" xmlns:p14="http://schemas.microsoft.com/office/powerpoint/2010/main" xmlns:p15="http://schemas.microsoft.com/office/powerpoint/2012/main" xmlns:ahyp="http://schemas.microsoft.com/office/drawing/2018/hyperlinkcolor">
+<p:sld xmlns:a="http://schemas.openxmlformats.org/drawingml/2006/main" xmlns:r="http://schemas.openxmlformats.org/officeDocument/2006/relationships" xmlns:p="http://schemas.openxmlformats.org/presentationml/2006/main">
   <p:cSld>
+    <p:bg>
+      <p:bgPr>
+        <a:solidFill>
+          <a:schemeClr val="bg1">
+            <a:lumMod val="65000"/>
+          </a:schemeClr>
+        </a:solidFill>
+        <a:effectLst/>
+      </p:bgPr>
+    </p:bg>
     <p:spTree>
       <p:nvGrpSpPr>
-        <p:cNvPr id="66" name="Shape 66"/>
+        <p:cNvPr id="1" name="Shape 66"/>
         <p:cNvGrpSpPr/>
         <p:nvPr/>
       </p:nvGrpSpPr>
@@ -7640,7 +8064,9 @@
       <p:sp>
         <p:nvSpPr>
           <p:cNvPr id="67" name="Google Shape;67;p15"/>
-          <p:cNvSpPr txBox="1"/>
+          <p:cNvSpPr txBox="1">
+            <a:spLocks noGrp="1"/>
+          </p:cNvSpPr>
           <p:nvPr>
             <p:ph type="title"/>
           </p:nvPr>
@@ -7655,12 +8081,12 @@
           </a:prstGeom>
         </p:spPr>
         <p:txBody>
-          <a:bodyPr anchorCtr="0" anchor="t" bIns="91425" lIns="91425" spcFirstLastPara="1" rIns="91425" wrap="square" tIns="91425">
+          <a:bodyPr spcFirstLastPara="1" wrap="square" lIns="91425" tIns="91425" rIns="91425" bIns="91425" anchor="t" anchorCtr="0">
             <a:normAutofit fontScale="90000"/>
           </a:bodyPr>
           <a:lstStyle/>
           <a:p>
-            <a:pPr indent="0" lvl="0" marL="0" rtl="0" algn="l">
+            <a:pPr marL="0" lvl="0" indent="0" algn="l" rtl="0">
               <a:spcBef>
                 <a:spcPts val="0"/>
               </a:spcBef>
@@ -7670,7 +8096,7 @@
               <a:buNone/>
             </a:pPr>
             <a:r>
-              <a:rPr b="1" lang="en"/>
+              <a:rPr lang="en" b="1"/>
               <a:t>Project Information</a:t>
             </a:r>
             <a:endParaRPr b="1"/>
@@ -7680,9 +8106,11 @@
       <p:sp>
         <p:nvSpPr>
           <p:cNvPr id="68" name="Google Shape;68;p15"/>
-          <p:cNvSpPr txBox="1"/>
+          <p:cNvSpPr txBox="1">
+            <a:spLocks noGrp="1"/>
+          </p:cNvSpPr>
           <p:nvPr>
-            <p:ph idx="1" type="body"/>
+            <p:ph type="body" idx="1"/>
           </p:nvPr>
         </p:nvSpPr>
         <p:spPr>
@@ -7695,12 +8123,12 @@
           </a:prstGeom>
         </p:spPr>
         <p:txBody>
-          <a:bodyPr anchorCtr="0" anchor="t" bIns="91425" lIns="91425" spcFirstLastPara="1" rIns="91425" wrap="square" tIns="91425">
+          <a:bodyPr spcFirstLastPara="1" wrap="square" lIns="91425" tIns="91425" rIns="91425" bIns="91425" anchor="t" anchorCtr="0">
             <a:normAutofit/>
           </a:bodyPr>
           <a:lstStyle/>
           <a:p>
-            <a:pPr indent="0" lvl="0" marL="0" rtl="0" algn="just">
+            <a:pPr marL="0" lvl="0" indent="0" algn="just" rtl="0">
               <a:lnSpc>
                 <a:spcPct val="115000"/>
               </a:lnSpc>
@@ -7718,15 +8146,7 @@
                   <a:schemeClr val="dk1"/>
                 </a:solidFill>
               </a:rPr>
-              <a:t>We are planning on creating a game “Nerdle”. We plan on implementing this project using a Angular and Node.js frameworks </a:t>
-            </a:r>
-            <a:r>
-              <a:rPr lang="en">
-                <a:solidFill>
-                  <a:schemeClr val="dk1"/>
-                </a:solidFill>
-              </a:rPr>
-              <a:t>with the end goal of being able to host the working game on GitHub Pages. </a:t>
+              <a:t>We are planning on creating a game “Nerdle”. We plan on implementing this project using a Angular and Node.js frameworks with the end goal of being able to host the working game on GitHub Pages. </a:t>
             </a:r>
             <a:endParaRPr>
               <a:solidFill>
@@ -7735,7 +8155,7 @@
             </a:endParaRPr>
           </a:p>
           <a:p>
-            <a:pPr indent="0" lvl="0" marL="0" rtl="0" algn="just">
+            <a:pPr marL="0" lvl="0" indent="0" algn="just" rtl="0">
               <a:lnSpc>
                 <a:spcPct val="115000"/>
               </a:lnSpc>
@@ -7773,7 +8193,7 @@
           <a:blip r:embed="rId3">
             <a:alphaModFix/>
           </a:blip>
-          <a:srcRect b="14074" l="33080" r="32400" t="0"/>
+          <a:srcRect l="33080" r="32400" b="14074"/>
           <a:stretch/>
         </p:blipFill>
         <p:spPr>
@@ -7799,11 +8219,21 @@
 </file>
 
 <file path=ppt/slides/slide4.xml><?xml version="1.0" encoding="utf-8"?>
-<p:sld xmlns:a="http://schemas.openxmlformats.org/drawingml/2006/main" xmlns:r="http://schemas.openxmlformats.org/officeDocument/2006/relationships" xmlns:mc="http://schemas.openxmlformats.org/markup-compatibility/2006" xmlns:mv="urn:schemas-microsoft-com:mac:vml" xmlns:p="http://schemas.openxmlformats.org/presentationml/2006/main" xmlns:c="http://schemas.openxmlformats.org/drawingml/2006/chart" xmlns:dgm="http://schemas.openxmlformats.org/drawingml/2006/diagram" xmlns:o="urn:schemas-microsoft-com:office:office" xmlns:v="urn:schemas-microsoft-com:vml" xmlns:pvml="urn:schemas-microsoft-com:office:powerpoint" xmlns:com="http://schemas.openxmlformats.org/drawingml/2006/compatibility" xmlns:p14="http://schemas.microsoft.com/office/powerpoint/2010/main" xmlns:p15="http://schemas.microsoft.com/office/powerpoint/2012/main" xmlns:ahyp="http://schemas.microsoft.com/office/drawing/2018/hyperlinkcolor">
+<p:sld xmlns:a="http://schemas.openxmlformats.org/drawingml/2006/main" xmlns:r="http://schemas.openxmlformats.org/officeDocument/2006/relationships" xmlns:p="http://schemas.openxmlformats.org/presentationml/2006/main">
   <p:cSld>
+    <p:bg>
+      <p:bgPr>
+        <a:solidFill>
+          <a:schemeClr val="bg1">
+            <a:lumMod val="65000"/>
+          </a:schemeClr>
+        </a:solidFill>
+        <a:effectLst/>
+      </p:bgPr>
+    </p:bg>
     <p:spTree>
       <p:nvGrpSpPr>
-        <p:cNvPr id="73" name="Shape 73"/>
+        <p:cNvPr id="1" name="Shape 73"/>
         <p:cNvGrpSpPr/>
         <p:nvPr/>
       </p:nvGrpSpPr>
@@ -7818,7 +8248,9 @@
       <p:sp>
         <p:nvSpPr>
           <p:cNvPr id="74" name="Google Shape;74;p16"/>
-          <p:cNvSpPr txBox="1"/>
+          <p:cNvSpPr txBox="1">
+            <a:spLocks noGrp="1"/>
+          </p:cNvSpPr>
           <p:nvPr>
             <p:ph type="title"/>
           </p:nvPr>
@@ -7833,12 +8265,12 @@
           </a:prstGeom>
         </p:spPr>
         <p:txBody>
-          <a:bodyPr anchorCtr="0" anchor="t" bIns="91425" lIns="91425" spcFirstLastPara="1" rIns="91425" wrap="square" tIns="91425">
+          <a:bodyPr spcFirstLastPara="1" wrap="square" lIns="91425" tIns="91425" rIns="91425" bIns="91425" anchor="t" anchorCtr="0">
             <a:normAutofit fontScale="90000"/>
           </a:bodyPr>
           <a:lstStyle/>
           <a:p>
-            <a:pPr indent="0" lvl="0" marL="0" rtl="0" algn="l">
+            <a:pPr marL="0" lvl="0" indent="0" algn="l" rtl="0">
               <a:spcBef>
                 <a:spcPts val="0"/>
               </a:spcBef>
@@ -7848,7 +8280,7 @@
               <a:buNone/>
             </a:pPr>
             <a:r>
-              <a:rPr b="1" lang="en"/>
+              <a:rPr lang="en" b="1"/>
               <a:t>Project Information</a:t>
             </a:r>
             <a:endParaRPr b="1"/>
@@ -7858,9 +8290,11 @@
       <p:sp>
         <p:nvSpPr>
           <p:cNvPr id="75" name="Google Shape;75;p16"/>
-          <p:cNvSpPr txBox="1"/>
+          <p:cNvSpPr txBox="1">
+            <a:spLocks noGrp="1"/>
+          </p:cNvSpPr>
           <p:nvPr>
-            <p:ph idx="1" type="body"/>
+            <p:ph type="body" idx="1"/>
           </p:nvPr>
         </p:nvSpPr>
         <p:spPr>
@@ -7873,12 +8307,12 @@
           </a:prstGeom>
         </p:spPr>
         <p:txBody>
-          <a:bodyPr anchorCtr="0" anchor="t" bIns="91425" lIns="91425" spcFirstLastPara="1" rIns="91425" wrap="square" tIns="91425">
+          <a:bodyPr spcFirstLastPara="1" wrap="square" lIns="91425" tIns="91425" rIns="91425" bIns="91425" anchor="t" anchorCtr="0">
             <a:normAutofit/>
           </a:bodyPr>
           <a:lstStyle/>
           <a:p>
-            <a:pPr indent="0" lvl="0" marL="0" rtl="0" algn="l">
+            <a:pPr marL="0" lvl="0" indent="0" algn="l" rtl="0">
               <a:lnSpc>
                 <a:spcPct val="115000"/>
               </a:lnSpc>
@@ -7905,7 +8339,7 @@
             </a:endParaRPr>
           </a:p>
           <a:p>
-            <a:pPr indent="-342900" lvl="0" marL="457200" rtl="0" algn="l">
+            <a:pPr marL="457200" lvl="0" indent="-342900" algn="l" rtl="0">
               <a:lnSpc>
                 <a:spcPct val="115000"/>
               </a:lnSpc>
@@ -7936,7 +8370,7 @@
             </a:endParaRPr>
           </a:p>
           <a:p>
-            <a:pPr indent="-342900" lvl="0" marL="457200" rtl="0" algn="l">
+            <a:pPr marL="457200" lvl="0" indent="-342900" algn="l" rtl="0">
               <a:lnSpc>
                 <a:spcPct val="115000"/>
               </a:lnSpc>
@@ -7967,7 +8401,7 @@
             </a:endParaRPr>
           </a:p>
           <a:p>
-            <a:pPr indent="-342900" lvl="0" marL="457200" rtl="0" algn="l">
+            <a:pPr marL="457200" lvl="0" indent="-342900" algn="l" rtl="0">
               <a:lnSpc>
                 <a:spcPct val="115000"/>
               </a:lnSpc>
@@ -7998,7 +8432,7 @@
             </a:endParaRPr>
           </a:p>
           <a:p>
-            <a:pPr indent="-342900" lvl="0" marL="457200" rtl="0" algn="l">
+            <a:pPr marL="457200" lvl="0" indent="-342900" algn="l" rtl="0">
               <a:lnSpc>
                 <a:spcPct val="115000"/>
               </a:lnSpc>
@@ -8029,7 +8463,7 @@
             </a:endParaRPr>
           </a:p>
           <a:p>
-            <a:pPr indent="-342900" lvl="0" marL="457200" rtl="0" algn="l">
+            <a:pPr marL="457200" lvl="0" indent="-342900" algn="l" rtl="0">
               <a:lnSpc>
                 <a:spcPct val="115000"/>
               </a:lnSpc>
@@ -8077,12 +8511,12 @@
           </a:ln>
         </p:spPr>
         <p:txBody>
-          <a:bodyPr anchorCtr="0" anchor="t" bIns="91425" lIns="91425" spcFirstLastPara="1" rIns="91425" wrap="square" tIns="91425">
+          <a:bodyPr spcFirstLastPara="1" wrap="square" lIns="91425" tIns="91425" rIns="91425" bIns="91425" anchor="t" anchorCtr="0">
             <a:noAutofit/>
           </a:bodyPr>
           <a:lstStyle/>
           <a:p>
-            <a:pPr indent="0" lvl="0" marL="0" rtl="0" algn="l">
+            <a:pPr marL="0" lvl="0" indent="0" algn="l" rtl="0">
               <a:lnSpc>
                 <a:spcPct val="115000"/>
               </a:lnSpc>
@@ -8109,7 +8543,7 @@
             </a:endParaRPr>
           </a:p>
           <a:p>
-            <a:pPr indent="-342900" lvl="0" marL="457200" rtl="0" algn="l">
+            <a:pPr marL="457200" lvl="0" indent="-342900" algn="l" rtl="0">
               <a:lnSpc>
                 <a:spcPct val="115000"/>
               </a:lnSpc>
@@ -8140,7 +8574,7 @@
             </a:endParaRPr>
           </a:p>
           <a:p>
-            <a:pPr indent="-342900" lvl="1" marL="914400" rtl="0" algn="l">
+            <a:pPr marL="914400" lvl="1" indent="-342900" algn="l" rtl="0">
               <a:lnSpc>
                 <a:spcPct val="115000"/>
               </a:lnSpc>
@@ -8171,7 +8605,7 @@
             </a:endParaRPr>
           </a:p>
           <a:p>
-            <a:pPr indent="-342900" lvl="1" marL="914400" rtl="0" algn="l">
+            <a:pPr marL="914400" lvl="1" indent="-342900" algn="l" rtl="0">
               <a:lnSpc>
                 <a:spcPct val="115000"/>
               </a:lnSpc>
@@ -8202,7 +8636,7 @@
             </a:endParaRPr>
           </a:p>
           <a:p>
-            <a:pPr indent="-342900" lvl="1" marL="914400" rtl="0" algn="l">
+            <a:pPr marL="914400" lvl="1" indent="-342900" algn="l" rtl="0">
               <a:lnSpc>
                 <a:spcPct val="115000"/>
               </a:lnSpc>
@@ -8233,7 +8667,7 @@
             </a:endParaRPr>
           </a:p>
           <a:p>
-            <a:pPr indent="-342900" lvl="0" marL="457200" rtl="0" algn="l">
+            <a:pPr marL="457200" lvl="0" indent="-342900" algn="l" rtl="0">
               <a:lnSpc>
                 <a:spcPct val="115000"/>
               </a:lnSpc>
@@ -8264,7 +8698,7 @@
             </a:endParaRPr>
           </a:p>
           <a:p>
-            <a:pPr indent="-342900" lvl="1" marL="914400" rtl="0" algn="l">
+            <a:pPr marL="914400" lvl="1" indent="-342900" algn="l" rtl="0">
               <a:lnSpc>
                 <a:spcPct val="115000"/>
               </a:lnSpc>
@@ -8295,7 +8729,7 @@
             </a:endParaRPr>
           </a:p>
           <a:p>
-            <a:pPr indent="-342900" lvl="1" marL="914400" rtl="0" algn="l">
+            <a:pPr marL="914400" lvl="1" indent="-342900" algn="l" rtl="0">
               <a:lnSpc>
                 <a:spcPct val="115000"/>
               </a:lnSpc>
@@ -8326,7 +8760,7 @@
             </a:endParaRPr>
           </a:p>
           <a:p>
-            <a:pPr indent="-342900" lvl="1" marL="914400" rtl="0" algn="l">
+            <a:pPr marL="914400" lvl="1" indent="-342900" algn="l" rtl="0">
               <a:lnSpc>
                 <a:spcPct val="115000"/>
               </a:lnSpc>
@@ -8367,11 +8801,77 @@
 </file>
 
 <file path=ppt/slides/slide5.xml><?xml version="1.0" encoding="utf-8"?>
-<p:sld xmlns:a="http://schemas.openxmlformats.org/drawingml/2006/main" xmlns:r="http://schemas.openxmlformats.org/officeDocument/2006/relationships" xmlns:mc="http://schemas.openxmlformats.org/markup-compatibility/2006" xmlns:mv="urn:schemas-microsoft-com:mac:vml" xmlns:p="http://schemas.openxmlformats.org/presentationml/2006/main" xmlns:c="http://schemas.openxmlformats.org/drawingml/2006/chart" xmlns:dgm="http://schemas.openxmlformats.org/drawingml/2006/diagram" xmlns:o="urn:schemas-microsoft-com:office:office" xmlns:v="urn:schemas-microsoft-com:vml" xmlns:pvml="urn:schemas-microsoft-com:office:powerpoint" xmlns:com="http://schemas.openxmlformats.org/drawingml/2006/compatibility" xmlns:p14="http://schemas.microsoft.com/office/powerpoint/2010/main" xmlns:p15="http://schemas.microsoft.com/office/powerpoint/2012/main" xmlns:ahyp="http://schemas.microsoft.com/office/drawing/2018/hyperlinkcolor">
+<p:sld xmlns:a="http://schemas.openxmlformats.org/drawingml/2006/main" xmlns:r="http://schemas.openxmlformats.org/officeDocument/2006/relationships" xmlns:p="http://schemas.openxmlformats.org/presentationml/2006/main">
   <p:cSld>
     <p:spTree>
       <p:nvGrpSpPr>
-        <p:cNvPr id="80" name="Shape 80"/>
+        <p:cNvPr id="1" name=""/>
+        <p:cNvGrpSpPr/>
+        <p:nvPr/>
+      </p:nvGrpSpPr>
+      <p:grpSpPr>
+        <a:xfrm>
+          <a:off x="0" y="0"/>
+          <a:ext cx="0" cy="0"/>
+          <a:chOff x="0" y="0"/>
+          <a:chExt cx="0" cy="0"/>
+        </a:xfrm>
+      </p:grpSpPr>
+      <p:sp>
+        <p:nvSpPr>
+          <p:cNvPr id="2" name="Title 1">
+            <a:extLst>
+              <a:ext uri="{FF2B5EF4-FFF2-40B4-BE49-F238E27FC236}">
+                <a16:creationId xmlns:a16="http://schemas.microsoft.com/office/drawing/2014/main" id="{E45A98FA-629C-8574-EB76-5DF481824489}"/>
+              </a:ext>
+            </a:extLst>
+          </p:cNvPr>
+          <p:cNvSpPr>
+            <a:spLocks noGrp="1"/>
+          </p:cNvSpPr>
+          <p:nvPr>
+            <p:ph type="title"/>
+          </p:nvPr>
+        </p:nvSpPr>
+        <p:spPr>
+          <a:xfrm>
+            <a:off x="311700" y="1831917"/>
+            <a:ext cx="8520600" cy="572700"/>
+          </a:xfrm>
+        </p:spPr>
+        <p:txBody>
+          <a:bodyPr>
+            <a:normAutofit fontScale="90000"/>
+          </a:bodyPr>
+          <a:lstStyle/>
+          <a:p>
+            <a:pPr algn="ctr"/>
+            <a:r>
+              <a:rPr lang="en-US" dirty="0"/>
+              <a:t>Grading Items</a:t>
+            </a:r>
+          </a:p>
+        </p:txBody>
+      </p:sp>
+    </p:spTree>
+    <p:extLst>
+      <p:ext uri="{BB962C8B-B14F-4D97-AF65-F5344CB8AC3E}">
+        <p14:creationId xmlns:p14="http://schemas.microsoft.com/office/powerpoint/2010/main" val="1226595261"/>
+      </p:ext>
+    </p:extLst>
+  </p:cSld>
+  <p:clrMapOvr>
+    <a:masterClrMapping/>
+  </p:clrMapOvr>
+</p:sld>
+</file>
+
+<file path=ppt/slides/slide6.xml><?xml version="1.0" encoding="utf-8"?>
+<p:sld xmlns:a="http://schemas.openxmlformats.org/drawingml/2006/main" xmlns:r="http://schemas.openxmlformats.org/officeDocument/2006/relationships" xmlns:p="http://schemas.openxmlformats.org/presentationml/2006/main">
+  <p:cSld>
+    <p:spTree>
+      <p:nvGrpSpPr>
+        <p:cNvPr id="1" name="Shape 80"/>
         <p:cNvGrpSpPr/>
         <p:nvPr/>
       </p:nvGrpSpPr>
@@ -8386,7 +8886,9 @@
       <p:sp>
         <p:nvSpPr>
           <p:cNvPr id="81" name="Google Shape;81;p17"/>
-          <p:cNvSpPr txBox="1"/>
+          <p:cNvSpPr txBox="1">
+            <a:spLocks noGrp="1"/>
+          </p:cNvSpPr>
           <p:nvPr>
             <p:ph type="title"/>
           </p:nvPr>
@@ -8401,12 +8903,12 @@
           </a:prstGeom>
         </p:spPr>
         <p:txBody>
-          <a:bodyPr anchorCtr="0" anchor="t" bIns="91425" lIns="91425" spcFirstLastPara="1" rIns="91425" wrap="square" tIns="91425">
+          <a:bodyPr spcFirstLastPara="1" wrap="square" lIns="91425" tIns="91425" rIns="91425" bIns="91425" anchor="t" anchorCtr="0">
             <a:normAutofit fontScale="90000"/>
           </a:bodyPr>
           <a:lstStyle/>
           <a:p>
-            <a:pPr indent="0" lvl="0" marL="0" rtl="0" algn="l">
+            <a:pPr marL="0" lvl="0" indent="0" algn="l" rtl="0">
               <a:spcBef>
                 <a:spcPts val="0"/>
               </a:spcBef>
@@ -8416,7 +8918,7 @@
               <a:buNone/>
             </a:pPr>
             <a:r>
-              <a:rPr b="1" lang="en"/>
+              <a:rPr lang="en" b="1"/>
               <a:t>Past Work Summary </a:t>
             </a:r>
             <a:endParaRPr b="1"/>
@@ -8426,9 +8928,11 @@
       <p:sp>
         <p:nvSpPr>
           <p:cNvPr id="82" name="Google Shape;82;p17"/>
-          <p:cNvSpPr txBox="1"/>
+          <p:cNvSpPr txBox="1">
+            <a:spLocks noGrp="1"/>
+          </p:cNvSpPr>
           <p:nvPr>
-            <p:ph idx="1" type="body"/>
+            <p:ph type="body" idx="1"/>
           </p:nvPr>
         </p:nvSpPr>
         <p:spPr>
@@ -8441,12 +8945,12 @@
           </a:prstGeom>
         </p:spPr>
         <p:txBody>
-          <a:bodyPr anchorCtr="0" anchor="t" bIns="91425" lIns="91425" spcFirstLastPara="1" rIns="91425" wrap="square" tIns="91425">
+          <a:bodyPr spcFirstLastPara="1" wrap="square" lIns="91425" tIns="91425" rIns="91425" bIns="91425" anchor="t" anchorCtr="0">
             <a:normAutofit/>
           </a:bodyPr>
           <a:lstStyle/>
           <a:p>
-            <a:pPr indent="-342900" lvl="0" marL="457200" rtl="0" algn="l">
+            <a:pPr marL="457200" lvl="0" indent="-342900" algn="l" rtl="0">
               <a:spcBef>
                 <a:spcPts val="0"/>
               </a:spcBef>
@@ -8474,7 +8978,7 @@
             </a:endParaRPr>
           </a:p>
           <a:p>
-            <a:pPr indent="-342900" lvl="0" marL="457200" rtl="0" algn="l">
+            <a:pPr marL="457200" lvl="0" indent="-342900" algn="l" rtl="0">
               <a:spcBef>
                 <a:spcPts val="1000"/>
               </a:spcBef>
@@ -8502,7 +9006,7 @@
             </a:endParaRPr>
           </a:p>
           <a:p>
-            <a:pPr indent="-317500" lvl="1" marL="914400" rtl="0" algn="l">
+            <a:pPr marL="914400" lvl="1" indent="-317500" algn="l" rtl="0">
               <a:spcBef>
                 <a:spcPts val="1000"/>
               </a:spcBef>
@@ -8530,7 +9034,7 @@
             </a:endParaRPr>
           </a:p>
           <a:p>
-            <a:pPr indent="-317500" lvl="1" marL="914400" rtl="0" algn="l">
+            <a:pPr marL="914400" lvl="1" indent="-317500" algn="l" rtl="0">
               <a:spcBef>
                 <a:spcPts val="1000"/>
               </a:spcBef>
@@ -8558,7 +9062,7 @@
             </a:endParaRPr>
           </a:p>
           <a:p>
-            <a:pPr indent="-342900" lvl="0" marL="457200" rtl="0" algn="l">
+            <a:pPr marL="457200" lvl="0" indent="-342900" algn="l" rtl="0">
               <a:spcBef>
                 <a:spcPts val="1000"/>
               </a:spcBef>
@@ -8586,7 +9090,7 @@
             </a:endParaRPr>
           </a:p>
           <a:p>
-            <a:pPr indent="-342900" lvl="0" marL="457200" rtl="0" algn="l">
+            <a:pPr marL="457200" lvl="0" indent="-342900" algn="l" rtl="0">
               <a:spcBef>
                 <a:spcPts val="1000"/>
               </a:spcBef>
@@ -8623,12 +9127,12 @@
 </p:sld>
 </file>
 
-<file path=ppt/slides/slide6.xml><?xml version="1.0" encoding="utf-8"?>
-<p:sld xmlns:a="http://schemas.openxmlformats.org/drawingml/2006/main" xmlns:r="http://schemas.openxmlformats.org/officeDocument/2006/relationships" xmlns:mc="http://schemas.openxmlformats.org/markup-compatibility/2006" xmlns:mv="urn:schemas-microsoft-com:mac:vml" xmlns:p="http://schemas.openxmlformats.org/presentationml/2006/main" xmlns:c="http://schemas.openxmlformats.org/drawingml/2006/chart" xmlns:dgm="http://schemas.openxmlformats.org/drawingml/2006/diagram" xmlns:o="urn:schemas-microsoft-com:office:office" xmlns:v="urn:schemas-microsoft-com:vml" xmlns:pvml="urn:schemas-microsoft-com:office:powerpoint" xmlns:com="http://schemas.openxmlformats.org/drawingml/2006/compatibility" xmlns:p14="http://schemas.microsoft.com/office/powerpoint/2010/main" xmlns:p15="http://schemas.microsoft.com/office/powerpoint/2012/main" xmlns:ahyp="http://schemas.microsoft.com/office/drawing/2018/hyperlinkcolor">
+<file path=ppt/slides/slide7.xml><?xml version="1.0" encoding="utf-8"?>
+<p:sld xmlns:a="http://schemas.openxmlformats.org/drawingml/2006/main" xmlns:r="http://schemas.openxmlformats.org/officeDocument/2006/relationships" xmlns:p="http://schemas.openxmlformats.org/presentationml/2006/main">
   <p:cSld>
     <p:spTree>
       <p:nvGrpSpPr>
-        <p:cNvPr id="86" name="Shape 86"/>
+        <p:cNvPr id="1" name="Shape 86"/>
         <p:cNvGrpSpPr/>
         <p:nvPr/>
       </p:nvGrpSpPr>
@@ -8643,7 +9147,9 @@
       <p:sp>
         <p:nvSpPr>
           <p:cNvPr id="87" name="Google Shape;87;p18"/>
-          <p:cNvSpPr txBox="1"/>
+          <p:cNvSpPr txBox="1">
+            <a:spLocks noGrp="1"/>
+          </p:cNvSpPr>
           <p:nvPr>
             <p:ph type="title"/>
           </p:nvPr>
@@ -8658,12 +9164,12 @@
           </a:prstGeom>
         </p:spPr>
         <p:txBody>
-          <a:bodyPr anchorCtr="0" anchor="t" bIns="91425" lIns="91425" spcFirstLastPara="1" rIns="91425" wrap="square" tIns="91425">
+          <a:bodyPr spcFirstLastPara="1" wrap="square" lIns="91425" tIns="91425" rIns="91425" bIns="91425" anchor="t" anchorCtr="0">
             <a:normAutofit fontScale="90000"/>
           </a:bodyPr>
           <a:lstStyle/>
           <a:p>
-            <a:pPr indent="0" lvl="0" marL="0" rtl="0" algn="l">
+            <a:pPr marL="0" lvl="0" indent="0" algn="l" rtl="0">
               <a:spcBef>
                 <a:spcPts val="0"/>
               </a:spcBef>
@@ -8673,7 +9179,7 @@
               <a:buNone/>
             </a:pPr>
             <a:r>
-              <a:rPr b="1" lang="en"/>
+              <a:rPr lang="en" b="1"/>
               <a:t>Meeting Attendance Sheet</a:t>
             </a:r>
             <a:endParaRPr b="1"/>
@@ -8683,9 +9189,11 @@
       <p:sp>
         <p:nvSpPr>
           <p:cNvPr id="88" name="Google Shape;88;p18"/>
-          <p:cNvSpPr txBox="1"/>
+          <p:cNvSpPr txBox="1">
+            <a:spLocks noGrp="1"/>
+          </p:cNvSpPr>
           <p:nvPr>
-            <p:ph idx="1" type="body"/>
+            <p:ph type="body" idx="1"/>
           </p:nvPr>
         </p:nvSpPr>
         <p:spPr>
@@ -8698,12 +9206,12 @@
           </a:prstGeom>
         </p:spPr>
         <p:txBody>
-          <a:bodyPr anchorCtr="0" anchor="t" bIns="91425" lIns="91425" spcFirstLastPara="1" rIns="91425" wrap="square" tIns="91425">
+          <a:bodyPr spcFirstLastPara="1" wrap="square" lIns="91425" tIns="91425" rIns="91425" bIns="91425" anchor="t" anchorCtr="0">
             <a:normAutofit/>
           </a:bodyPr>
           <a:lstStyle/>
           <a:p>
-            <a:pPr indent="0" lvl="0" marL="0" rtl="0" algn="l">
+            <a:pPr marL="0" lvl="0" indent="0" algn="l" rtl="0">
               <a:spcBef>
                 <a:spcPts val="0"/>
               </a:spcBef>
@@ -8713,21 +9221,21 @@
               <a:buNone/>
             </a:pPr>
             <a:r>
-              <a:rPr lang="en">
+              <a:rPr lang="en" dirty="0">
                 <a:solidFill>
                   <a:schemeClr val="dk1"/>
                 </a:solidFill>
               </a:rPr>
               <a:t>02/03/2024 - All members attended</a:t>
             </a:r>
-            <a:endParaRPr>
+            <a:endParaRPr dirty="0">
               <a:solidFill>
                 <a:schemeClr val="dk1"/>
               </a:solidFill>
             </a:endParaRPr>
           </a:p>
           <a:p>
-            <a:pPr indent="0" lvl="0" marL="0" rtl="0" algn="l">
+            <a:pPr marL="0" lvl="0" indent="0" algn="l" rtl="0">
               <a:spcBef>
                 <a:spcPts val="1200"/>
               </a:spcBef>
@@ -8737,14 +9245,44 @@
               <a:buNone/>
             </a:pPr>
             <a:r>
-              <a:rPr lang="en">
+              <a:rPr lang="en" dirty="0">
                 <a:solidFill>
                   <a:schemeClr val="dk1"/>
                 </a:solidFill>
               </a:rPr>
               <a:t>02/10/2024 - All members attended</a:t>
             </a:r>
-            <a:endParaRPr>
+          </a:p>
+          <a:p>
+            <a:pPr marL="0" indent="0">
+              <a:spcBef>
+                <a:spcPts val="1200"/>
+              </a:spcBef>
+              <a:spcAft>
+                <a:spcPts val="1200"/>
+              </a:spcAft>
+              <a:buNone/>
+            </a:pPr>
+            <a:r>
+              <a:rPr lang="en-US" sz="1800" dirty="0">
+                <a:solidFill>
+                  <a:schemeClr val="dk1"/>
+                </a:solidFill>
+              </a:rPr>
+              <a:t>Meeting Times: Saturdays 12:00PM - 2:00PM</a:t>
+            </a:r>
+          </a:p>
+          <a:p>
+            <a:pPr marL="0" lvl="0" indent="0" algn="l" rtl="0">
+              <a:spcBef>
+                <a:spcPts val="1200"/>
+              </a:spcBef>
+              <a:spcAft>
+                <a:spcPts val="1200"/>
+              </a:spcAft>
+              <a:buNone/>
+            </a:pPr>
+            <a:endParaRPr dirty="0">
               <a:solidFill>
                 <a:schemeClr val="dk1"/>
               </a:solidFill>
@@ -8760,12 +9298,12 @@
 </p:sld>
 </file>
 
-<file path=ppt/slides/slide7.xml><?xml version="1.0" encoding="utf-8"?>
-<p:sld xmlns:a="http://schemas.openxmlformats.org/drawingml/2006/main" xmlns:r="http://schemas.openxmlformats.org/officeDocument/2006/relationships" xmlns:mc="http://schemas.openxmlformats.org/markup-compatibility/2006" xmlns:mv="urn:schemas-microsoft-com:mac:vml" xmlns:p="http://schemas.openxmlformats.org/presentationml/2006/main" xmlns:c="http://schemas.openxmlformats.org/drawingml/2006/chart" xmlns:dgm="http://schemas.openxmlformats.org/drawingml/2006/diagram" xmlns:o="urn:schemas-microsoft-com:office:office" xmlns:v="urn:schemas-microsoft-com:vml" xmlns:pvml="urn:schemas-microsoft-com:office:powerpoint" xmlns:com="http://schemas.openxmlformats.org/drawingml/2006/compatibility" xmlns:p14="http://schemas.microsoft.com/office/powerpoint/2010/main" xmlns:p15="http://schemas.microsoft.com/office/powerpoint/2012/main" xmlns:ahyp="http://schemas.microsoft.com/office/drawing/2018/hyperlinkcolor">
+<file path=ppt/slides/slide8.xml><?xml version="1.0" encoding="utf-8"?>
+<p:sld xmlns:a="http://schemas.openxmlformats.org/drawingml/2006/main" xmlns:r="http://schemas.openxmlformats.org/officeDocument/2006/relationships" xmlns:p="http://schemas.openxmlformats.org/presentationml/2006/main">
   <p:cSld>
     <p:spTree>
       <p:nvGrpSpPr>
-        <p:cNvPr id="92" name="Shape 92"/>
+        <p:cNvPr id="1" name="Shape 92"/>
         <p:cNvGrpSpPr/>
         <p:nvPr/>
       </p:nvGrpSpPr>
@@ -8780,7 +9318,9 @@
       <p:sp>
         <p:nvSpPr>
           <p:cNvPr id="93" name="Google Shape;93;p19"/>
-          <p:cNvSpPr txBox="1"/>
+          <p:cNvSpPr txBox="1">
+            <a:spLocks noGrp="1"/>
+          </p:cNvSpPr>
           <p:nvPr>
             <p:ph type="title"/>
           </p:nvPr>
@@ -8795,12 +9335,12 @@
           </a:prstGeom>
         </p:spPr>
         <p:txBody>
-          <a:bodyPr anchorCtr="0" anchor="t" bIns="91425" lIns="91425" spcFirstLastPara="1" rIns="91425" wrap="square" tIns="91425">
+          <a:bodyPr spcFirstLastPara="1" wrap="square" lIns="91425" tIns="91425" rIns="91425" bIns="91425" anchor="t" anchorCtr="0">
             <a:normAutofit fontScale="90000"/>
           </a:bodyPr>
           <a:lstStyle/>
           <a:p>
-            <a:pPr indent="0" lvl="0" marL="0" rtl="0" algn="l">
+            <a:pPr marL="0" lvl="0" indent="0" algn="l" rtl="0">
               <a:spcBef>
                 <a:spcPts val="0"/>
               </a:spcBef>
@@ -8810,7 +9350,7 @@
               <a:buNone/>
             </a:pPr>
             <a:r>
-              <a:rPr b="1" lang="en"/>
+              <a:rPr lang="en" b="1"/>
               <a:t>Cooper Young</a:t>
             </a:r>
             <a:endParaRPr b="1"/>
@@ -8865,12 +9405,12 @@
           </a:ln>
         </p:spPr>
         <p:txBody>
-          <a:bodyPr anchorCtr="0" anchor="t" bIns="91425" lIns="91425" spcFirstLastPara="1" rIns="91425" wrap="square" tIns="91425">
+          <a:bodyPr spcFirstLastPara="1" wrap="square" lIns="91425" tIns="91425" rIns="91425" bIns="91425" anchor="t" anchorCtr="0">
             <a:noAutofit/>
           </a:bodyPr>
           <a:lstStyle/>
           <a:p>
-            <a:pPr indent="-330200" lvl="0" marL="457200" rtl="0" algn="l">
+            <a:pPr marL="457200" lvl="0" indent="-330200" algn="l" rtl="0">
               <a:spcBef>
                 <a:spcPts val="0"/>
               </a:spcBef>
@@ -8898,7 +9438,7 @@
             </a:endParaRPr>
           </a:p>
           <a:p>
-            <a:pPr indent="-330200" lvl="1" marL="914400" rtl="0" algn="l">
+            <a:pPr marL="914400" lvl="1" indent="-330200" algn="l" rtl="0">
               <a:spcBef>
                 <a:spcPts val="0"/>
               </a:spcBef>
@@ -8926,18 +9466,15 @@
             </a:endParaRPr>
           </a:p>
           <a:p>
-            <a:pPr indent="0" lvl="0" marL="0" rtl="0" algn="l">
-              <a:spcBef>
-                <a:spcPts val="0"/>
-              </a:spcBef>
-              <a:spcAft>
-                <a:spcPts val="0"/>
-              </a:spcAft>
-              <a:buNone/>
-            </a:pPr>
-            <a:r>
-              <a:t/>
-            </a:r>
+            <a:pPr marL="0" lvl="0" indent="0" algn="l" rtl="0">
+              <a:spcBef>
+                <a:spcPts val="0"/>
+              </a:spcBef>
+              <a:spcAft>
+                <a:spcPts val="0"/>
+              </a:spcAft>
+              <a:buNone/>
+            </a:pPr>
             <a:endParaRPr sz="1600">
               <a:solidFill>
                 <a:schemeClr val="dk1"/>
@@ -8945,18 +9482,15 @@
             </a:endParaRPr>
           </a:p>
           <a:p>
-            <a:pPr indent="0" lvl="0" marL="0" rtl="0" algn="l">
-              <a:spcBef>
-                <a:spcPts val="0"/>
-              </a:spcBef>
-              <a:spcAft>
-                <a:spcPts val="0"/>
-              </a:spcAft>
-              <a:buNone/>
-            </a:pPr>
-            <a:r>
-              <a:t/>
-            </a:r>
+            <a:pPr marL="0" lvl="0" indent="0" algn="l" rtl="0">
+              <a:spcBef>
+                <a:spcPts val="0"/>
+              </a:spcBef>
+              <a:spcAft>
+                <a:spcPts val="0"/>
+              </a:spcAft>
+              <a:buNone/>
+            </a:pPr>
             <a:endParaRPr sz="1600">
               <a:solidFill>
                 <a:schemeClr val="dk1"/>
@@ -8964,7 +9498,7 @@
             </a:endParaRPr>
           </a:p>
           <a:p>
-            <a:pPr indent="0" lvl="0" marL="0" rtl="0" algn="l">
+            <a:pPr marL="0" lvl="0" indent="0" algn="l" rtl="0">
               <a:spcBef>
                 <a:spcPts val="0"/>
               </a:spcBef>
@@ -8986,7 +9520,7 @@
                 <a:hlinkClick r:id="rId4">
                   <a:extLst>
                     <a:ext uri="{A12FA001-AC4F-418D-AE19-62706E023703}">
-                      <ahyp:hlinkClr val="tx"/>
+                      <ahyp:hlinkClr xmlns:ahyp="http://schemas.microsoft.com/office/drawing/2018/hyperlinkcolor" val="tx"/>
                     </a:ext>
                   </a:extLst>
                 </a:hlinkClick>
@@ -9009,12 +9543,12 @@
 </p:sld>
 </file>
 
-<file path=ppt/slides/slide8.xml><?xml version="1.0" encoding="utf-8"?>
-<p:sld xmlns:a="http://schemas.openxmlformats.org/drawingml/2006/main" xmlns:r="http://schemas.openxmlformats.org/officeDocument/2006/relationships" xmlns:mc="http://schemas.openxmlformats.org/markup-compatibility/2006" xmlns:mv="urn:schemas-microsoft-com:mac:vml" xmlns:p="http://schemas.openxmlformats.org/presentationml/2006/main" xmlns:c="http://schemas.openxmlformats.org/drawingml/2006/chart" xmlns:dgm="http://schemas.openxmlformats.org/drawingml/2006/diagram" xmlns:o="urn:schemas-microsoft-com:office:office" xmlns:v="urn:schemas-microsoft-com:vml" xmlns:pvml="urn:schemas-microsoft-com:office:powerpoint" xmlns:com="http://schemas.openxmlformats.org/drawingml/2006/compatibility" xmlns:p14="http://schemas.microsoft.com/office/powerpoint/2010/main" xmlns:p15="http://schemas.microsoft.com/office/powerpoint/2012/main" xmlns:ahyp="http://schemas.microsoft.com/office/drawing/2018/hyperlinkcolor">
+<file path=ppt/slides/slide9.xml><?xml version="1.0" encoding="utf-8"?>
+<p:sld xmlns:a="http://schemas.openxmlformats.org/drawingml/2006/main" xmlns:r="http://schemas.openxmlformats.org/officeDocument/2006/relationships" xmlns:p="http://schemas.openxmlformats.org/presentationml/2006/main">
   <p:cSld>
     <p:spTree>
       <p:nvGrpSpPr>
-        <p:cNvPr id="99" name="Shape 99"/>
+        <p:cNvPr id="1" name="Shape 99"/>
         <p:cNvGrpSpPr/>
         <p:nvPr/>
       </p:nvGrpSpPr>
@@ -9029,7 +9563,9 @@
       <p:sp>
         <p:nvSpPr>
           <p:cNvPr id="100" name="Google Shape;100;p20"/>
-          <p:cNvSpPr txBox="1"/>
+          <p:cNvSpPr txBox="1">
+            <a:spLocks noGrp="1"/>
+          </p:cNvSpPr>
           <p:nvPr>
             <p:ph type="title"/>
           </p:nvPr>
@@ -9044,12 +9580,12 @@
           </a:prstGeom>
         </p:spPr>
         <p:txBody>
-          <a:bodyPr anchorCtr="0" anchor="t" bIns="91425" lIns="91425" spcFirstLastPara="1" rIns="91425" wrap="square" tIns="91425">
+          <a:bodyPr spcFirstLastPara="1" wrap="square" lIns="91425" tIns="91425" rIns="91425" bIns="91425" anchor="t" anchorCtr="0">
             <a:normAutofit fontScale="90000"/>
           </a:bodyPr>
           <a:lstStyle/>
           <a:p>
-            <a:pPr indent="0" lvl="0" marL="0" rtl="0" algn="l">
+            <a:pPr marL="0" lvl="0" indent="0" algn="l" rtl="0">
               <a:spcBef>
                 <a:spcPts val="0"/>
               </a:spcBef>
@@ -9059,7 +9595,7 @@
               <a:buNone/>
             </a:pPr>
             <a:r>
-              <a:rPr b="1" lang="en"/>
+              <a:rPr lang="en" b="1"/>
               <a:t>Maya Roediger</a:t>
             </a:r>
             <a:endParaRPr b="1"/>
@@ -9069,9 +9605,11 @@
       <p:sp>
         <p:nvSpPr>
           <p:cNvPr id="101" name="Google Shape;101;p20"/>
-          <p:cNvSpPr txBox="1"/>
+          <p:cNvSpPr txBox="1">
+            <a:spLocks noGrp="1"/>
+          </p:cNvSpPr>
           <p:nvPr>
-            <p:ph idx="1" type="body"/>
+            <p:ph type="body" idx="1"/>
           </p:nvPr>
         </p:nvSpPr>
         <p:spPr>
@@ -9084,12 +9622,12 @@
           </a:prstGeom>
         </p:spPr>
         <p:txBody>
-          <a:bodyPr anchorCtr="0" anchor="t" bIns="91425" lIns="91425" spcFirstLastPara="1" rIns="91425" wrap="square" tIns="91425">
+          <a:bodyPr spcFirstLastPara="1" wrap="square" lIns="91425" tIns="91425" rIns="91425" bIns="91425" anchor="t" anchorCtr="0">
             <a:noAutofit/>
           </a:bodyPr>
           <a:lstStyle/>
           <a:p>
-            <a:pPr indent="-330200" lvl="0" marL="457200" rtl="0" algn="l">
+            <a:pPr marL="457200" lvl="0" indent="-330200" algn="l" rtl="0">
               <a:spcBef>
                 <a:spcPts val="0"/>
               </a:spcBef>
@@ -9117,7 +9655,7 @@
             </a:endParaRPr>
           </a:p>
           <a:p>
-            <a:pPr indent="-330200" lvl="0" marL="457200" rtl="0" algn="l">
+            <a:pPr marL="457200" lvl="0" indent="-330200" algn="l" rtl="0">
               <a:spcBef>
                 <a:spcPts val="0"/>
               </a:spcBef>
@@ -9145,7 +9683,7 @@
             </a:endParaRPr>
           </a:p>
           <a:p>
-            <a:pPr indent="-330200" lvl="1" marL="914400" rtl="0" algn="l">
+            <a:pPr marL="914400" lvl="1" indent="-330200" algn="l" rtl="0">
               <a:spcBef>
                 <a:spcPts val="0"/>
               </a:spcBef>
@@ -9173,7 +9711,7 @@
             </a:endParaRPr>
           </a:p>
           <a:p>
-            <a:pPr indent="0" lvl="0" marL="0" rtl="0" algn="l">
+            <a:pPr marL="0" lvl="0" indent="0" algn="l" rtl="0">
               <a:spcBef>
                 <a:spcPts val="1200"/>
               </a:spcBef>
@@ -9182,13 +9720,10 @@
               </a:spcAft>
               <a:buNone/>
             </a:pPr>
-            <a:r>
-              <a:t/>
-            </a:r>
             <a:endParaRPr sz="1600"/>
           </a:p>
           <a:p>
-            <a:pPr indent="0" lvl="0" marL="0" rtl="0" algn="l">
+            <a:pPr marL="0" lvl="0" indent="0" algn="l" rtl="0">
               <a:spcBef>
                 <a:spcPts val="1200"/>
               </a:spcBef>
@@ -9246,233 +9781,8 @@
 </p:sld>
 </file>
 
-<file path=ppt/slides/slide9.xml><?xml version="1.0" encoding="utf-8"?>
-<p:sld xmlns:a="http://schemas.openxmlformats.org/drawingml/2006/main" xmlns:r="http://schemas.openxmlformats.org/officeDocument/2006/relationships" xmlns:mc="http://schemas.openxmlformats.org/markup-compatibility/2006" xmlns:mv="urn:schemas-microsoft-com:mac:vml" xmlns:p="http://schemas.openxmlformats.org/presentationml/2006/main" xmlns:c="http://schemas.openxmlformats.org/drawingml/2006/chart" xmlns:dgm="http://schemas.openxmlformats.org/drawingml/2006/diagram" xmlns:o="urn:schemas-microsoft-com:office:office" xmlns:v="urn:schemas-microsoft-com:vml" xmlns:pvml="urn:schemas-microsoft-com:office:powerpoint" xmlns:com="http://schemas.openxmlformats.org/drawingml/2006/compatibility" xmlns:p14="http://schemas.microsoft.com/office/powerpoint/2010/main" xmlns:p15="http://schemas.microsoft.com/office/powerpoint/2012/main" xmlns:ahyp="http://schemas.microsoft.com/office/drawing/2018/hyperlinkcolor">
-  <p:cSld>
-    <p:spTree>
-      <p:nvGrpSpPr>
-        <p:cNvPr id="106" name="Shape 106"/>
-        <p:cNvGrpSpPr/>
-        <p:nvPr/>
-      </p:nvGrpSpPr>
-      <p:grpSpPr>
-        <a:xfrm>
-          <a:off x="0" y="0"/>
-          <a:ext cx="0" cy="0"/>
-          <a:chOff x="0" y="0"/>
-          <a:chExt cx="0" cy="0"/>
-        </a:xfrm>
-      </p:grpSpPr>
-      <p:sp>
-        <p:nvSpPr>
-          <p:cNvPr id="107" name="Google Shape;107;p21"/>
-          <p:cNvSpPr txBox="1"/>
-          <p:nvPr>
-            <p:ph type="title"/>
-          </p:nvPr>
-        </p:nvSpPr>
-        <p:spPr>
-          <a:xfrm>
-            <a:off x="311700" y="445025"/>
-            <a:ext cx="8520600" cy="572700"/>
-          </a:xfrm>
-          <a:prstGeom prst="rect">
-            <a:avLst/>
-          </a:prstGeom>
-        </p:spPr>
-        <p:txBody>
-          <a:bodyPr anchorCtr="0" anchor="t" bIns="91425" lIns="91425" spcFirstLastPara="1" rIns="91425" wrap="square" tIns="91425">
-            <a:normAutofit fontScale="90000"/>
-          </a:bodyPr>
-          <a:lstStyle/>
-          <a:p>
-            <a:pPr indent="0" lvl="0" marL="0" rtl="0" algn="l">
-              <a:spcBef>
-                <a:spcPts val="0"/>
-              </a:spcBef>
-              <a:spcAft>
-                <a:spcPts val="0"/>
-              </a:spcAft>
-              <a:buNone/>
-            </a:pPr>
-            <a:r>
-              <a:rPr b="1" lang="en"/>
-              <a:t>Dalton Muck</a:t>
-            </a:r>
-            <a:endParaRPr b="1"/>
-          </a:p>
-        </p:txBody>
-      </p:sp>
-      <p:sp>
-        <p:nvSpPr>
-          <p:cNvPr id="108" name="Google Shape;108;p21"/>
-          <p:cNvSpPr txBox="1"/>
-          <p:nvPr>
-            <p:ph idx="1" type="body"/>
-          </p:nvPr>
-        </p:nvSpPr>
-        <p:spPr>
-          <a:xfrm>
-            <a:off x="311700" y="1152475"/>
-            <a:ext cx="2174700" cy="3416400"/>
-          </a:xfrm>
-          <a:prstGeom prst="rect">
-            <a:avLst/>
-          </a:prstGeom>
-        </p:spPr>
-        <p:txBody>
-          <a:bodyPr anchorCtr="0" anchor="t" bIns="91425" lIns="91425" spcFirstLastPara="1" rIns="91425" wrap="square" tIns="91425">
-            <a:noAutofit/>
-          </a:bodyPr>
-          <a:lstStyle/>
-          <a:p>
-            <a:pPr indent="-330200" lvl="0" marL="457200" rtl="0" algn="l">
-              <a:lnSpc>
-                <a:spcPct val="100000"/>
-              </a:lnSpc>
-              <a:spcBef>
-                <a:spcPts val="0"/>
-              </a:spcBef>
-              <a:spcAft>
-                <a:spcPts val="0"/>
-              </a:spcAft>
-              <a:buClr>
-                <a:schemeClr val="dk1"/>
-              </a:buClr>
-              <a:buSzPts val="1600"/>
-              <a:buChar char="●"/>
-            </a:pPr>
-            <a:r>
-              <a:rPr lang="en" sz="1600">
-                <a:solidFill>
-                  <a:schemeClr val="dk1"/>
-                </a:solidFill>
-              </a:rPr>
-              <a:t>Defined team goals, tech stack, and collected team info in an official Readme </a:t>
-            </a:r>
-            <a:endParaRPr sz="1600">
-              <a:solidFill>
-                <a:schemeClr val="dk1"/>
-              </a:solidFill>
-            </a:endParaRPr>
-          </a:p>
-          <a:p>
-            <a:pPr indent="-330200" lvl="1" marL="914400" rtl="0" algn="l">
-              <a:lnSpc>
-                <a:spcPct val="100000"/>
-              </a:lnSpc>
-              <a:spcBef>
-                <a:spcPts val="0"/>
-              </a:spcBef>
-              <a:spcAft>
-                <a:spcPts val="0"/>
-              </a:spcAft>
-              <a:buClr>
-                <a:schemeClr val="dk1"/>
-              </a:buClr>
-              <a:buSzPts val="1600"/>
-              <a:buChar char="○"/>
-            </a:pPr>
-            <a:r>
-              <a:rPr lang="en" sz="1600">
-                <a:solidFill>
-                  <a:schemeClr val="dk1"/>
-                </a:solidFill>
-              </a:rPr>
-              <a:t>Committed to Repo</a:t>
-            </a:r>
-            <a:endParaRPr sz="1600">
-              <a:solidFill>
-                <a:schemeClr val="dk1"/>
-              </a:solidFill>
-            </a:endParaRPr>
-          </a:p>
-          <a:p>
-            <a:pPr indent="0" lvl="0" marL="0" rtl="0" algn="l">
-              <a:lnSpc>
-                <a:spcPct val="100000"/>
-              </a:lnSpc>
-              <a:spcBef>
-                <a:spcPts val="1200"/>
-              </a:spcBef>
-              <a:spcAft>
-                <a:spcPts val="0"/>
-              </a:spcAft>
-              <a:buNone/>
-            </a:pPr>
-            <a:r>
-              <a:t/>
-            </a:r>
-            <a:endParaRPr sz="1600">
-              <a:solidFill>
-                <a:schemeClr val="dk1"/>
-              </a:solidFill>
-            </a:endParaRPr>
-          </a:p>
-          <a:p>
-            <a:pPr indent="0" lvl="0" marL="0" rtl="0" algn="l">
-              <a:lnSpc>
-                <a:spcPct val="100000"/>
-              </a:lnSpc>
-              <a:spcBef>
-                <a:spcPts val="1200"/>
-              </a:spcBef>
-              <a:spcAft>
-                <a:spcPts val="1200"/>
-              </a:spcAft>
-              <a:buNone/>
-            </a:pPr>
-            <a:r>
-              <a:rPr lang="en" sz="1600" u="sng">
-                <a:solidFill>
-                  <a:schemeClr val="hlink"/>
-                </a:solidFill>
-                <a:hlinkClick r:id="rId3"/>
-              </a:rPr>
-              <a:t>Link to the README.md</a:t>
-            </a:r>
-            <a:endParaRPr sz="1600"/>
-          </a:p>
-        </p:txBody>
-      </p:sp>
-      <p:pic>
-        <p:nvPicPr>
-          <p:cNvPr id="109" name="Google Shape;109;p21"/>
-          <p:cNvPicPr preferRelativeResize="0"/>
-          <p:nvPr/>
-        </p:nvPicPr>
-        <p:blipFill>
-          <a:blip r:embed="rId4">
-            <a:alphaModFix/>
-          </a:blip>
-          <a:stretch>
-            <a:fillRect/>
-          </a:stretch>
-        </p:blipFill>
-        <p:spPr>
-          <a:xfrm>
-            <a:off x="2579075" y="730450"/>
-            <a:ext cx="6462674" cy="3682600"/>
-          </a:xfrm>
-          <a:prstGeom prst="rect">
-            <a:avLst/>
-          </a:prstGeom>
-          <a:noFill/>
-          <a:ln>
-            <a:noFill/>
-          </a:ln>
-        </p:spPr>
-      </p:pic>
-    </p:spTree>
-  </p:cSld>
-  <p:clrMapOvr>
-    <a:masterClrMapping/>
-  </p:clrMapOvr>
-</p:sld>
-</file>
-
 <file path=ppt/theme/theme1.xml><?xml version="1.0" encoding="utf-8"?>
-<a:theme xmlns:a="http://schemas.openxmlformats.org/drawingml/2006/main" xmlns:r="http://schemas.openxmlformats.org/officeDocument/2006/relationships" name="Simple Light">
+<a:theme xmlns:a="http://schemas.openxmlformats.org/drawingml/2006/main" name="Simple Light">
   <a:themeElements>
     <a:clrScheme name="Simple Light">
       <a:dk1>
@@ -9747,11 +10057,13 @@
       </a:bgFillStyleLst>
     </a:fmtScheme>
   </a:themeElements>
+  <a:objectDefaults/>
+  <a:extraClrSchemeLst/>
 </a:theme>
 </file>
 
 <file path=ppt/theme/theme2.xml><?xml version="1.0" encoding="utf-8"?>
-<a:theme xmlns:a="http://schemas.openxmlformats.org/drawingml/2006/main" xmlns:r="http://schemas.openxmlformats.org/officeDocument/2006/relationships">
+<a:theme xmlns:a="http://schemas.openxmlformats.org/drawingml/2006/main">
   <a:themeElements>
     <a:clrScheme name="Default">
       <a:dk1>
@@ -10026,5 +10338,7 @@
       </a:bgFillStyleLst>
     </a:fmtScheme>
   </a:themeElements>
+  <a:objectDefaults/>
+  <a:extraClrSchemeLst/>
 </a:theme>
 </file>